--- a/img/pin_map.pptx
+++ b/img/pin_map.pptx
@@ -10,6 +10,7 @@
     <p:sldId id="259" r:id="rId4"/>
     <p:sldId id="260" r:id="rId5"/>
     <p:sldId id="261" r:id="rId6"/>
+    <p:sldId id="262" r:id="rId7"/>
   </p:sldIdLst>
   <p:sldSz cx="12192000" cy="6858000"/>
   <p:notesSz cx="6858000" cy="9144000"/>
@@ -277,7 +278,7 @@
           <a:p>
             <a:fld id="{6BAEC7DB-416E-4648-AE31-15D6F0A9A9FB}" type="datetimeFigureOut">
               <a:rPr lang="en-US" smtClean="0"/>
-              <a:t>9/21/2018</a:t>
+              <a:t>9/25/2018</a:t>
             </a:fld>
             <a:endParaRPr lang="en-US"/>
           </a:p>
@@ -477,7 +478,7 @@
           <a:p>
             <a:fld id="{6BAEC7DB-416E-4648-AE31-15D6F0A9A9FB}" type="datetimeFigureOut">
               <a:rPr lang="en-US" smtClean="0"/>
-              <a:t>9/21/2018</a:t>
+              <a:t>9/25/2018</a:t>
             </a:fld>
             <a:endParaRPr lang="en-US"/>
           </a:p>
@@ -687,7 +688,7 @@
           <a:p>
             <a:fld id="{6BAEC7DB-416E-4648-AE31-15D6F0A9A9FB}" type="datetimeFigureOut">
               <a:rPr lang="en-US" smtClean="0"/>
-              <a:t>9/21/2018</a:t>
+              <a:t>9/25/2018</a:t>
             </a:fld>
             <a:endParaRPr lang="en-US"/>
           </a:p>
@@ -887,7 +888,7 @@
           <a:p>
             <a:fld id="{6BAEC7DB-416E-4648-AE31-15D6F0A9A9FB}" type="datetimeFigureOut">
               <a:rPr lang="en-US" smtClean="0"/>
-              <a:t>9/21/2018</a:t>
+              <a:t>9/25/2018</a:t>
             </a:fld>
             <a:endParaRPr lang="en-US"/>
           </a:p>
@@ -1163,7 +1164,7 @@
           <a:p>
             <a:fld id="{6BAEC7DB-416E-4648-AE31-15D6F0A9A9FB}" type="datetimeFigureOut">
               <a:rPr lang="en-US" smtClean="0"/>
-              <a:t>9/21/2018</a:t>
+              <a:t>9/25/2018</a:t>
             </a:fld>
             <a:endParaRPr lang="en-US"/>
           </a:p>
@@ -1431,7 +1432,7 @@
           <a:p>
             <a:fld id="{6BAEC7DB-416E-4648-AE31-15D6F0A9A9FB}" type="datetimeFigureOut">
               <a:rPr lang="en-US" smtClean="0"/>
-              <a:t>9/21/2018</a:t>
+              <a:t>9/25/2018</a:t>
             </a:fld>
             <a:endParaRPr lang="en-US"/>
           </a:p>
@@ -1846,7 +1847,7 @@
           <a:p>
             <a:fld id="{6BAEC7DB-416E-4648-AE31-15D6F0A9A9FB}" type="datetimeFigureOut">
               <a:rPr lang="en-US" smtClean="0"/>
-              <a:t>9/21/2018</a:t>
+              <a:t>9/25/2018</a:t>
             </a:fld>
             <a:endParaRPr lang="en-US"/>
           </a:p>
@@ -1988,7 +1989,7 @@
           <a:p>
             <a:fld id="{6BAEC7DB-416E-4648-AE31-15D6F0A9A9FB}" type="datetimeFigureOut">
               <a:rPr lang="en-US" smtClean="0"/>
-              <a:t>9/21/2018</a:t>
+              <a:t>9/25/2018</a:t>
             </a:fld>
             <a:endParaRPr lang="en-US"/>
           </a:p>
@@ -2101,7 +2102,7 @@
           <a:p>
             <a:fld id="{6BAEC7DB-416E-4648-AE31-15D6F0A9A9FB}" type="datetimeFigureOut">
               <a:rPr lang="en-US" smtClean="0"/>
-              <a:t>9/21/2018</a:t>
+              <a:t>9/25/2018</a:t>
             </a:fld>
             <a:endParaRPr lang="en-US"/>
           </a:p>
@@ -2414,7 +2415,7 @@
           <a:p>
             <a:fld id="{6BAEC7DB-416E-4648-AE31-15D6F0A9A9FB}" type="datetimeFigureOut">
               <a:rPr lang="en-US" smtClean="0"/>
-              <a:t>9/21/2018</a:t>
+              <a:t>9/25/2018</a:t>
             </a:fld>
             <a:endParaRPr lang="en-US"/>
           </a:p>
@@ -2703,7 +2704,7 @@
           <a:p>
             <a:fld id="{6BAEC7DB-416E-4648-AE31-15D6F0A9A9FB}" type="datetimeFigureOut">
               <a:rPr lang="en-US" smtClean="0"/>
-              <a:t>9/21/2018</a:t>
+              <a:t>9/25/2018</a:t>
             </a:fld>
             <a:endParaRPr lang="en-US"/>
           </a:p>
@@ -2946,7 +2947,7 @@
           <a:p>
             <a:fld id="{6BAEC7DB-416E-4648-AE31-15D6F0A9A9FB}" type="datetimeFigureOut">
               <a:rPr lang="en-US" smtClean="0"/>
-              <a:t>9/21/2018</a:t>
+              <a:t>9/25/2018</a:t>
             </a:fld>
             <a:endParaRPr lang="en-US"/>
           </a:p>
@@ -9601,6 +9602,617 @@
 </p:sld>
 </file>
 
+<file path=ppt/slides/slide6.xml><?xml version="1.0" encoding="utf-8"?>
+<p:sld xmlns:a="http://schemas.openxmlformats.org/drawingml/2006/main" xmlns:r="http://schemas.openxmlformats.org/officeDocument/2006/relationships" xmlns:p="http://schemas.openxmlformats.org/presentationml/2006/main">
+  <p:cSld>
+    <p:spTree>
+      <p:nvGrpSpPr>
+        <p:cNvPr id="1" name=""/>
+        <p:cNvGrpSpPr/>
+        <p:nvPr/>
+      </p:nvGrpSpPr>
+      <p:grpSpPr>
+        <a:xfrm>
+          <a:off x="0" y="0"/>
+          <a:ext cx="0" cy="0"/>
+          <a:chOff x="0" y="0"/>
+          <a:chExt cx="0" cy="0"/>
+        </a:xfrm>
+      </p:grpSpPr>
+      <p:pic>
+        <p:nvPicPr>
+          <p:cNvPr id="4" name="图片 3">
+            <a:extLst>
+              <a:ext uri="{FF2B5EF4-FFF2-40B4-BE49-F238E27FC236}">
+                <a16:creationId xmlns:a16="http://schemas.microsoft.com/office/drawing/2014/main" id="{E3E8B07B-08AF-4110-9CCE-005DB7E4F8E0}"/>
+              </a:ext>
+            </a:extLst>
+          </p:cNvPr>
+          <p:cNvPicPr>
+            <a:picLocks noChangeAspect="1"/>
+          </p:cNvPicPr>
+          <p:nvPr/>
+        </p:nvPicPr>
+        <p:blipFill>
+          <a:blip r:embed="rId2">
+            <a:extLst>
+              <a:ext uri="{28A0092B-C50C-407E-A947-70E740481C1C}">
+                <a14:useLocalDpi xmlns:a14="http://schemas.microsoft.com/office/drawing/2010/main" val="0"/>
+              </a:ext>
+            </a:extLst>
+          </a:blip>
+          <a:stretch>
+            <a:fillRect/>
+          </a:stretch>
+        </p:blipFill>
+        <p:spPr>
+          <a:xfrm>
+            <a:off x="1054269" y="-60618"/>
+            <a:ext cx="5334000" cy="4000500"/>
+          </a:xfrm>
+          <a:prstGeom prst="rect">
+            <a:avLst/>
+          </a:prstGeom>
+        </p:spPr>
+      </p:pic>
+      <p:pic>
+        <p:nvPicPr>
+          <p:cNvPr id="5" name="图片 4">
+            <a:extLst>
+              <a:ext uri="{FF2B5EF4-FFF2-40B4-BE49-F238E27FC236}">
+                <a16:creationId xmlns:a16="http://schemas.microsoft.com/office/drawing/2014/main" id="{5B10D33E-2286-442C-B1F1-A59048FD9629}"/>
+              </a:ext>
+            </a:extLst>
+          </p:cNvPr>
+          <p:cNvPicPr>
+            <a:picLocks noChangeAspect="1"/>
+          </p:cNvPicPr>
+          <p:nvPr/>
+        </p:nvPicPr>
+        <p:blipFill>
+          <a:blip r:embed="rId3">
+            <a:extLst>
+              <a:ext uri="{28A0092B-C50C-407E-A947-70E740481C1C}">
+                <a14:useLocalDpi xmlns:a14="http://schemas.microsoft.com/office/drawing/2010/main" val="0"/>
+              </a:ext>
+            </a:extLst>
+          </a:blip>
+          <a:stretch>
+            <a:fillRect/>
+          </a:stretch>
+        </p:blipFill>
+        <p:spPr>
+          <a:xfrm>
+            <a:off x="5699807" y="-145508"/>
+            <a:ext cx="5559698" cy="4169774"/>
+          </a:xfrm>
+          <a:prstGeom prst="rect">
+            <a:avLst/>
+          </a:prstGeom>
+        </p:spPr>
+      </p:pic>
+      <p:cxnSp>
+        <p:nvCxnSpPr>
+          <p:cNvPr id="7" name="直接连接符 6">
+            <a:extLst>
+              <a:ext uri="{FF2B5EF4-FFF2-40B4-BE49-F238E27FC236}">
+                <a16:creationId xmlns:a16="http://schemas.microsoft.com/office/drawing/2014/main" id="{FDA35803-AEB1-43C7-B980-660D9411AC1B}"/>
+              </a:ext>
+            </a:extLst>
+          </p:cNvPr>
+          <p:cNvCxnSpPr>
+            <a:cxnSpLocks/>
+          </p:cNvCxnSpPr>
+          <p:nvPr/>
+        </p:nvCxnSpPr>
+        <p:spPr>
+          <a:xfrm rot="8700000">
+            <a:off x="6283610" y="5222367"/>
+            <a:ext cx="1333500" cy="0"/>
+          </a:xfrm>
+          <a:prstGeom prst="line">
+            <a:avLst/>
+          </a:prstGeom>
+          <a:ln w="38100">
+            <a:solidFill>
+              <a:srgbClr val="EDEADE"/>
+            </a:solidFill>
+          </a:ln>
+        </p:spPr>
+        <p:style>
+          <a:lnRef idx="1">
+            <a:schemeClr val="accent1"/>
+          </a:lnRef>
+          <a:fillRef idx="0">
+            <a:schemeClr val="accent1"/>
+          </a:fillRef>
+          <a:effectRef idx="0">
+            <a:schemeClr val="accent1"/>
+          </a:effectRef>
+          <a:fontRef idx="minor">
+            <a:schemeClr val="tx1"/>
+          </a:fontRef>
+        </p:style>
+      </p:cxnSp>
+      <p:cxnSp>
+        <p:nvCxnSpPr>
+          <p:cNvPr id="9" name="直接连接符 8">
+            <a:extLst>
+              <a:ext uri="{FF2B5EF4-FFF2-40B4-BE49-F238E27FC236}">
+                <a16:creationId xmlns:a16="http://schemas.microsoft.com/office/drawing/2014/main" id="{D44D4A88-C775-429D-B2FB-709FB8A6E031}"/>
+              </a:ext>
+            </a:extLst>
+          </p:cNvPr>
+          <p:cNvCxnSpPr>
+            <a:cxnSpLocks/>
+          </p:cNvCxnSpPr>
+          <p:nvPr/>
+        </p:nvCxnSpPr>
+        <p:spPr>
+          <a:xfrm rot="-8700000">
+            <a:off x="6283611" y="4457502"/>
+            <a:ext cx="1333500" cy="0"/>
+          </a:xfrm>
+          <a:prstGeom prst="line">
+            <a:avLst/>
+          </a:prstGeom>
+          <a:ln w="38100">
+            <a:solidFill>
+              <a:srgbClr val="EA5F41"/>
+            </a:solidFill>
+          </a:ln>
+        </p:spPr>
+        <p:style>
+          <a:lnRef idx="1">
+            <a:schemeClr val="accent1"/>
+          </a:lnRef>
+          <a:fillRef idx="0">
+            <a:schemeClr val="accent1"/>
+          </a:fillRef>
+          <a:effectRef idx="0">
+            <a:schemeClr val="accent1"/>
+          </a:effectRef>
+          <a:fontRef idx="minor">
+            <a:schemeClr val="tx1"/>
+          </a:fontRef>
+        </p:style>
+      </p:cxnSp>
+      <p:cxnSp>
+        <p:nvCxnSpPr>
+          <p:cNvPr id="11" name="直接连接符 10">
+            <a:extLst>
+              <a:ext uri="{FF2B5EF4-FFF2-40B4-BE49-F238E27FC236}">
+                <a16:creationId xmlns:a16="http://schemas.microsoft.com/office/drawing/2014/main" id="{2F4C0D97-EC15-4556-93A2-2B6012605AA4}"/>
+              </a:ext>
+            </a:extLst>
+          </p:cNvPr>
+          <p:cNvCxnSpPr/>
+          <p:nvPr/>
+        </p:nvCxnSpPr>
+        <p:spPr>
+          <a:xfrm flipH="1">
+            <a:off x="4235735" y="4075069"/>
+            <a:ext cx="2168455" cy="0"/>
+          </a:xfrm>
+          <a:prstGeom prst="line">
+            <a:avLst/>
+          </a:prstGeom>
+          <a:ln w="38100">
+            <a:solidFill>
+              <a:srgbClr val="EA5F41"/>
+            </a:solidFill>
+          </a:ln>
+        </p:spPr>
+        <p:style>
+          <a:lnRef idx="1">
+            <a:schemeClr val="accent1"/>
+          </a:lnRef>
+          <a:fillRef idx="0">
+            <a:schemeClr val="accent1"/>
+          </a:fillRef>
+          <a:effectRef idx="0">
+            <a:schemeClr val="accent1"/>
+          </a:effectRef>
+          <a:fontRef idx="minor">
+            <a:schemeClr val="tx1"/>
+          </a:fontRef>
+        </p:style>
+      </p:cxnSp>
+      <p:cxnSp>
+        <p:nvCxnSpPr>
+          <p:cNvPr id="12" name="直接连接符 11">
+            <a:extLst>
+              <a:ext uri="{FF2B5EF4-FFF2-40B4-BE49-F238E27FC236}">
+                <a16:creationId xmlns:a16="http://schemas.microsoft.com/office/drawing/2014/main" id="{ED546BF1-D6E5-4FE2-9B7C-D0510F8DA573}"/>
+              </a:ext>
+            </a:extLst>
+          </p:cNvPr>
+          <p:cNvCxnSpPr/>
+          <p:nvPr/>
+        </p:nvCxnSpPr>
+        <p:spPr>
+          <a:xfrm flipH="1">
+            <a:off x="4235735" y="5604800"/>
+            <a:ext cx="2168455" cy="0"/>
+          </a:xfrm>
+          <a:prstGeom prst="line">
+            <a:avLst/>
+          </a:prstGeom>
+          <a:ln w="38100">
+            <a:solidFill>
+              <a:srgbClr val="EDEADE"/>
+            </a:solidFill>
+          </a:ln>
+        </p:spPr>
+        <p:style>
+          <a:lnRef idx="1">
+            <a:schemeClr val="accent1"/>
+          </a:lnRef>
+          <a:fillRef idx="0">
+            <a:schemeClr val="accent1"/>
+          </a:fillRef>
+          <a:effectRef idx="0">
+            <a:schemeClr val="accent1"/>
+          </a:effectRef>
+          <a:fontRef idx="minor">
+            <a:schemeClr val="tx1"/>
+          </a:fontRef>
+        </p:style>
+      </p:cxnSp>
+      <p:sp>
+        <p:nvSpPr>
+          <p:cNvPr id="13" name="文本框 12">
+            <a:extLst>
+              <a:ext uri="{FF2B5EF4-FFF2-40B4-BE49-F238E27FC236}">
+                <a16:creationId xmlns:a16="http://schemas.microsoft.com/office/drawing/2014/main" id="{23941CF2-3612-4D2D-B896-8236E3333496}"/>
+              </a:ext>
+            </a:extLst>
+          </p:cNvPr>
+          <p:cNvSpPr txBox="1"/>
+          <p:nvPr/>
+        </p:nvSpPr>
+        <p:spPr>
+          <a:xfrm>
+            <a:off x="7346490" y="4655267"/>
+            <a:ext cx="256802" cy="369332"/>
+          </a:xfrm>
+          <a:prstGeom prst="rect">
+            <a:avLst/>
+          </a:prstGeom>
+          <a:noFill/>
+        </p:spPr>
+        <p:txBody>
+          <a:bodyPr wrap="none" rtlCol="0">
+            <a:spAutoFit/>
+          </a:bodyPr>
+          <a:lstStyle/>
+          <a:p>
+            <a:r>
+              <a:rPr lang="en-US">
+                <a:cs typeface="+mn-ea"/>
+              </a:rPr>
+              <a:t>•</a:t>
+            </a:r>
+          </a:p>
+        </p:txBody>
+      </p:sp>
+      <p:sp>
+        <p:nvSpPr>
+          <p:cNvPr id="14" name="文本框 13">
+            <a:extLst>
+              <a:ext uri="{FF2B5EF4-FFF2-40B4-BE49-F238E27FC236}">
+                <a16:creationId xmlns:a16="http://schemas.microsoft.com/office/drawing/2014/main" id="{39657180-F92D-4E0B-ADAB-314C8036B707}"/>
+              </a:ext>
+            </a:extLst>
+          </p:cNvPr>
+          <p:cNvSpPr txBox="1"/>
+          <p:nvPr/>
+        </p:nvSpPr>
+        <p:spPr>
+          <a:xfrm>
+            <a:off x="7496530" y="4655267"/>
+            <a:ext cx="2082621" cy="369332"/>
+          </a:xfrm>
+          <a:prstGeom prst="rect">
+            <a:avLst/>
+          </a:prstGeom>
+          <a:noFill/>
+        </p:spPr>
+        <p:txBody>
+          <a:bodyPr wrap="none" rtlCol="0">
+            <a:spAutoFit/>
+          </a:bodyPr>
+          <a:lstStyle/>
+          <a:p>
+            <a:r>
+              <a:rPr lang="en-US">
+                <a:cs typeface="+mn-ea"/>
+              </a:rPr>
+              <a:t>H</a:t>
+            </a:r>
+            <a:r>
+              <a:rPr lang="en-US" altLang="zh-CN">
+                <a:cs typeface="+mn-ea"/>
+              </a:rPr>
+              <a:t>ot Junction(</a:t>
+            </a:r>
+            <a:r>
+              <a:rPr lang="zh-CN" altLang="en-US">
+                <a:cs typeface="+mn-ea"/>
+              </a:rPr>
+              <a:t>热端</a:t>
+            </a:r>
+            <a:r>
+              <a:rPr lang="en-US" altLang="zh-CN">
+                <a:cs typeface="+mn-ea"/>
+              </a:rPr>
+              <a:t>)</a:t>
+            </a:r>
+            <a:endParaRPr lang="en-US">
+              <a:cs typeface="+mn-ea"/>
+            </a:endParaRPr>
+          </a:p>
+        </p:txBody>
+      </p:sp>
+      <p:sp>
+        <p:nvSpPr>
+          <p:cNvPr id="15" name="文本框 14">
+            <a:extLst>
+              <a:ext uri="{FF2B5EF4-FFF2-40B4-BE49-F238E27FC236}">
+                <a16:creationId xmlns:a16="http://schemas.microsoft.com/office/drawing/2014/main" id="{0766DD25-116D-4FFA-A2D8-D3FAE7AB187B}"/>
+              </a:ext>
+            </a:extLst>
+          </p:cNvPr>
+          <p:cNvSpPr txBox="1"/>
+          <p:nvPr/>
+        </p:nvSpPr>
+        <p:spPr>
+          <a:xfrm>
+            <a:off x="4351693" y="3663836"/>
+            <a:ext cx="2133918" cy="369332"/>
+          </a:xfrm>
+          <a:prstGeom prst="rect">
+            <a:avLst/>
+          </a:prstGeom>
+          <a:noFill/>
+        </p:spPr>
+        <p:txBody>
+          <a:bodyPr wrap="none" rtlCol="0">
+            <a:spAutoFit/>
+          </a:bodyPr>
+          <a:lstStyle/>
+          <a:p>
+            <a:r>
+              <a:rPr lang="en-US">
+                <a:cs typeface="+mn-ea"/>
+              </a:rPr>
+              <a:t>Chromel(</a:t>
+            </a:r>
+            <a:r>
+              <a:rPr lang="zh-CN" altLang="en-US">
+                <a:cs typeface="+mn-ea"/>
+              </a:rPr>
+              <a:t>镍铬合金</a:t>
+            </a:r>
+            <a:r>
+              <a:rPr lang="en-US">
+                <a:cs typeface="+mn-ea"/>
+              </a:rPr>
+              <a:t>)</a:t>
+            </a:r>
+          </a:p>
+        </p:txBody>
+      </p:sp>
+      <p:sp>
+        <p:nvSpPr>
+          <p:cNvPr id="17" name="文本框 16">
+            <a:extLst>
+              <a:ext uri="{FF2B5EF4-FFF2-40B4-BE49-F238E27FC236}">
+                <a16:creationId xmlns:a16="http://schemas.microsoft.com/office/drawing/2014/main" id="{5568B690-3FE4-4C52-B6FF-09177383B474}"/>
+              </a:ext>
+            </a:extLst>
+          </p:cNvPr>
+          <p:cNvSpPr txBox="1"/>
+          <p:nvPr/>
+        </p:nvSpPr>
+        <p:spPr>
+          <a:xfrm>
+            <a:off x="4682608" y="5611767"/>
+            <a:ext cx="1274708" cy="369332"/>
+          </a:xfrm>
+          <a:prstGeom prst="rect">
+            <a:avLst/>
+          </a:prstGeom>
+          <a:noFill/>
+        </p:spPr>
+        <p:txBody>
+          <a:bodyPr wrap="none" rtlCol="0">
+            <a:spAutoFit/>
+          </a:bodyPr>
+          <a:lstStyle/>
+          <a:p>
+            <a:r>
+              <a:rPr lang="en-US">
+                <a:cs typeface="+mn-ea"/>
+              </a:rPr>
+              <a:t>Alumel(</a:t>
+            </a:r>
+            <a:r>
+              <a:rPr lang="zh-CN" altLang="en-US">
+                <a:cs typeface="+mn-ea"/>
+              </a:rPr>
+              <a:t>铝</a:t>
+            </a:r>
+            <a:r>
+              <a:rPr lang="en-US">
+                <a:cs typeface="+mn-ea"/>
+              </a:rPr>
+              <a:t>)</a:t>
+            </a:r>
+          </a:p>
+        </p:txBody>
+      </p:sp>
+      <p:sp>
+        <p:nvSpPr>
+          <p:cNvPr id="18" name="文本框 17">
+            <a:extLst>
+              <a:ext uri="{FF2B5EF4-FFF2-40B4-BE49-F238E27FC236}">
+                <a16:creationId xmlns:a16="http://schemas.microsoft.com/office/drawing/2014/main" id="{299F9B1E-B44D-40B7-8961-E1901057F56A}"/>
+              </a:ext>
+            </a:extLst>
+          </p:cNvPr>
+          <p:cNvSpPr txBox="1"/>
+          <p:nvPr/>
+        </p:nvSpPr>
+        <p:spPr>
+          <a:xfrm>
+            <a:off x="4118452" y="5419122"/>
+            <a:ext cx="256802" cy="369332"/>
+          </a:xfrm>
+          <a:prstGeom prst="rect">
+            <a:avLst/>
+          </a:prstGeom>
+          <a:noFill/>
+        </p:spPr>
+        <p:txBody>
+          <a:bodyPr wrap="none" rtlCol="0">
+            <a:spAutoFit/>
+          </a:bodyPr>
+          <a:lstStyle/>
+          <a:p>
+            <a:r>
+              <a:rPr lang="en-US">
+                <a:cs typeface="+mn-ea"/>
+              </a:rPr>
+              <a:t>•</a:t>
+            </a:r>
+          </a:p>
+        </p:txBody>
+      </p:sp>
+      <p:sp>
+        <p:nvSpPr>
+          <p:cNvPr id="19" name="文本框 18">
+            <a:extLst>
+              <a:ext uri="{FF2B5EF4-FFF2-40B4-BE49-F238E27FC236}">
+                <a16:creationId xmlns:a16="http://schemas.microsoft.com/office/drawing/2014/main" id="{C4B1F546-7485-450F-8BC8-9BBB606A2AF4}"/>
+              </a:ext>
+            </a:extLst>
+          </p:cNvPr>
+          <p:cNvSpPr txBox="1"/>
+          <p:nvPr/>
+        </p:nvSpPr>
+        <p:spPr>
+          <a:xfrm>
+            <a:off x="4067222" y="3888178"/>
+            <a:ext cx="256802" cy="369332"/>
+          </a:xfrm>
+          <a:prstGeom prst="rect">
+            <a:avLst/>
+          </a:prstGeom>
+          <a:noFill/>
+        </p:spPr>
+        <p:txBody>
+          <a:bodyPr wrap="none" rtlCol="0">
+            <a:spAutoFit/>
+          </a:bodyPr>
+          <a:lstStyle/>
+          <a:p>
+            <a:r>
+              <a:rPr lang="en-US">
+                <a:cs typeface="+mn-ea"/>
+              </a:rPr>
+              <a:t>•</a:t>
+            </a:r>
+          </a:p>
+        </p:txBody>
+      </p:sp>
+      <p:sp>
+        <p:nvSpPr>
+          <p:cNvPr id="20" name="文本框 19">
+            <a:extLst>
+              <a:ext uri="{FF2B5EF4-FFF2-40B4-BE49-F238E27FC236}">
+                <a16:creationId xmlns:a16="http://schemas.microsoft.com/office/drawing/2014/main" id="{F57C0BDD-1ECF-4A82-9FFF-E8E03F4C6AAE}"/>
+              </a:ext>
+            </a:extLst>
+          </p:cNvPr>
+          <p:cNvSpPr txBox="1"/>
+          <p:nvPr/>
+        </p:nvSpPr>
+        <p:spPr>
+          <a:xfrm>
+            <a:off x="3754580" y="3791098"/>
+            <a:ext cx="383438" cy="523220"/>
+          </a:xfrm>
+          <a:prstGeom prst="rect">
+            <a:avLst/>
+          </a:prstGeom>
+          <a:noFill/>
+        </p:spPr>
+        <p:txBody>
+          <a:bodyPr wrap="none" rtlCol="0">
+            <a:spAutoFit/>
+          </a:bodyPr>
+          <a:lstStyle/>
+          <a:p>
+            <a:r>
+              <a:rPr lang="en-US" sz="2800">
+                <a:cs typeface="+mn-ea"/>
+              </a:rPr>
+              <a:t>+</a:t>
+            </a:r>
+          </a:p>
+        </p:txBody>
+      </p:sp>
+      <p:sp>
+        <p:nvSpPr>
+          <p:cNvPr id="22" name="文本框 21">
+            <a:extLst>
+              <a:ext uri="{FF2B5EF4-FFF2-40B4-BE49-F238E27FC236}">
+                <a16:creationId xmlns:a16="http://schemas.microsoft.com/office/drawing/2014/main" id="{D4AC46EA-5723-4D18-A942-8C2FB4A24051}"/>
+              </a:ext>
+            </a:extLst>
+          </p:cNvPr>
+          <p:cNvSpPr txBox="1"/>
+          <p:nvPr/>
+        </p:nvSpPr>
+        <p:spPr>
+          <a:xfrm>
+            <a:off x="3758439" y="5337785"/>
+            <a:ext cx="314510" cy="523220"/>
+          </a:xfrm>
+          <a:prstGeom prst="rect">
+            <a:avLst/>
+          </a:prstGeom>
+          <a:noFill/>
+        </p:spPr>
+        <p:txBody>
+          <a:bodyPr wrap="none" rtlCol="0">
+            <a:spAutoFit/>
+          </a:bodyPr>
+          <a:lstStyle/>
+          <a:p>
+            <a:r>
+              <a:rPr lang="en-US" sz="2800">
+                <a:cs typeface="+mn-ea"/>
+              </a:rPr>
+              <a:t>-</a:t>
+            </a:r>
+          </a:p>
+        </p:txBody>
+      </p:sp>
+    </p:spTree>
+    <p:extLst>
+      <p:ext uri="{BB962C8B-B14F-4D97-AF65-F5344CB8AC3E}">
+        <p14:creationId xmlns:p14="http://schemas.microsoft.com/office/powerpoint/2010/main" val="2454976157"/>
+      </p:ext>
+    </p:extLst>
+  </p:cSld>
+  <p:clrMapOvr>
+    <a:masterClrMapping/>
+  </p:clrMapOvr>
+</p:sld>
+</file>
+
 <file path=ppt/theme/theme1.xml><?xml version="1.0" encoding="utf-8"?>
 <a:theme xmlns:a="http://schemas.openxmlformats.org/drawingml/2006/main" name="Office 主题​​">
   <a:themeElements>

--- a/img/pin_map.pptx
+++ b/img/pin_map.pptx
@@ -11,6 +11,7 @@
     <p:sldId id="260" r:id="rId5"/>
     <p:sldId id="261" r:id="rId6"/>
     <p:sldId id="262" r:id="rId7"/>
+    <p:sldId id="263" r:id="rId8"/>
   </p:sldIdLst>
   <p:sldSz cx="12192000" cy="6858000"/>
   <p:notesSz cx="6858000" cy="9144000"/>
@@ -278,7 +279,7 @@
           <a:p>
             <a:fld id="{6BAEC7DB-416E-4648-AE31-15D6F0A9A9FB}" type="datetimeFigureOut">
               <a:rPr lang="en-US" smtClean="0"/>
-              <a:t>9/25/2018</a:t>
+              <a:t>9/26/2018</a:t>
             </a:fld>
             <a:endParaRPr lang="en-US"/>
           </a:p>
@@ -478,7 +479,7 @@
           <a:p>
             <a:fld id="{6BAEC7DB-416E-4648-AE31-15D6F0A9A9FB}" type="datetimeFigureOut">
               <a:rPr lang="en-US" smtClean="0"/>
-              <a:t>9/25/2018</a:t>
+              <a:t>9/26/2018</a:t>
             </a:fld>
             <a:endParaRPr lang="en-US"/>
           </a:p>
@@ -688,7 +689,7 @@
           <a:p>
             <a:fld id="{6BAEC7DB-416E-4648-AE31-15D6F0A9A9FB}" type="datetimeFigureOut">
               <a:rPr lang="en-US" smtClean="0"/>
-              <a:t>9/25/2018</a:t>
+              <a:t>9/26/2018</a:t>
             </a:fld>
             <a:endParaRPr lang="en-US"/>
           </a:p>
@@ -888,7 +889,7 @@
           <a:p>
             <a:fld id="{6BAEC7DB-416E-4648-AE31-15D6F0A9A9FB}" type="datetimeFigureOut">
               <a:rPr lang="en-US" smtClean="0"/>
-              <a:t>9/25/2018</a:t>
+              <a:t>9/26/2018</a:t>
             </a:fld>
             <a:endParaRPr lang="en-US"/>
           </a:p>
@@ -1164,7 +1165,7 @@
           <a:p>
             <a:fld id="{6BAEC7DB-416E-4648-AE31-15D6F0A9A9FB}" type="datetimeFigureOut">
               <a:rPr lang="en-US" smtClean="0"/>
-              <a:t>9/25/2018</a:t>
+              <a:t>9/26/2018</a:t>
             </a:fld>
             <a:endParaRPr lang="en-US"/>
           </a:p>
@@ -1432,7 +1433,7 @@
           <a:p>
             <a:fld id="{6BAEC7DB-416E-4648-AE31-15D6F0A9A9FB}" type="datetimeFigureOut">
               <a:rPr lang="en-US" smtClean="0"/>
-              <a:t>9/25/2018</a:t>
+              <a:t>9/26/2018</a:t>
             </a:fld>
             <a:endParaRPr lang="en-US"/>
           </a:p>
@@ -1847,7 +1848,7 @@
           <a:p>
             <a:fld id="{6BAEC7DB-416E-4648-AE31-15D6F0A9A9FB}" type="datetimeFigureOut">
               <a:rPr lang="en-US" smtClean="0"/>
-              <a:t>9/25/2018</a:t>
+              <a:t>9/26/2018</a:t>
             </a:fld>
             <a:endParaRPr lang="en-US"/>
           </a:p>
@@ -1989,7 +1990,7 @@
           <a:p>
             <a:fld id="{6BAEC7DB-416E-4648-AE31-15D6F0A9A9FB}" type="datetimeFigureOut">
               <a:rPr lang="en-US" smtClean="0"/>
-              <a:t>9/25/2018</a:t>
+              <a:t>9/26/2018</a:t>
             </a:fld>
             <a:endParaRPr lang="en-US"/>
           </a:p>
@@ -2102,7 +2103,7 @@
           <a:p>
             <a:fld id="{6BAEC7DB-416E-4648-AE31-15D6F0A9A9FB}" type="datetimeFigureOut">
               <a:rPr lang="en-US" smtClean="0"/>
-              <a:t>9/25/2018</a:t>
+              <a:t>9/26/2018</a:t>
             </a:fld>
             <a:endParaRPr lang="en-US"/>
           </a:p>
@@ -2415,7 +2416,7 @@
           <a:p>
             <a:fld id="{6BAEC7DB-416E-4648-AE31-15D6F0A9A9FB}" type="datetimeFigureOut">
               <a:rPr lang="en-US" smtClean="0"/>
-              <a:t>9/25/2018</a:t>
+              <a:t>9/26/2018</a:t>
             </a:fld>
             <a:endParaRPr lang="en-US"/>
           </a:p>
@@ -2704,7 +2705,7 @@
           <a:p>
             <a:fld id="{6BAEC7DB-416E-4648-AE31-15D6F0A9A9FB}" type="datetimeFigureOut">
               <a:rPr lang="en-US" smtClean="0"/>
-              <a:t>9/25/2018</a:t>
+              <a:t>9/26/2018</a:t>
             </a:fld>
             <a:endParaRPr lang="en-US"/>
           </a:p>
@@ -2947,7 +2948,7 @@
           <a:p>
             <a:fld id="{6BAEC7DB-416E-4648-AE31-15D6F0A9A9FB}" type="datetimeFigureOut">
               <a:rPr lang="en-US" smtClean="0"/>
-              <a:t>9/25/2018</a:t>
+              <a:t>9/26/2018</a:t>
             </a:fld>
             <a:endParaRPr lang="en-US"/>
           </a:p>
@@ -10213,6 +10214,4053 @@
 </p:sld>
 </file>
 
+<file path=ppt/slides/slide7.xml><?xml version="1.0" encoding="utf-8"?>
+<p:sld xmlns:a="http://schemas.openxmlformats.org/drawingml/2006/main" xmlns:r="http://schemas.openxmlformats.org/officeDocument/2006/relationships" xmlns:p="http://schemas.openxmlformats.org/presentationml/2006/main">
+  <p:cSld>
+    <p:spTree>
+      <p:nvGrpSpPr>
+        <p:cNvPr id="1" name=""/>
+        <p:cNvGrpSpPr/>
+        <p:nvPr/>
+      </p:nvGrpSpPr>
+      <p:grpSpPr>
+        <a:xfrm>
+          <a:off x="0" y="0"/>
+          <a:ext cx="0" cy="0"/>
+          <a:chOff x="0" y="0"/>
+          <a:chExt cx="0" cy="0"/>
+        </a:xfrm>
+      </p:grpSpPr>
+      <p:cxnSp>
+        <p:nvCxnSpPr>
+          <p:cNvPr id="27" name="ExtraShape31">
+            <a:extLst>
+              <a:ext uri="{FF2B5EF4-FFF2-40B4-BE49-F238E27FC236}">
+                <a16:creationId xmlns:a16="http://schemas.microsoft.com/office/drawing/2014/main" id="{A25C5E9F-E1CC-4A6F-99EC-B420993A0A14}"/>
+              </a:ext>
+            </a:extLst>
+          </p:cNvPr>
+          <p:cNvCxnSpPr>
+            <a:cxnSpLocks/>
+          </p:cNvCxnSpPr>
+          <p:nvPr/>
+        </p:nvCxnSpPr>
+        <p:spPr>
+          <a:xfrm>
+            <a:off x="955882" y="618263"/>
+            <a:ext cx="1573982" cy="0"/>
+          </a:xfrm>
+          <a:prstGeom prst="line">
+            <a:avLst/>
+          </a:prstGeom>
+          <a:ln>
+            <a:solidFill>
+              <a:srgbClr val="3A4554"/>
+            </a:solidFill>
+            <a:prstDash val="dash"/>
+          </a:ln>
+        </p:spPr>
+        <p:style>
+          <a:lnRef idx="1">
+            <a:schemeClr val="accent1"/>
+          </a:lnRef>
+          <a:fillRef idx="0">
+            <a:schemeClr val="accent1"/>
+          </a:fillRef>
+          <a:effectRef idx="0">
+            <a:schemeClr val="accent1"/>
+          </a:effectRef>
+          <a:fontRef idx="minor">
+            <a:schemeClr val="tx1"/>
+          </a:fontRef>
+        </p:style>
+      </p:cxnSp>
+      <p:sp>
+        <p:nvSpPr>
+          <p:cNvPr id="28" name="CustomText1">
+            <a:extLst>
+              <a:ext uri="{FF2B5EF4-FFF2-40B4-BE49-F238E27FC236}">
+                <a16:creationId xmlns:a16="http://schemas.microsoft.com/office/drawing/2014/main" id="{1F2555C7-7851-4D05-9811-704B3F7B2645}"/>
+              </a:ext>
+            </a:extLst>
+          </p:cNvPr>
+          <p:cNvSpPr/>
+          <p:nvPr/>
+        </p:nvSpPr>
+        <p:spPr>
+          <a:xfrm>
+            <a:off x="955883" y="661244"/>
+            <a:ext cx="1573986" cy="241346"/>
+          </a:xfrm>
+          <a:prstGeom prst="rect">
+            <a:avLst/>
+          </a:prstGeom>
+          <a:noFill/>
+        </p:spPr>
+        <p:txBody>
+          <a:bodyPr wrap="none" lIns="90000" tIns="46800" rIns="90000" bIns="46800">
+            <a:noAutofit/>
+          </a:bodyPr>
+          <a:lstStyle/>
+          <a:p>
+            <a:pPr marL="0" marR="0" lvl="0" indent="0" algn="ctr" defTabSz="914400" rtl="0" eaLnBrk="1" fontAlgn="auto" latinLnBrk="0" hangingPunct="1">
+              <a:spcBef>
+                <a:spcPts val="0"/>
+              </a:spcBef>
+              <a:spcAft>
+                <a:spcPts val="0"/>
+              </a:spcAft>
+              <a:buClrTx/>
+              <a:buSzTx/>
+              <a:buFontTx/>
+              <a:buNone/>
+              <a:tabLst/>
+              <a:defRPr/>
+            </a:pPr>
+            <a:r>
+              <a:rPr kumimoji="0" lang="en-US" altLang="zh-CN" sz="1200" b="0" i="0" u="none" strike="noStrike" kern="1200" cap="none" spc="0" normalizeH="0" baseline="0" noProof="0">
+                <a:ln>
+                  <a:noFill/>
+                </a:ln>
+                <a:solidFill>
+                  <a:srgbClr val="3A4554"/>
+                </a:solidFill>
+                <a:effectLst/>
+                <a:uLnTx/>
+                <a:uFillTx/>
+              </a:rPr>
+              <a:t>Alert pin trigger</a:t>
+            </a:r>
+            <a:endParaRPr kumimoji="0" lang="en-US" altLang="zh-CN" sz="1200" b="0" i="0" u="none" strike="noStrike" kern="1200" cap="none" spc="0" normalizeH="0" baseline="0" noProof="0" dirty="0">
+              <a:ln>
+                <a:noFill/>
+              </a:ln>
+              <a:solidFill>
+                <a:srgbClr val="3A4554"/>
+              </a:solidFill>
+              <a:effectLst/>
+              <a:uLnTx/>
+              <a:uFillTx/>
+            </a:endParaRPr>
+          </a:p>
+        </p:txBody>
+      </p:sp>
+      <p:sp>
+        <p:nvSpPr>
+          <p:cNvPr id="29" name="CustomText2">
+            <a:extLst>
+              <a:ext uri="{FF2B5EF4-FFF2-40B4-BE49-F238E27FC236}">
+                <a16:creationId xmlns:a16="http://schemas.microsoft.com/office/drawing/2014/main" id="{DEF2844D-CB5E-417D-A5F3-BAD0AB2DD7FA}"/>
+              </a:ext>
+            </a:extLst>
+          </p:cNvPr>
+          <p:cNvSpPr/>
+          <p:nvPr/>
+        </p:nvSpPr>
+        <p:spPr>
+          <a:xfrm>
+            <a:off x="955882" y="326761"/>
+            <a:ext cx="1573988" cy="334483"/>
+          </a:xfrm>
+          <a:prstGeom prst="rect">
+            <a:avLst/>
+          </a:prstGeom>
+          <a:noFill/>
+        </p:spPr>
+        <p:txBody>
+          <a:bodyPr wrap="none" lIns="90000" tIns="46800" rIns="90000" bIns="46800" anchor="ctr">
+            <a:normAutofit fontScale="92500" lnSpcReduction="20000"/>
+          </a:bodyPr>
+          <a:lstStyle/>
+          <a:p>
+            <a:pPr lvl="0" algn="ctr">
+              <a:defRPr/>
+            </a:pPr>
+            <a:r>
+              <a:rPr lang="en-US" altLang="zh-CN" sz="2000" b="1">
+                <a:solidFill>
+                  <a:srgbClr val="3A4554"/>
+                </a:solidFill>
+              </a:rPr>
+              <a:t>Temperature Up </a:t>
+            </a:r>
+            <a:endParaRPr kumimoji="0" lang="en-US" altLang="zh-CN" sz="2000" b="1" i="0" u="none" strike="noStrike" kern="1200" cap="none" spc="0" normalizeH="0" baseline="0" noProof="0" dirty="0">
+              <a:ln>
+                <a:noFill/>
+              </a:ln>
+              <a:solidFill>
+                <a:srgbClr val="3A4554"/>
+              </a:solidFill>
+              <a:effectLst/>
+              <a:uLnTx/>
+              <a:uFillTx/>
+            </a:endParaRPr>
+          </a:p>
+        </p:txBody>
+      </p:sp>
+      <p:sp>
+        <p:nvSpPr>
+          <p:cNvPr id="3" name="RelativeShape1">
+            <a:extLst>
+              <a:ext uri="{FF2B5EF4-FFF2-40B4-BE49-F238E27FC236}">
+                <a16:creationId xmlns:a16="http://schemas.microsoft.com/office/drawing/2014/main" id="{96C916B7-D73A-456A-B9C4-F908D445032E}"/>
+              </a:ext>
+            </a:extLst>
+          </p:cNvPr>
+          <p:cNvSpPr/>
+          <p:nvPr/>
+        </p:nvSpPr>
+        <p:spPr>
+          <a:xfrm>
+            <a:off x="2830987" y="753342"/>
+            <a:ext cx="192781" cy="1521641"/>
+          </a:xfrm>
+          <a:prstGeom prst="roundRect">
+            <a:avLst>
+              <a:gd name="adj" fmla="val 22289"/>
+            </a:avLst>
+          </a:prstGeom>
+          <a:solidFill>
+            <a:schemeClr val="bg1">
+              <a:lumMod val="85000"/>
+            </a:schemeClr>
+          </a:solidFill>
+          <a:ln>
+            <a:noFill/>
+          </a:ln>
+        </p:spPr>
+        <p:style>
+          <a:lnRef idx="2">
+            <a:schemeClr val="accent1">
+              <a:shade val="50000"/>
+            </a:schemeClr>
+          </a:lnRef>
+          <a:fillRef idx="1">
+            <a:schemeClr val="accent1"/>
+          </a:fillRef>
+          <a:effectRef idx="0">
+            <a:schemeClr val="accent1"/>
+          </a:effectRef>
+          <a:fontRef idx="minor">
+            <a:schemeClr val="lt1"/>
+          </a:fontRef>
+        </p:style>
+        <p:txBody>
+          <a:bodyPr anchor="ctr"/>
+          <a:lstStyle/>
+          <a:p>
+            <a:pPr algn="ctr"/>
+            <a:endParaRPr/>
+          </a:p>
+        </p:txBody>
+      </p:sp>
+      <p:sp>
+        <p:nvSpPr>
+          <p:cNvPr id="4" name="ValueShape1">
+            <a:extLst>
+              <a:ext uri="{FF2B5EF4-FFF2-40B4-BE49-F238E27FC236}">
+                <a16:creationId xmlns:a16="http://schemas.microsoft.com/office/drawing/2014/main" id="{5414D2AF-22DF-4306-8708-878CA9CEE7B9}"/>
+              </a:ext>
+            </a:extLst>
+          </p:cNvPr>
+          <p:cNvSpPr/>
+          <p:nvPr/>
+        </p:nvSpPr>
+        <p:spPr>
+          <a:xfrm>
+            <a:off x="2830987" y="1529379"/>
+            <a:ext cx="192781" cy="745604"/>
+          </a:xfrm>
+          <a:prstGeom prst="roundRect">
+            <a:avLst>
+              <a:gd name="adj" fmla="val 22289"/>
+            </a:avLst>
+          </a:prstGeom>
+          <a:solidFill>
+            <a:srgbClr val="9FB057"/>
+          </a:solidFill>
+          <a:ln>
+            <a:noFill/>
+          </a:ln>
+        </p:spPr>
+        <p:style>
+          <a:lnRef idx="2">
+            <a:schemeClr val="accent1">
+              <a:shade val="50000"/>
+            </a:schemeClr>
+          </a:lnRef>
+          <a:fillRef idx="1">
+            <a:schemeClr val="accent1"/>
+          </a:fillRef>
+          <a:effectRef idx="0">
+            <a:schemeClr val="accent1"/>
+          </a:effectRef>
+          <a:fontRef idx="minor">
+            <a:schemeClr val="lt1"/>
+          </a:fontRef>
+        </p:style>
+        <p:txBody>
+          <a:bodyPr anchor="ctr"/>
+          <a:lstStyle/>
+          <a:p>
+            <a:pPr algn="ctr"/>
+            <a:endParaRPr/>
+          </a:p>
+        </p:txBody>
+      </p:sp>
+      <p:sp>
+        <p:nvSpPr>
+          <p:cNvPr id="5" name="ValueBack1">
+            <a:extLst>
+              <a:ext uri="{FF2B5EF4-FFF2-40B4-BE49-F238E27FC236}">
+                <a16:creationId xmlns:a16="http://schemas.microsoft.com/office/drawing/2014/main" id="{81DEDABA-67AE-449D-A426-23039F4A3B35}"/>
+              </a:ext>
+            </a:extLst>
+          </p:cNvPr>
+          <p:cNvSpPr/>
+          <p:nvPr/>
+        </p:nvSpPr>
+        <p:spPr>
+          <a:xfrm>
+            <a:off x="2392694" y="1969908"/>
+            <a:ext cx="1069366" cy="1069366"/>
+          </a:xfrm>
+          <a:prstGeom prst="ellipse">
+            <a:avLst/>
+          </a:prstGeom>
+          <a:solidFill>
+            <a:schemeClr val="bg1"/>
+          </a:solidFill>
+          <a:ln w="3175">
+            <a:solidFill>
+              <a:srgbClr val="9FB057"/>
+            </a:solidFill>
+          </a:ln>
+        </p:spPr>
+        <p:style>
+          <a:lnRef idx="2">
+            <a:schemeClr val="accent1">
+              <a:shade val="50000"/>
+            </a:schemeClr>
+          </a:lnRef>
+          <a:fillRef idx="1">
+            <a:schemeClr val="accent1"/>
+          </a:fillRef>
+          <a:effectRef idx="0">
+            <a:schemeClr val="accent1"/>
+          </a:effectRef>
+          <a:fontRef idx="minor">
+            <a:schemeClr val="lt1"/>
+          </a:fontRef>
+        </p:style>
+        <p:txBody>
+          <a:bodyPr anchor="ctr"/>
+          <a:lstStyle/>
+          <a:p>
+            <a:pPr algn="ctr"/>
+            <a:endParaRPr/>
+          </a:p>
+        </p:txBody>
+      </p:sp>
+      <p:sp>
+        <p:nvSpPr>
+          <p:cNvPr id="6" name="ValueShape11">
+            <a:extLst>
+              <a:ext uri="{FF2B5EF4-FFF2-40B4-BE49-F238E27FC236}">
+                <a16:creationId xmlns:a16="http://schemas.microsoft.com/office/drawing/2014/main" id="{C4655F82-3F51-4D15-A3AB-9AF4C2617AB9}"/>
+              </a:ext>
+            </a:extLst>
+          </p:cNvPr>
+          <p:cNvSpPr/>
+          <p:nvPr/>
+        </p:nvSpPr>
+        <p:spPr>
+          <a:xfrm>
+            <a:off x="2510822" y="2088035"/>
+            <a:ext cx="833111" cy="833111"/>
+          </a:xfrm>
+          <a:prstGeom prst="arc">
+            <a:avLst>
+              <a:gd name="adj1" fmla="val 16200000"/>
+              <a:gd name="adj2" fmla="val 5184000"/>
+            </a:avLst>
+          </a:prstGeom>
+          <a:noFill/>
+          <a:ln w="76200" cap="rnd">
+            <a:solidFill>
+              <a:srgbClr val="9FB057"/>
+            </a:solidFill>
+          </a:ln>
+        </p:spPr>
+        <p:style>
+          <a:lnRef idx="2">
+            <a:schemeClr val="accent1">
+              <a:shade val="50000"/>
+            </a:schemeClr>
+          </a:lnRef>
+          <a:fillRef idx="1">
+            <a:schemeClr val="accent1"/>
+          </a:fillRef>
+          <a:effectRef idx="0">
+            <a:schemeClr val="accent1"/>
+          </a:effectRef>
+          <a:fontRef idx="minor">
+            <a:schemeClr val="lt1"/>
+          </a:fontRef>
+        </p:style>
+        <p:txBody>
+          <a:bodyPr anchor="ctr"/>
+          <a:lstStyle/>
+          <a:p>
+            <a:pPr algn="ctr"/>
+            <a:endParaRPr/>
+          </a:p>
+        </p:txBody>
+      </p:sp>
+      <p:cxnSp>
+        <p:nvCxnSpPr>
+          <p:cNvPr id="7" name="ExtraShape">
+            <a:extLst>
+              <a:ext uri="{FF2B5EF4-FFF2-40B4-BE49-F238E27FC236}">
+                <a16:creationId xmlns:a16="http://schemas.microsoft.com/office/drawing/2014/main" id="{82891922-A0A8-4749-B958-237A876947AD}"/>
+              </a:ext>
+            </a:extLst>
+          </p:cNvPr>
+          <p:cNvCxnSpPr>
+            <a:cxnSpLocks/>
+          </p:cNvCxnSpPr>
+          <p:nvPr/>
+        </p:nvCxnSpPr>
+        <p:spPr>
+          <a:xfrm>
+            <a:off x="3003178" y="1532303"/>
+            <a:ext cx="1433445" cy="0"/>
+          </a:xfrm>
+          <a:prstGeom prst="line">
+            <a:avLst/>
+          </a:prstGeom>
+          <a:ln>
+            <a:solidFill>
+              <a:srgbClr val="95A5A6"/>
+            </a:solidFill>
+            <a:prstDash val="dash"/>
+            <a:tailEnd type="oval"/>
+          </a:ln>
+        </p:spPr>
+        <p:style>
+          <a:lnRef idx="1">
+            <a:schemeClr val="accent1"/>
+          </a:lnRef>
+          <a:fillRef idx="0">
+            <a:schemeClr val="accent1"/>
+          </a:fillRef>
+          <a:effectRef idx="0">
+            <a:schemeClr val="accent1"/>
+          </a:effectRef>
+          <a:fontRef idx="minor">
+            <a:schemeClr val="tx1"/>
+          </a:fontRef>
+        </p:style>
+      </p:cxnSp>
+      <p:sp>
+        <p:nvSpPr>
+          <p:cNvPr id="8" name="ValueText1">
+            <a:extLst>
+              <a:ext uri="{FF2B5EF4-FFF2-40B4-BE49-F238E27FC236}">
+                <a16:creationId xmlns:a16="http://schemas.microsoft.com/office/drawing/2014/main" id="{4057C84C-DCAC-417C-B810-049D8518306D}"/>
+              </a:ext>
+            </a:extLst>
+          </p:cNvPr>
+          <p:cNvSpPr txBox="1"/>
+          <p:nvPr/>
+        </p:nvSpPr>
+        <p:spPr>
+          <a:xfrm>
+            <a:off x="8117773" y="1654270"/>
+            <a:ext cx="582125" cy="330109"/>
+          </a:xfrm>
+          <a:prstGeom prst="rect">
+            <a:avLst/>
+          </a:prstGeom>
+          <a:noFill/>
+        </p:spPr>
+        <p:txBody>
+          <a:bodyPr wrap="none" anchor="ctr" anchorCtr="0">
+            <a:prstTxWarp prst="textPlain">
+              <a:avLst/>
+            </a:prstTxWarp>
+            <a:noAutofit/>
+          </a:bodyPr>
+          <a:lstStyle/>
+          <a:p>
+            <a:pPr marL="0" marR="0" lvl="0" indent="0" algn="ctr" defTabSz="914400" rtl="0" eaLnBrk="1" fontAlgn="base" latinLnBrk="0" hangingPunct="1">
+              <a:spcBef>
+                <a:spcPct val="0"/>
+              </a:spcBef>
+              <a:spcAft>
+                <a:spcPct val="0"/>
+              </a:spcAft>
+              <a:buClrTx/>
+              <a:buSzTx/>
+              <a:buFontTx/>
+              <a:buNone/>
+              <a:tabLst/>
+              <a:defRPr/>
+            </a:pPr>
+            <a:r>
+              <a:rPr lang="en-US" altLang="zh-CN" sz="2000" b="1">
+                <a:solidFill>
+                  <a:srgbClr val="768395"/>
+                </a:solidFill>
+                <a:latin typeface="Impact" panose="020B0806030902050204" pitchFamily="34" charset="0"/>
+                <a:cs typeface="Aharoni" panose="02010803020104030203" pitchFamily="2" charset="-79"/>
+              </a:rPr>
+              <a:t>3</a:t>
+            </a:r>
+            <a:r>
+              <a:rPr kumimoji="0" lang="en-US" altLang="zh-CN" sz="2000" b="1" i="0" u="none" strike="noStrike" kern="1200" cap="none" spc="0" normalizeH="0" baseline="0" noProof="0">
+                <a:ln>
+                  <a:noFill/>
+                </a:ln>
+                <a:solidFill>
+                  <a:srgbClr val="768395"/>
+                </a:solidFill>
+                <a:effectLst/>
+                <a:uLnTx/>
+                <a:uFillTx/>
+                <a:latin typeface="Impact" panose="020B0806030902050204" pitchFamily="34" charset="0"/>
+                <a:cs typeface="Aharoni" panose="02010803020104030203" pitchFamily="2" charset="-79"/>
+              </a:rPr>
+              <a:t>1</a:t>
+            </a:r>
+            <a:r>
+              <a:rPr kumimoji="0" lang="zh-CN" altLang="en-US" sz="2000" b="1" i="0" u="none" strike="noStrike" kern="1200" cap="none" spc="0" normalizeH="0" baseline="0" noProof="0">
+                <a:ln>
+                  <a:noFill/>
+                </a:ln>
+                <a:solidFill>
+                  <a:srgbClr val="768395"/>
+                </a:solidFill>
+                <a:effectLst/>
+                <a:uLnTx/>
+                <a:uFillTx/>
+                <a:latin typeface="Stencil" panose="040409050D0802020404" pitchFamily="82" charset="0"/>
+              </a:rPr>
+              <a:t>℃</a:t>
+            </a:r>
+            <a:endParaRPr kumimoji="0" lang="en-US" altLang="zh-CN" sz="2000" b="1" i="0" u="none" strike="noStrike" kern="1200" cap="none" spc="0" normalizeH="0" baseline="0" noProof="0">
+              <a:ln>
+                <a:noFill/>
+              </a:ln>
+              <a:solidFill>
+                <a:srgbClr val="768395"/>
+              </a:solidFill>
+              <a:effectLst/>
+              <a:uLnTx/>
+              <a:uFillTx/>
+              <a:latin typeface="Stencil" panose="040409050D0802020404" pitchFamily="82" charset="0"/>
+            </a:endParaRPr>
+          </a:p>
+        </p:txBody>
+      </p:sp>
+      <p:sp>
+        <p:nvSpPr>
+          <p:cNvPr id="10" name="CustomText1">
+            <a:extLst>
+              <a:ext uri="{FF2B5EF4-FFF2-40B4-BE49-F238E27FC236}">
+                <a16:creationId xmlns:a16="http://schemas.microsoft.com/office/drawing/2014/main" id="{4CD5E486-7031-435A-B933-7425ABE2F7E8}"/>
+              </a:ext>
+            </a:extLst>
+          </p:cNvPr>
+          <p:cNvSpPr/>
+          <p:nvPr/>
+        </p:nvSpPr>
+        <p:spPr>
+          <a:xfrm>
+            <a:off x="2965825" y="1200906"/>
+            <a:ext cx="1573986" cy="241346"/>
+          </a:xfrm>
+          <a:prstGeom prst="rect">
+            <a:avLst/>
+          </a:prstGeom>
+          <a:noFill/>
+        </p:spPr>
+        <p:txBody>
+          <a:bodyPr wrap="none" lIns="90000" tIns="46800" rIns="90000" bIns="46800">
+            <a:noAutofit/>
+          </a:bodyPr>
+          <a:lstStyle/>
+          <a:p>
+            <a:pPr marL="0" marR="0" lvl="0" indent="0" algn="l" defTabSz="914400" rtl="0" eaLnBrk="1" fontAlgn="auto" latinLnBrk="0" hangingPunct="1">
+              <a:spcBef>
+                <a:spcPts val="0"/>
+              </a:spcBef>
+              <a:spcAft>
+                <a:spcPts val="0"/>
+              </a:spcAft>
+              <a:buClrTx/>
+              <a:buSzTx/>
+              <a:buFontTx/>
+              <a:buNone/>
+              <a:tabLst/>
+              <a:defRPr/>
+            </a:pPr>
+            <a:r>
+              <a:rPr kumimoji="0" lang="en-US" altLang="zh-CN" sz="1400" b="1" i="0" u="none" strike="noStrike" kern="1200" cap="none" spc="0" normalizeH="0" baseline="0" noProof="0">
+                <a:ln>
+                  <a:noFill/>
+                </a:ln>
+                <a:solidFill>
+                  <a:schemeClr val="accent3"/>
+                </a:solidFill>
+                <a:effectLst/>
+                <a:uLnTx/>
+                <a:uFillTx/>
+                <a:latin typeface="Arial" panose="020B0604020202020204" pitchFamily="34" charset="0"/>
+                <a:cs typeface="Arial" panose="020B0604020202020204" pitchFamily="34" charset="0"/>
+              </a:rPr>
+              <a:t>Alert pin0 trigger</a:t>
+            </a:r>
+            <a:endParaRPr kumimoji="0" lang="en-US" altLang="zh-CN" sz="1400" b="1" i="0" u="none" strike="noStrike" kern="1200" cap="none" spc="0" normalizeH="0" baseline="0" noProof="0" dirty="0">
+              <a:ln>
+                <a:noFill/>
+              </a:ln>
+              <a:solidFill>
+                <a:schemeClr val="accent3"/>
+              </a:solidFill>
+              <a:effectLst/>
+              <a:uLnTx/>
+              <a:uFillTx/>
+              <a:latin typeface="Arial" panose="020B0604020202020204" pitchFamily="34" charset="0"/>
+              <a:cs typeface="Arial" panose="020B0604020202020204" pitchFamily="34" charset="0"/>
+            </a:endParaRPr>
+          </a:p>
+        </p:txBody>
+      </p:sp>
+      <p:sp>
+        <p:nvSpPr>
+          <p:cNvPr id="11" name="RelativeShape2">
+            <a:extLst>
+              <a:ext uri="{FF2B5EF4-FFF2-40B4-BE49-F238E27FC236}">
+                <a16:creationId xmlns:a16="http://schemas.microsoft.com/office/drawing/2014/main" id="{9E123CD0-A916-459F-9C88-E070DA731DD7}"/>
+              </a:ext>
+            </a:extLst>
+          </p:cNvPr>
+          <p:cNvSpPr/>
+          <p:nvPr/>
+        </p:nvSpPr>
+        <p:spPr>
+          <a:xfrm>
+            <a:off x="4810655" y="753342"/>
+            <a:ext cx="192781" cy="1521641"/>
+          </a:xfrm>
+          <a:prstGeom prst="roundRect">
+            <a:avLst>
+              <a:gd name="adj" fmla="val 22289"/>
+            </a:avLst>
+          </a:prstGeom>
+          <a:solidFill>
+            <a:schemeClr val="bg1">
+              <a:lumMod val="85000"/>
+            </a:schemeClr>
+          </a:solidFill>
+          <a:ln>
+            <a:noFill/>
+          </a:ln>
+        </p:spPr>
+        <p:style>
+          <a:lnRef idx="2">
+            <a:schemeClr val="accent1">
+              <a:shade val="50000"/>
+            </a:schemeClr>
+          </a:lnRef>
+          <a:fillRef idx="1">
+            <a:schemeClr val="accent1"/>
+          </a:fillRef>
+          <a:effectRef idx="0">
+            <a:schemeClr val="accent1"/>
+          </a:effectRef>
+          <a:fontRef idx="minor">
+            <a:schemeClr val="lt1"/>
+          </a:fontRef>
+        </p:style>
+        <p:txBody>
+          <a:bodyPr anchor="ctr"/>
+          <a:lstStyle/>
+          <a:p>
+            <a:pPr algn="ctr"/>
+            <a:endParaRPr/>
+          </a:p>
+        </p:txBody>
+      </p:sp>
+      <p:sp>
+        <p:nvSpPr>
+          <p:cNvPr id="12" name="ValueShape2">
+            <a:extLst>
+              <a:ext uri="{FF2B5EF4-FFF2-40B4-BE49-F238E27FC236}">
+                <a16:creationId xmlns:a16="http://schemas.microsoft.com/office/drawing/2014/main" id="{BDF55ECD-E7EF-46E3-8293-789E770A2D9F}"/>
+              </a:ext>
+            </a:extLst>
+          </p:cNvPr>
+          <p:cNvSpPr/>
+          <p:nvPr/>
+        </p:nvSpPr>
+        <p:spPr>
+          <a:xfrm>
+            <a:off x="4810655" y="1361999"/>
+            <a:ext cx="192781" cy="912985"/>
+          </a:xfrm>
+          <a:prstGeom prst="roundRect">
+            <a:avLst>
+              <a:gd name="adj" fmla="val 22289"/>
+            </a:avLst>
+          </a:prstGeom>
+          <a:solidFill>
+            <a:srgbClr val="6D9B6A"/>
+          </a:solidFill>
+          <a:ln>
+            <a:noFill/>
+          </a:ln>
+        </p:spPr>
+        <p:style>
+          <a:lnRef idx="2">
+            <a:schemeClr val="accent1">
+              <a:shade val="50000"/>
+            </a:schemeClr>
+          </a:lnRef>
+          <a:fillRef idx="1">
+            <a:schemeClr val="accent1"/>
+          </a:fillRef>
+          <a:effectRef idx="0">
+            <a:schemeClr val="accent1"/>
+          </a:effectRef>
+          <a:fontRef idx="minor">
+            <a:schemeClr val="lt1"/>
+          </a:fontRef>
+        </p:style>
+        <p:txBody>
+          <a:bodyPr anchor="ctr"/>
+          <a:lstStyle/>
+          <a:p>
+            <a:pPr algn="ctr"/>
+            <a:endParaRPr/>
+          </a:p>
+        </p:txBody>
+      </p:sp>
+      <p:sp>
+        <p:nvSpPr>
+          <p:cNvPr id="13" name="ValueBack2">
+            <a:extLst>
+              <a:ext uri="{FF2B5EF4-FFF2-40B4-BE49-F238E27FC236}">
+                <a16:creationId xmlns:a16="http://schemas.microsoft.com/office/drawing/2014/main" id="{79C2DAF0-30B8-499F-8BE4-7678CC5A9384}"/>
+              </a:ext>
+            </a:extLst>
+          </p:cNvPr>
+          <p:cNvSpPr/>
+          <p:nvPr/>
+        </p:nvSpPr>
+        <p:spPr>
+          <a:xfrm>
+            <a:off x="4372363" y="1969908"/>
+            <a:ext cx="1069366" cy="1069366"/>
+          </a:xfrm>
+          <a:prstGeom prst="ellipse">
+            <a:avLst/>
+          </a:prstGeom>
+          <a:solidFill>
+            <a:schemeClr val="bg1"/>
+          </a:solidFill>
+          <a:ln w="3175">
+            <a:solidFill>
+              <a:srgbClr val="6D9B6A"/>
+            </a:solidFill>
+          </a:ln>
+        </p:spPr>
+        <p:style>
+          <a:lnRef idx="2">
+            <a:schemeClr val="accent1">
+              <a:shade val="50000"/>
+            </a:schemeClr>
+          </a:lnRef>
+          <a:fillRef idx="1">
+            <a:schemeClr val="accent1"/>
+          </a:fillRef>
+          <a:effectRef idx="0">
+            <a:schemeClr val="accent1"/>
+          </a:effectRef>
+          <a:fontRef idx="minor">
+            <a:schemeClr val="lt1"/>
+          </a:fontRef>
+        </p:style>
+        <p:txBody>
+          <a:bodyPr anchor="ctr"/>
+          <a:lstStyle/>
+          <a:p>
+            <a:pPr algn="ctr"/>
+            <a:endParaRPr/>
+          </a:p>
+        </p:txBody>
+      </p:sp>
+      <p:sp>
+        <p:nvSpPr>
+          <p:cNvPr id="14" name="ValueShape22">
+            <a:extLst>
+              <a:ext uri="{FF2B5EF4-FFF2-40B4-BE49-F238E27FC236}">
+                <a16:creationId xmlns:a16="http://schemas.microsoft.com/office/drawing/2014/main" id="{A005470A-E7DC-4AC8-87EB-FD0B01B5B37A}"/>
+              </a:ext>
+            </a:extLst>
+          </p:cNvPr>
+          <p:cNvSpPr/>
+          <p:nvPr/>
+        </p:nvSpPr>
+        <p:spPr>
+          <a:xfrm>
+            <a:off x="4490491" y="2088035"/>
+            <a:ext cx="833111" cy="833111"/>
+          </a:xfrm>
+          <a:prstGeom prst="arc">
+            <a:avLst>
+              <a:gd name="adj1" fmla="val 16200000"/>
+              <a:gd name="adj2" fmla="val 7560000"/>
+            </a:avLst>
+          </a:prstGeom>
+          <a:noFill/>
+          <a:ln w="76200" cap="rnd">
+            <a:solidFill>
+              <a:srgbClr val="6D9B6A"/>
+            </a:solidFill>
+          </a:ln>
+        </p:spPr>
+        <p:style>
+          <a:lnRef idx="2">
+            <a:schemeClr val="accent1">
+              <a:shade val="50000"/>
+            </a:schemeClr>
+          </a:lnRef>
+          <a:fillRef idx="1">
+            <a:schemeClr val="accent1"/>
+          </a:fillRef>
+          <a:effectRef idx="0">
+            <a:schemeClr val="accent1"/>
+          </a:effectRef>
+          <a:fontRef idx="minor">
+            <a:schemeClr val="lt1"/>
+          </a:fontRef>
+        </p:style>
+        <p:txBody>
+          <a:bodyPr anchor="ctr"/>
+          <a:lstStyle/>
+          <a:p>
+            <a:pPr algn="ctr"/>
+            <a:endParaRPr/>
+          </a:p>
+        </p:txBody>
+      </p:sp>
+      <p:cxnSp>
+        <p:nvCxnSpPr>
+          <p:cNvPr id="15" name="ExtraShape">
+            <a:extLst>
+              <a:ext uri="{FF2B5EF4-FFF2-40B4-BE49-F238E27FC236}">
+                <a16:creationId xmlns:a16="http://schemas.microsoft.com/office/drawing/2014/main" id="{8E20EB15-CA91-4A9C-8361-8659E92492B6}"/>
+              </a:ext>
+            </a:extLst>
+          </p:cNvPr>
+          <p:cNvCxnSpPr>
+            <a:cxnSpLocks/>
+          </p:cNvCxnSpPr>
+          <p:nvPr/>
+        </p:nvCxnSpPr>
+        <p:spPr>
+          <a:xfrm>
+            <a:off x="5003436" y="1361999"/>
+            <a:ext cx="1433445" cy="0"/>
+          </a:xfrm>
+          <a:prstGeom prst="line">
+            <a:avLst/>
+          </a:prstGeom>
+          <a:ln>
+            <a:solidFill>
+              <a:srgbClr val="95A5A6"/>
+            </a:solidFill>
+            <a:prstDash val="dash"/>
+            <a:tailEnd type="oval"/>
+          </a:ln>
+        </p:spPr>
+        <p:style>
+          <a:lnRef idx="1">
+            <a:schemeClr val="accent1"/>
+          </a:lnRef>
+          <a:fillRef idx="0">
+            <a:schemeClr val="accent1"/>
+          </a:fillRef>
+          <a:effectRef idx="0">
+            <a:schemeClr val="accent1"/>
+          </a:effectRef>
+          <a:fontRef idx="minor">
+            <a:schemeClr val="tx1"/>
+          </a:fontRef>
+        </p:style>
+      </p:cxnSp>
+      <p:sp>
+        <p:nvSpPr>
+          <p:cNvPr id="19" name="RelativeShape3">
+            <a:extLst>
+              <a:ext uri="{FF2B5EF4-FFF2-40B4-BE49-F238E27FC236}">
+                <a16:creationId xmlns:a16="http://schemas.microsoft.com/office/drawing/2014/main" id="{495D0FBC-ECB6-4343-957A-75B27E230DA5}"/>
+              </a:ext>
+            </a:extLst>
+          </p:cNvPr>
+          <p:cNvSpPr/>
+          <p:nvPr/>
+        </p:nvSpPr>
+        <p:spPr>
+          <a:xfrm>
+            <a:off x="6789343" y="753342"/>
+            <a:ext cx="192781" cy="1521641"/>
+          </a:xfrm>
+          <a:prstGeom prst="roundRect">
+            <a:avLst>
+              <a:gd name="adj" fmla="val 22289"/>
+            </a:avLst>
+          </a:prstGeom>
+          <a:solidFill>
+            <a:schemeClr val="bg1">
+              <a:lumMod val="85000"/>
+            </a:schemeClr>
+          </a:solidFill>
+          <a:ln>
+            <a:noFill/>
+          </a:ln>
+        </p:spPr>
+        <p:style>
+          <a:lnRef idx="2">
+            <a:schemeClr val="accent1">
+              <a:shade val="50000"/>
+            </a:schemeClr>
+          </a:lnRef>
+          <a:fillRef idx="1">
+            <a:schemeClr val="accent1"/>
+          </a:fillRef>
+          <a:effectRef idx="0">
+            <a:schemeClr val="accent1"/>
+          </a:effectRef>
+          <a:fontRef idx="minor">
+            <a:schemeClr val="lt1"/>
+          </a:fontRef>
+        </p:style>
+        <p:txBody>
+          <a:bodyPr anchor="ctr"/>
+          <a:lstStyle/>
+          <a:p>
+            <a:pPr algn="ctr"/>
+            <a:endParaRPr/>
+          </a:p>
+        </p:txBody>
+      </p:sp>
+      <p:sp>
+        <p:nvSpPr>
+          <p:cNvPr id="20" name="ValueShape3">
+            <a:extLst>
+              <a:ext uri="{FF2B5EF4-FFF2-40B4-BE49-F238E27FC236}">
+                <a16:creationId xmlns:a16="http://schemas.microsoft.com/office/drawing/2014/main" id="{760E81F7-6AA5-4C29-AD2A-69E93B737ADB}"/>
+              </a:ext>
+            </a:extLst>
+          </p:cNvPr>
+          <p:cNvSpPr/>
+          <p:nvPr/>
+        </p:nvSpPr>
+        <p:spPr>
+          <a:xfrm>
+            <a:off x="6789343" y="1209834"/>
+            <a:ext cx="192781" cy="1065149"/>
+          </a:xfrm>
+          <a:prstGeom prst="roundRect">
+            <a:avLst>
+              <a:gd name="adj" fmla="val 22289"/>
+            </a:avLst>
+          </a:prstGeom>
+          <a:solidFill>
+            <a:srgbClr val="866B46"/>
+          </a:solidFill>
+          <a:ln>
+            <a:noFill/>
+          </a:ln>
+        </p:spPr>
+        <p:style>
+          <a:lnRef idx="2">
+            <a:schemeClr val="accent1">
+              <a:shade val="50000"/>
+            </a:schemeClr>
+          </a:lnRef>
+          <a:fillRef idx="1">
+            <a:schemeClr val="accent1"/>
+          </a:fillRef>
+          <a:effectRef idx="0">
+            <a:schemeClr val="accent1"/>
+          </a:effectRef>
+          <a:fontRef idx="minor">
+            <a:schemeClr val="lt1"/>
+          </a:fontRef>
+        </p:style>
+        <p:txBody>
+          <a:bodyPr anchor="ctr"/>
+          <a:lstStyle/>
+          <a:p>
+            <a:pPr algn="ctr"/>
+            <a:endParaRPr/>
+          </a:p>
+        </p:txBody>
+      </p:sp>
+      <p:sp>
+        <p:nvSpPr>
+          <p:cNvPr id="21" name="ValueBack3">
+            <a:extLst>
+              <a:ext uri="{FF2B5EF4-FFF2-40B4-BE49-F238E27FC236}">
+                <a16:creationId xmlns:a16="http://schemas.microsoft.com/office/drawing/2014/main" id="{5652D385-DA92-440F-8919-6A6F41AD15B5}"/>
+              </a:ext>
+            </a:extLst>
+          </p:cNvPr>
+          <p:cNvSpPr/>
+          <p:nvPr/>
+        </p:nvSpPr>
+        <p:spPr>
+          <a:xfrm>
+            <a:off x="6351051" y="1969908"/>
+            <a:ext cx="1069366" cy="1069366"/>
+          </a:xfrm>
+          <a:prstGeom prst="ellipse">
+            <a:avLst/>
+          </a:prstGeom>
+          <a:solidFill>
+            <a:schemeClr val="bg1"/>
+          </a:solidFill>
+          <a:ln w="3175">
+            <a:solidFill>
+              <a:srgbClr val="866B46"/>
+            </a:solidFill>
+          </a:ln>
+        </p:spPr>
+        <p:style>
+          <a:lnRef idx="2">
+            <a:schemeClr val="accent1">
+              <a:shade val="50000"/>
+            </a:schemeClr>
+          </a:lnRef>
+          <a:fillRef idx="1">
+            <a:schemeClr val="accent1"/>
+          </a:fillRef>
+          <a:effectRef idx="0">
+            <a:schemeClr val="accent1"/>
+          </a:effectRef>
+          <a:fontRef idx="minor">
+            <a:schemeClr val="lt1"/>
+          </a:fontRef>
+        </p:style>
+        <p:txBody>
+          <a:bodyPr anchor="ctr"/>
+          <a:lstStyle/>
+          <a:p>
+            <a:pPr algn="ctr"/>
+            <a:endParaRPr/>
+          </a:p>
+        </p:txBody>
+      </p:sp>
+      <p:sp>
+        <p:nvSpPr>
+          <p:cNvPr id="22" name="ValueShape33">
+            <a:extLst>
+              <a:ext uri="{FF2B5EF4-FFF2-40B4-BE49-F238E27FC236}">
+                <a16:creationId xmlns:a16="http://schemas.microsoft.com/office/drawing/2014/main" id="{72E80989-D109-4148-BC97-489F8B525C9A}"/>
+              </a:ext>
+            </a:extLst>
+          </p:cNvPr>
+          <p:cNvSpPr/>
+          <p:nvPr/>
+        </p:nvSpPr>
+        <p:spPr>
+          <a:xfrm>
+            <a:off x="6469178" y="2088035"/>
+            <a:ext cx="833111" cy="833111"/>
+          </a:xfrm>
+          <a:prstGeom prst="arc">
+            <a:avLst>
+              <a:gd name="adj1" fmla="val 16200000"/>
+              <a:gd name="adj2" fmla="val 9720000"/>
+            </a:avLst>
+          </a:prstGeom>
+          <a:noFill/>
+          <a:ln w="76200" cap="rnd">
+            <a:solidFill>
+              <a:srgbClr val="866B46"/>
+            </a:solidFill>
+          </a:ln>
+        </p:spPr>
+        <p:style>
+          <a:lnRef idx="2">
+            <a:schemeClr val="accent1">
+              <a:shade val="50000"/>
+            </a:schemeClr>
+          </a:lnRef>
+          <a:fillRef idx="1">
+            <a:schemeClr val="accent1"/>
+          </a:fillRef>
+          <a:effectRef idx="0">
+            <a:schemeClr val="accent1"/>
+          </a:effectRef>
+          <a:fontRef idx="minor">
+            <a:schemeClr val="lt1"/>
+          </a:fontRef>
+        </p:style>
+        <p:txBody>
+          <a:bodyPr anchor="ctr"/>
+          <a:lstStyle/>
+          <a:p>
+            <a:pPr algn="ctr"/>
+            <a:endParaRPr/>
+          </a:p>
+        </p:txBody>
+      </p:sp>
+      <p:cxnSp>
+        <p:nvCxnSpPr>
+          <p:cNvPr id="23" name="ExtraShape">
+            <a:extLst>
+              <a:ext uri="{FF2B5EF4-FFF2-40B4-BE49-F238E27FC236}">
+                <a16:creationId xmlns:a16="http://schemas.microsoft.com/office/drawing/2014/main" id="{AA5F366D-B43E-4A0F-B09B-D9EE959CD81C}"/>
+              </a:ext>
+            </a:extLst>
+          </p:cNvPr>
+          <p:cNvCxnSpPr>
+            <a:cxnSpLocks/>
+          </p:cNvCxnSpPr>
+          <p:nvPr/>
+        </p:nvCxnSpPr>
+        <p:spPr>
+          <a:xfrm>
+            <a:off x="6982124" y="1209834"/>
+            <a:ext cx="1433445" cy="0"/>
+          </a:xfrm>
+          <a:prstGeom prst="line">
+            <a:avLst/>
+          </a:prstGeom>
+          <a:ln>
+            <a:solidFill>
+              <a:srgbClr val="95A5A6"/>
+            </a:solidFill>
+            <a:prstDash val="dash"/>
+            <a:tailEnd type="oval"/>
+          </a:ln>
+        </p:spPr>
+        <p:style>
+          <a:lnRef idx="1">
+            <a:schemeClr val="accent1"/>
+          </a:lnRef>
+          <a:fillRef idx="0">
+            <a:schemeClr val="accent1"/>
+          </a:fillRef>
+          <a:effectRef idx="0">
+            <a:schemeClr val="accent1"/>
+          </a:effectRef>
+          <a:fontRef idx="minor">
+            <a:schemeClr val="tx1"/>
+          </a:fontRef>
+        </p:style>
+      </p:cxnSp>
+      <p:pic>
+        <p:nvPicPr>
+          <p:cNvPr id="31" name="图片 30">
+            <a:extLst>
+              <a:ext uri="{FF2B5EF4-FFF2-40B4-BE49-F238E27FC236}">
+                <a16:creationId xmlns:a16="http://schemas.microsoft.com/office/drawing/2014/main" id="{D27E83FB-EDC7-47A4-B4FE-154C4D7ECCCC}"/>
+              </a:ext>
+            </a:extLst>
+          </p:cNvPr>
+          <p:cNvPicPr>
+            <a:picLocks noChangeAspect="1"/>
+          </p:cNvPicPr>
+          <p:nvPr/>
+        </p:nvPicPr>
+        <p:blipFill>
+          <a:blip r:embed="rId2">
+            <a:extLst>
+              <a:ext uri="{28A0092B-C50C-407E-A947-70E740481C1C}">
+                <a14:useLocalDpi xmlns:a14="http://schemas.microsoft.com/office/drawing/2010/main" val="0"/>
+              </a:ext>
+            </a:extLst>
+          </a:blip>
+          <a:stretch>
+            <a:fillRect/>
+          </a:stretch>
+        </p:blipFill>
+        <p:spPr>
+          <a:xfrm>
+            <a:off x="2643598" y="2239867"/>
+            <a:ext cx="510760" cy="510760"/>
+          </a:xfrm>
+          <a:prstGeom prst="rect">
+            <a:avLst/>
+          </a:prstGeom>
+        </p:spPr>
+      </p:pic>
+      <p:sp>
+        <p:nvSpPr>
+          <p:cNvPr id="32" name="RelativeShape3">
+            <a:extLst>
+              <a:ext uri="{FF2B5EF4-FFF2-40B4-BE49-F238E27FC236}">
+                <a16:creationId xmlns:a16="http://schemas.microsoft.com/office/drawing/2014/main" id="{EB511093-7DFB-4B1B-A046-E1F3A66C30C6}"/>
+              </a:ext>
+            </a:extLst>
+          </p:cNvPr>
+          <p:cNvSpPr/>
+          <p:nvPr/>
+        </p:nvSpPr>
+        <p:spPr>
+          <a:xfrm>
+            <a:off x="8768031" y="753342"/>
+            <a:ext cx="192781" cy="1521641"/>
+          </a:xfrm>
+          <a:prstGeom prst="roundRect">
+            <a:avLst>
+              <a:gd name="adj" fmla="val 22289"/>
+            </a:avLst>
+          </a:prstGeom>
+          <a:solidFill>
+            <a:schemeClr val="bg1">
+              <a:lumMod val="85000"/>
+            </a:schemeClr>
+          </a:solidFill>
+          <a:ln>
+            <a:noFill/>
+          </a:ln>
+        </p:spPr>
+        <p:style>
+          <a:lnRef idx="2">
+            <a:schemeClr val="accent1">
+              <a:shade val="50000"/>
+            </a:schemeClr>
+          </a:lnRef>
+          <a:fillRef idx="1">
+            <a:schemeClr val="accent1"/>
+          </a:fillRef>
+          <a:effectRef idx="0">
+            <a:schemeClr val="accent1"/>
+          </a:effectRef>
+          <a:fontRef idx="minor">
+            <a:schemeClr val="lt1"/>
+          </a:fontRef>
+        </p:style>
+        <p:txBody>
+          <a:bodyPr anchor="ctr"/>
+          <a:lstStyle/>
+          <a:p>
+            <a:pPr algn="ctr"/>
+            <a:endParaRPr/>
+          </a:p>
+        </p:txBody>
+      </p:sp>
+      <p:sp>
+        <p:nvSpPr>
+          <p:cNvPr id="33" name="ValueShape3">
+            <a:extLst>
+              <a:ext uri="{FF2B5EF4-FFF2-40B4-BE49-F238E27FC236}">
+                <a16:creationId xmlns:a16="http://schemas.microsoft.com/office/drawing/2014/main" id="{396A6BD7-D1A0-4D04-8EDA-4A6E262B7F32}"/>
+              </a:ext>
+            </a:extLst>
+          </p:cNvPr>
+          <p:cNvSpPr/>
+          <p:nvPr/>
+        </p:nvSpPr>
+        <p:spPr>
+          <a:xfrm>
+            <a:off x="8775027" y="1089726"/>
+            <a:ext cx="192781" cy="1065149"/>
+          </a:xfrm>
+          <a:prstGeom prst="roundRect">
+            <a:avLst>
+              <a:gd name="adj" fmla="val 22289"/>
+            </a:avLst>
+          </a:prstGeom>
+          <a:solidFill>
+            <a:srgbClr val="C00000"/>
+          </a:solidFill>
+          <a:ln>
+            <a:noFill/>
+          </a:ln>
+        </p:spPr>
+        <p:style>
+          <a:lnRef idx="2">
+            <a:schemeClr val="accent1">
+              <a:shade val="50000"/>
+            </a:schemeClr>
+          </a:lnRef>
+          <a:fillRef idx="1">
+            <a:schemeClr val="accent1"/>
+          </a:fillRef>
+          <a:effectRef idx="0">
+            <a:schemeClr val="accent1"/>
+          </a:effectRef>
+          <a:fontRef idx="minor">
+            <a:schemeClr val="lt1"/>
+          </a:fontRef>
+        </p:style>
+        <p:txBody>
+          <a:bodyPr anchor="ctr"/>
+          <a:lstStyle/>
+          <a:p>
+            <a:pPr algn="ctr"/>
+            <a:endParaRPr/>
+          </a:p>
+        </p:txBody>
+      </p:sp>
+      <p:sp>
+        <p:nvSpPr>
+          <p:cNvPr id="34" name="ValueBack3">
+            <a:extLst>
+              <a:ext uri="{FF2B5EF4-FFF2-40B4-BE49-F238E27FC236}">
+                <a16:creationId xmlns:a16="http://schemas.microsoft.com/office/drawing/2014/main" id="{1C915276-8814-4753-9297-68116A41BC23}"/>
+              </a:ext>
+            </a:extLst>
+          </p:cNvPr>
+          <p:cNvSpPr/>
+          <p:nvPr/>
+        </p:nvSpPr>
+        <p:spPr>
+          <a:xfrm>
+            <a:off x="8329739" y="1969908"/>
+            <a:ext cx="1069366" cy="1069366"/>
+          </a:xfrm>
+          <a:prstGeom prst="ellipse">
+            <a:avLst/>
+          </a:prstGeom>
+          <a:solidFill>
+            <a:schemeClr val="bg1"/>
+          </a:solidFill>
+          <a:ln w="3175">
+            <a:solidFill>
+              <a:srgbClr val="866B46"/>
+            </a:solidFill>
+          </a:ln>
+        </p:spPr>
+        <p:style>
+          <a:lnRef idx="2">
+            <a:schemeClr val="accent1">
+              <a:shade val="50000"/>
+            </a:schemeClr>
+          </a:lnRef>
+          <a:fillRef idx="1">
+            <a:schemeClr val="accent1"/>
+          </a:fillRef>
+          <a:effectRef idx="0">
+            <a:schemeClr val="accent1"/>
+          </a:effectRef>
+          <a:fontRef idx="minor">
+            <a:schemeClr val="lt1"/>
+          </a:fontRef>
+        </p:style>
+        <p:txBody>
+          <a:bodyPr anchor="ctr"/>
+          <a:lstStyle/>
+          <a:p>
+            <a:pPr algn="ctr"/>
+            <a:endParaRPr/>
+          </a:p>
+        </p:txBody>
+      </p:sp>
+      <p:sp>
+        <p:nvSpPr>
+          <p:cNvPr id="35" name="ValueShape33">
+            <a:extLst>
+              <a:ext uri="{FF2B5EF4-FFF2-40B4-BE49-F238E27FC236}">
+                <a16:creationId xmlns:a16="http://schemas.microsoft.com/office/drawing/2014/main" id="{FF6E26F8-4B08-45CC-8D92-99648C5128C8}"/>
+              </a:ext>
+            </a:extLst>
+          </p:cNvPr>
+          <p:cNvSpPr/>
+          <p:nvPr/>
+        </p:nvSpPr>
+        <p:spPr>
+          <a:xfrm>
+            <a:off x="8447866" y="2088035"/>
+            <a:ext cx="833111" cy="833111"/>
+          </a:xfrm>
+          <a:prstGeom prst="arc">
+            <a:avLst>
+              <a:gd name="adj1" fmla="val 16200000"/>
+              <a:gd name="adj2" fmla="val 11558111"/>
+            </a:avLst>
+          </a:prstGeom>
+          <a:noFill/>
+          <a:ln w="76200" cap="rnd">
+            <a:solidFill>
+              <a:srgbClr val="C00000"/>
+            </a:solidFill>
+          </a:ln>
+        </p:spPr>
+        <p:style>
+          <a:lnRef idx="2">
+            <a:schemeClr val="accent1">
+              <a:shade val="50000"/>
+            </a:schemeClr>
+          </a:lnRef>
+          <a:fillRef idx="1">
+            <a:schemeClr val="accent1"/>
+          </a:fillRef>
+          <a:effectRef idx="0">
+            <a:schemeClr val="accent1"/>
+          </a:effectRef>
+          <a:fontRef idx="minor">
+            <a:schemeClr val="lt1"/>
+          </a:fontRef>
+        </p:style>
+        <p:txBody>
+          <a:bodyPr anchor="ctr"/>
+          <a:lstStyle/>
+          <a:p>
+            <a:pPr algn="ctr"/>
+            <a:endParaRPr/>
+          </a:p>
+        </p:txBody>
+      </p:sp>
+      <p:cxnSp>
+        <p:nvCxnSpPr>
+          <p:cNvPr id="36" name="ExtraShape">
+            <a:extLst>
+              <a:ext uri="{FF2B5EF4-FFF2-40B4-BE49-F238E27FC236}">
+                <a16:creationId xmlns:a16="http://schemas.microsoft.com/office/drawing/2014/main" id="{49E4307C-A742-41F4-A69D-9B43666BD409}"/>
+              </a:ext>
+            </a:extLst>
+          </p:cNvPr>
+          <p:cNvCxnSpPr>
+            <a:cxnSpLocks/>
+          </p:cNvCxnSpPr>
+          <p:nvPr/>
+        </p:nvCxnSpPr>
+        <p:spPr>
+          <a:xfrm>
+            <a:off x="8952876" y="1086322"/>
+            <a:ext cx="1433445" cy="0"/>
+          </a:xfrm>
+          <a:prstGeom prst="line">
+            <a:avLst/>
+          </a:prstGeom>
+          <a:ln>
+            <a:solidFill>
+              <a:srgbClr val="95A5A6"/>
+            </a:solidFill>
+            <a:prstDash val="dash"/>
+            <a:tailEnd type="oval"/>
+          </a:ln>
+        </p:spPr>
+        <p:style>
+          <a:lnRef idx="1">
+            <a:schemeClr val="accent1"/>
+          </a:lnRef>
+          <a:fillRef idx="0">
+            <a:schemeClr val="accent1"/>
+          </a:fillRef>
+          <a:effectRef idx="0">
+            <a:schemeClr val="accent1"/>
+          </a:effectRef>
+          <a:fontRef idx="minor">
+            <a:schemeClr val="tx1"/>
+          </a:fontRef>
+        </p:style>
+      </p:cxnSp>
+      <p:pic>
+        <p:nvPicPr>
+          <p:cNvPr id="39" name="图片 38">
+            <a:extLst>
+              <a:ext uri="{FF2B5EF4-FFF2-40B4-BE49-F238E27FC236}">
+                <a16:creationId xmlns:a16="http://schemas.microsoft.com/office/drawing/2014/main" id="{0419E73E-A368-41D0-BB86-490662300652}"/>
+              </a:ext>
+            </a:extLst>
+          </p:cNvPr>
+          <p:cNvPicPr>
+            <a:picLocks noChangeAspect="1"/>
+          </p:cNvPicPr>
+          <p:nvPr/>
+        </p:nvPicPr>
+        <p:blipFill>
+          <a:blip r:embed="rId2">
+            <a:extLst>
+              <a:ext uri="{28A0092B-C50C-407E-A947-70E740481C1C}">
+                <a14:useLocalDpi xmlns:a14="http://schemas.microsoft.com/office/drawing/2010/main" val="0"/>
+              </a:ext>
+            </a:extLst>
+          </a:blip>
+          <a:stretch>
+            <a:fillRect/>
+          </a:stretch>
+        </p:blipFill>
+        <p:spPr>
+          <a:xfrm>
+            <a:off x="4618269" y="2239867"/>
+            <a:ext cx="510760" cy="510760"/>
+          </a:xfrm>
+          <a:prstGeom prst="rect">
+            <a:avLst/>
+          </a:prstGeom>
+        </p:spPr>
+      </p:pic>
+      <p:pic>
+        <p:nvPicPr>
+          <p:cNvPr id="40" name="图片 39">
+            <a:extLst>
+              <a:ext uri="{FF2B5EF4-FFF2-40B4-BE49-F238E27FC236}">
+                <a16:creationId xmlns:a16="http://schemas.microsoft.com/office/drawing/2014/main" id="{86361063-0ED3-401D-9912-BF06861E92CF}"/>
+              </a:ext>
+            </a:extLst>
+          </p:cNvPr>
+          <p:cNvPicPr>
+            <a:picLocks noChangeAspect="1"/>
+          </p:cNvPicPr>
+          <p:nvPr/>
+        </p:nvPicPr>
+        <p:blipFill>
+          <a:blip r:embed="rId2">
+            <a:extLst>
+              <a:ext uri="{28A0092B-C50C-407E-A947-70E740481C1C}">
+                <a14:useLocalDpi xmlns:a14="http://schemas.microsoft.com/office/drawing/2010/main" val="0"/>
+              </a:ext>
+            </a:extLst>
+          </a:blip>
+          <a:stretch>
+            <a:fillRect/>
+          </a:stretch>
+        </p:blipFill>
+        <p:spPr>
+          <a:xfrm>
+            <a:off x="6606237" y="2239867"/>
+            <a:ext cx="510760" cy="510760"/>
+          </a:xfrm>
+          <a:prstGeom prst="rect">
+            <a:avLst/>
+          </a:prstGeom>
+        </p:spPr>
+      </p:pic>
+      <p:pic>
+        <p:nvPicPr>
+          <p:cNvPr id="41" name="图片 40">
+            <a:extLst>
+              <a:ext uri="{FF2B5EF4-FFF2-40B4-BE49-F238E27FC236}">
+                <a16:creationId xmlns:a16="http://schemas.microsoft.com/office/drawing/2014/main" id="{8E5D0898-B093-48F9-B6CF-9CD2530E9F0C}"/>
+              </a:ext>
+            </a:extLst>
+          </p:cNvPr>
+          <p:cNvPicPr>
+            <a:picLocks noChangeAspect="1"/>
+          </p:cNvPicPr>
+          <p:nvPr/>
+        </p:nvPicPr>
+        <p:blipFill>
+          <a:blip r:embed="rId2">
+            <a:extLst>
+              <a:ext uri="{28A0092B-C50C-407E-A947-70E740481C1C}">
+                <a14:useLocalDpi xmlns:a14="http://schemas.microsoft.com/office/drawing/2010/main" val="0"/>
+              </a:ext>
+            </a:extLst>
+          </a:blip>
+          <a:stretch>
+            <a:fillRect/>
+          </a:stretch>
+        </p:blipFill>
+        <p:spPr>
+          <a:xfrm>
+            <a:off x="8579293" y="2235879"/>
+            <a:ext cx="510760" cy="510760"/>
+          </a:xfrm>
+          <a:prstGeom prst="rect">
+            <a:avLst/>
+          </a:prstGeom>
+        </p:spPr>
+      </p:pic>
+      <p:sp>
+        <p:nvSpPr>
+          <p:cNvPr id="42" name="ValueText1">
+            <a:extLst>
+              <a:ext uri="{FF2B5EF4-FFF2-40B4-BE49-F238E27FC236}">
+                <a16:creationId xmlns:a16="http://schemas.microsoft.com/office/drawing/2014/main" id="{C386FE7B-371A-4D17-8B0D-0626120EEF9A}"/>
+              </a:ext>
+            </a:extLst>
+          </p:cNvPr>
+          <p:cNvSpPr txBox="1"/>
+          <p:nvPr/>
+        </p:nvSpPr>
+        <p:spPr>
+          <a:xfrm>
+            <a:off x="6153500" y="1654270"/>
+            <a:ext cx="582125" cy="330109"/>
+          </a:xfrm>
+          <a:prstGeom prst="rect">
+            <a:avLst/>
+          </a:prstGeom>
+          <a:noFill/>
+        </p:spPr>
+        <p:txBody>
+          <a:bodyPr wrap="none" anchor="ctr" anchorCtr="0">
+            <a:prstTxWarp prst="textPlain">
+              <a:avLst/>
+            </a:prstTxWarp>
+            <a:noAutofit/>
+          </a:bodyPr>
+          <a:lstStyle/>
+          <a:p>
+            <a:pPr marL="0" marR="0" lvl="0" indent="0" algn="ctr" defTabSz="914400" rtl="0" eaLnBrk="1" fontAlgn="base" latinLnBrk="0" hangingPunct="1">
+              <a:spcBef>
+                <a:spcPct val="0"/>
+              </a:spcBef>
+              <a:spcAft>
+                <a:spcPct val="0"/>
+              </a:spcAft>
+              <a:buClrTx/>
+              <a:buSzTx/>
+              <a:buFontTx/>
+              <a:buNone/>
+              <a:tabLst/>
+              <a:defRPr/>
+            </a:pPr>
+            <a:r>
+              <a:rPr kumimoji="0" lang="en-US" altLang="zh-CN" sz="2000" b="1" i="0" u="none" strike="noStrike" kern="1200" cap="none" spc="0" normalizeH="0" baseline="0" noProof="0">
+                <a:ln>
+                  <a:noFill/>
+                </a:ln>
+                <a:solidFill>
+                  <a:srgbClr val="768395"/>
+                </a:solidFill>
+                <a:effectLst/>
+                <a:uLnTx/>
+                <a:uFillTx/>
+                <a:latin typeface="Impact" panose="020B0806030902050204" pitchFamily="34" charset="0"/>
+                <a:cs typeface="Aharoni" panose="02010803020104030203" pitchFamily="2" charset="-79"/>
+              </a:rPr>
+              <a:t>30</a:t>
+            </a:r>
+            <a:r>
+              <a:rPr kumimoji="0" lang="zh-CN" altLang="en-US" sz="2000" b="1" i="0" u="none" strike="noStrike" kern="1200" cap="none" spc="0" normalizeH="0" baseline="0" noProof="0">
+                <a:ln>
+                  <a:noFill/>
+                </a:ln>
+                <a:solidFill>
+                  <a:srgbClr val="768395"/>
+                </a:solidFill>
+                <a:effectLst/>
+                <a:uLnTx/>
+                <a:uFillTx/>
+                <a:latin typeface="Stencil" panose="040409050D0802020404" pitchFamily="82" charset="0"/>
+              </a:rPr>
+              <a:t>℃</a:t>
+            </a:r>
+            <a:endParaRPr kumimoji="0" lang="en-US" altLang="zh-CN" sz="2000" b="1" i="0" u="none" strike="noStrike" kern="1200" cap="none" spc="0" normalizeH="0" baseline="0" noProof="0">
+              <a:ln>
+                <a:noFill/>
+              </a:ln>
+              <a:solidFill>
+                <a:srgbClr val="768395"/>
+              </a:solidFill>
+              <a:effectLst/>
+              <a:uLnTx/>
+              <a:uFillTx/>
+              <a:latin typeface="Stencil" panose="040409050D0802020404" pitchFamily="82" charset="0"/>
+            </a:endParaRPr>
+          </a:p>
+        </p:txBody>
+      </p:sp>
+      <p:sp>
+        <p:nvSpPr>
+          <p:cNvPr id="43" name="ValueText1">
+            <a:extLst>
+              <a:ext uri="{FF2B5EF4-FFF2-40B4-BE49-F238E27FC236}">
+                <a16:creationId xmlns:a16="http://schemas.microsoft.com/office/drawing/2014/main" id="{B8A0A53E-C438-44A3-8586-BBC16A8FCC8B}"/>
+              </a:ext>
+            </a:extLst>
+          </p:cNvPr>
+          <p:cNvSpPr txBox="1"/>
+          <p:nvPr/>
+        </p:nvSpPr>
+        <p:spPr>
+          <a:xfrm>
+            <a:off x="4133810" y="1654270"/>
+            <a:ext cx="582125" cy="330109"/>
+          </a:xfrm>
+          <a:prstGeom prst="rect">
+            <a:avLst/>
+          </a:prstGeom>
+          <a:noFill/>
+        </p:spPr>
+        <p:txBody>
+          <a:bodyPr wrap="none" anchor="ctr" anchorCtr="0">
+            <a:prstTxWarp prst="textPlain">
+              <a:avLst/>
+            </a:prstTxWarp>
+            <a:noAutofit/>
+          </a:bodyPr>
+          <a:lstStyle/>
+          <a:p>
+            <a:pPr marL="0" marR="0" lvl="0" indent="0" algn="ctr" defTabSz="914400" rtl="0" eaLnBrk="1" fontAlgn="base" latinLnBrk="0" hangingPunct="1">
+              <a:spcBef>
+                <a:spcPct val="0"/>
+              </a:spcBef>
+              <a:spcAft>
+                <a:spcPct val="0"/>
+              </a:spcAft>
+              <a:buClrTx/>
+              <a:buSzTx/>
+              <a:buFontTx/>
+              <a:buNone/>
+              <a:tabLst/>
+              <a:defRPr/>
+            </a:pPr>
+            <a:r>
+              <a:rPr kumimoji="0" lang="en-US" altLang="zh-CN" sz="2000" b="1" i="0" u="none" strike="noStrike" kern="1200" cap="none" spc="0" normalizeH="0" baseline="0" noProof="0">
+                <a:ln>
+                  <a:noFill/>
+                </a:ln>
+                <a:solidFill>
+                  <a:srgbClr val="768395"/>
+                </a:solidFill>
+                <a:effectLst/>
+                <a:uLnTx/>
+                <a:uFillTx/>
+                <a:latin typeface="Impact" panose="020B0806030902050204" pitchFamily="34" charset="0"/>
+                <a:cs typeface="Aharoni" panose="02010803020104030203" pitchFamily="2" charset="-79"/>
+              </a:rPr>
+              <a:t>29</a:t>
+            </a:r>
+            <a:r>
+              <a:rPr kumimoji="0" lang="zh-CN" altLang="en-US" sz="2000" b="1" i="0" u="none" strike="noStrike" kern="1200" cap="none" spc="0" normalizeH="0" baseline="0" noProof="0">
+                <a:ln>
+                  <a:noFill/>
+                </a:ln>
+                <a:solidFill>
+                  <a:srgbClr val="768395"/>
+                </a:solidFill>
+                <a:effectLst/>
+                <a:uLnTx/>
+                <a:uFillTx/>
+                <a:latin typeface="Stencil" panose="040409050D0802020404" pitchFamily="82" charset="0"/>
+              </a:rPr>
+              <a:t>℃</a:t>
+            </a:r>
+            <a:endParaRPr kumimoji="0" lang="en-US" altLang="zh-CN" sz="2000" b="1" i="0" u="none" strike="noStrike" kern="1200" cap="none" spc="0" normalizeH="0" baseline="0" noProof="0">
+              <a:ln>
+                <a:noFill/>
+              </a:ln>
+              <a:solidFill>
+                <a:srgbClr val="768395"/>
+              </a:solidFill>
+              <a:effectLst/>
+              <a:uLnTx/>
+              <a:uFillTx/>
+              <a:latin typeface="Stencil" panose="040409050D0802020404" pitchFamily="82" charset="0"/>
+            </a:endParaRPr>
+          </a:p>
+        </p:txBody>
+      </p:sp>
+      <p:sp>
+        <p:nvSpPr>
+          <p:cNvPr id="44" name="ValueText1">
+            <a:extLst>
+              <a:ext uri="{FF2B5EF4-FFF2-40B4-BE49-F238E27FC236}">
+                <a16:creationId xmlns:a16="http://schemas.microsoft.com/office/drawing/2014/main" id="{6A44A3A6-33DA-4301-BBC4-D3D4011DD260}"/>
+              </a:ext>
+            </a:extLst>
+          </p:cNvPr>
+          <p:cNvSpPr txBox="1"/>
+          <p:nvPr/>
+        </p:nvSpPr>
+        <p:spPr>
+          <a:xfrm>
+            <a:off x="2114120" y="1654270"/>
+            <a:ext cx="582125" cy="330109"/>
+          </a:xfrm>
+          <a:prstGeom prst="rect">
+            <a:avLst/>
+          </a:prstGeom>
+          <a:noFill/>
+        </p:spPr>
+        <p:txBody>
+          <a:bodyPr wrap="none" anchor="ctr" anchorCtr="0">
+            <a:prstTxWarp prst="textPlain">
+              <a:avLst/>
+            </a:prstTxWarp>
+            <a:noAutofit/>
+          </a:bodyPr>
+          <a:lstStyle/>
+          <a:p>
+            <a:pPr marL="0" marR="0" lvl="0" indent="0" algn="ctr" defTabSz="914400" rtl="0" eaLnBrk="1" fontAlgn="base" latinLnBrk="0" hangingPunct="1">
+              <a:spcBef>
+                <a:spcPct val="0"/>
+              </a:spcBef>
+              <a:spcAft>
+                <a:spcPct val="0"/>
+              </a:spcAft>
+              <a:buClrTx/>
+              <a:buSzTx/>
+              <a:buFontTx/>
+              <a:buNone/>
+              <a:tabLst/>
+              <a:defRPr/>
+            </a:pPr>
+            <a:r>
+              <a:rPr kumimoji="0" lang="en-US" altLang="zh-CN" sz="2000" b="1" i="0" u="none" strike="noStrike" kern="1200" cap="none" spc="0" normalizeH="0" baseline="0" noProof="0">
+                <a:ln>
+                  <a:noFill/>
+                </a:ln>
+                <a:solidFill>
+                  <a:srgbClr val="768395"/>
+                </a:solidFill>
+                <a:effectLst/>
+                <a:uLnTx/>
+                <a:uFillTx/>
+                <a:latin typeface="Impact" panose="020B0806030902050204" pitchFamily="34" charset="0"/>
+                <a:cs typeface="Aharoni" panose="02010803020104030203" pitchFamily="2" charset="-79"/>
+              </a:rPr>
+              <a:t>28</a:t>
+            </a:r>
+            <a:r>
+              <a:rPr kumimoji="0" lang="zh-CN" altLang="en-US" sz="2000" b="1" i="0" u="none" strike="noStrike" kern="1200" cap="none" spc="0" normalizeH="0" baseline="0" noProof="0">
+                <a:ln>
+                  <a:noFill/>
+                </a:ln>
+                <a:solidFill>
+                  <a:srgbClr val="768395"/>
+                </a:solidFill>
+                <a:effectLst/>
+                <a:uLnTx/>
+                <a:uFillTx/>
+                <a:latin typeface="Stencil" panose="040409050D0802020404" pitchFamily="82" charset="0"/>
+              </a:rPr>
+              <a:t>℃</a:t>
+            </a:r>
+            <a:endParaRPr kumimoji="0" lang="en-US" altLang="zh-CN" sz="2000" b="1" i="0" u="none" strike="noStrike" kern="1200" cap="none" spc="0" normalizeH="0" baseline="0" noProof="0">
+              <a:ln>
+                <a:noFill/>
+              </a:ln>
+              <a:solidFill>
+                <a:srgbClr val="768395"/>
+              </a:solidFill>
+              <a:effectLst/>
+              <a:uLnTx/>
+              <a:uFillTx/>
+              <a:latin typeface="Stencil" panose="040409050D0802020404" pitchFamily="82" charset="0"/>
+            </a:endParaRPr>
+          </a:p>
+        </p:txBody>
+      </p:sp>
+      <p:sp>
+        <p:nvSpPr>
+          <p:cNvPr id="45" name="CustomText1">
+            <a:extLst>
+              <a:ext uri="{FF2B5EF4-FFF2-40B4-BE49-F238E27FC236}">
+                <a16:creationId xmlns:a16="http://schemas.microsoft.com/office/drawing/2014/main" id="{BD617775-6AC3-4072-A23E-C552AE02E7FF}"/>
+              </a:ext>
+            </a:extLst>
+          </p:cNvPr>
+          <p:cNvSpPr/>
+          <p:nvPr/>
+        </p:nvSpPr>
+        <p:spPr>
+          <a:xfrm>
+            <a:off x="4944513" y="1033074"/>
+            <a:ext cx="1573986" cy="241346"/>
+          </a:xfrm>
+          <a:prstGeom prst="rect">
+            <a:avLst/>
+          </a:prstGeom>
+          <a:noFill/>
+        </p:spPr>
+        <p:txBody>
+          <a:bodyPr wrap="none" lIns="90000" tIns="46800" rIns="90000" bIns="46800">
+            <a:noAutofit/>
+          </a:bodyPr>
+          <a:lstStyle/>
+          <a:p>
+            <a:pPr marL="0" marR="0" lvl="0" indent="0" algn="l" defTabSz="914400" rtl="0" eaLnBrk="1" fontAlgn="auto" latinLnBrk="0" hangingPunct="1">
+              <a:spcBef>
+                <a:spcPts val="0"/>
+              </a:spcBef>
+              <a:spcAft>
+                <a:spcPts val="0"/>
+              </a:spcAft>
+              <a:buClrTx/>
+              <a:buSzTx/>
+              <a:buFontTx/>
+              <a:buNone/>
+              <a:tabLst/>
+              <a:defRPr/>
+            </a:pPr>
+            <a:r>
+              <a:rPr kumimoji="0" lang="en-US" altLang="zh-CN" sz="1400" b="1" i="0" u="none" strike="noStrike" kern="1200" cap="none" spc="0" normalizeH="0" baseline="0" noProof="0">
+                <a:ln>
+                  <a:noFill/>
+                </a:ln>
+                <a:solidFill>
+                  <a:schemeClr val="accent3"/>
+                </a:solidFill>
+                <a:effectLst/>
+                <a:uLnTx/>
+                <a:uFillTx/>
+                <a:latin typeface="Arial" panose="020B0604020202020204" pitchFamily="34" charset="0"/>
+                <a:cs typeface="Arial" panose="020B0604020202020204" pitchFamily="34" charset="0"/>
+              </a:rPr>
+              <a:t>Alert pin1 trigger</a:t>
+            </a:r>
+            <a:endParaRPr kumimoji="0" lang="en-US" altLang="zh-CN" sz="1400" b="1" i="0" u="none" strike="noStrike" kern="1200" cap="none" spc="0" normalizeH="0" baseline="0" noProof="0" dirty="0">
+              <a:ln>
+                <a:noFill/>
+              </a:ln>
+              <a:solidFill>
+                <a:schemeClr val="accent3"/>
+              </a:solidFill>
+              <a:effectLst/>
+              <a:uLnTx/>
+              <a:uFillTx/>
+              <a:latin typeface="Arial" panose="020B0604020202020204" pitchFamily="34" charset="0"/>
+              <a:cs typeface="Arial" panose="020B0604020202020204" pitchFamily="34" charset="0"/>
+            </a:endParaRPr>
+          </a:p>
+        </p:txBody>
+      </p:sp>
+      <p:sp>
+        <p:nvSpPr>
+          <p:cNvPr id="46" name="CustomText1">
+            <a:extLst>
+              <a:ext uri="{FF2B5EF4-FFF2-40B4-BE49-F238E27FC236}">
+                <a16:creationId xmlns:a16="http://schemas.microsoft.com/office/drawing/2014/main" id="{057B11E1-EE5A-4E1E-AD23-D31EE14B929D}"/>
+              </a:ext>
+            </a:extLst>
+          </p:cNvPr>
+          <p:cNvSpPr/>
+          <p:nvPr/>
+        </p:nvSpPr>
+        <p:spPr>
+          <a:xfrm>
+            <a:off x="6939750" y="879271"/>
+            <a:ext cx="1573986" cy="241346"/>
+          </a:xfrm>
+          <a:prstGeom prst="rect">
+            <a:avLst/>
+          </a:prstGeom>
+          <a:noFill/>
+        </p:spPr>
+        <p:txBody>
+          <a:bodyPr wrap="none" lIns="90000" tIns="46800" rIns="90000" bIns="46800">
+            <a:noAutofit/>
+          </a:bodyPr>
+          <a:lstStyle/>
+          <a:p>
+            <a:pPr marL="0" marR="0" lvl="0" indent="0" algn="l" defTabSz="914400" rtl="0" eaLnBrk="1" fontAlgn="auto" latinLnBrk="0" hangingPunct="1">
+              <a:spcBef>
+                <a:spcPts val="0"/>
+              </a:spcBef>
+              <a:spcAft>
+                <a:spcPts val="0"/>
+              </a:spcAft>
+              <a:buClrTx/>
+              <a:buSzTx/>
+              <a:buFontTx/>
+              <a:buNone/>
+              <a:tabLst/>
+              <a:defRPr/>
+            </a:pPr>
+            <a:r>
+              <a:rPr kumimoji="0" lang="en-US" altLang="zh-CN" sz="1400" b="1" i="0" u="none" strike="noStrike" kern="1200" cap="none" spc="0" normalizeH="0" baseline="0" noProof="0">
+                <a:ln>
+                  <a:noFill/>
+                </a:ln>
+                <a:solidFill>
+                  <a:schemeClr val="accent3"/>
+                </a:solidFill>
+                <a:effectLst/>
+                <a:uLnTx/>
+                <a:uFillTx/>
+                <a:latin typeface="Arial" panose="020B0604020202020204" pitchFamily="34" charset="0"/>
+                <a:cs typeface="Arial" panose="020B0604020202020204" pitchFamily="34" charset="0"/>
+              </a:rPr>
+              <a:t>Alert pin2 trigger</a:t>
+            </a:r>
+            <a:endParaRPr kumimoji="0" lang="en-US" altLang="zh-CN" sz="1400" b="1" i="0" u="none" strike="noStrike" kern="1200" cap="none" spc="0" normalizeH="0" baseline="0" noProof="0" dirty="0">
+              <a:ln>
+                <a:noFill/>
+              </a:ln>
+              <a:solidFill>
+                <a:schemeClr val="accent3"/>
+              </a:solidFill>
+              <a:effectLst/>
+              <a:uLnTx/>
+              <a:uFillTx/>
+              <a:latin typeface="Arial" panose="020B0604020202020204" pitchFamily="34" charset="0"/>
+              <a:cs typeface="Arial" panose="020B0604020202020204" pitchFamily="34" charset="0"/>
+            </a:endParaRPr>
+          </a:p>
+        </p:txBody>
+      </p:sp>
+      <p:sp>
+        <p:nvSpPr>
+          <p:cNvPr id="47" name="CustomText1">
+            <a:extLst>
+              <a:ext uri="{FF2B5EF4-FFF2-40B4-BE49-F238E27FC236}">
+                <a16:creationId xmlns:a16="http://schemas.microsoft.com/office/drawing/2014/main" id="{83F0AB35-3DC4-4B33-B15A-D430095E4DE8}"/>
+              </a:ext>
+            </a:extLst>
+          </p:cNvPr>
+          <p:cNvSpPr/>
+          <p:nvPr/>
+        </p:nvSpPr>
+        <p:spPr>
+          <a:xfrm>
+            <a:off x="8952028" y="753693"/>
+            <a:ext cx="1573986" cy="241346"/>
+          </a:xfrm>
+          <a:prstGeom prst="rect">
+            <a:avLst/>
+          </a:prstGeom>
+          <a:noFill/>
+        </p:spPr>
+        <p:txBody>
+          <a:bodyPr wrap="none" lIns="90000" tIns="46800" rIns="90000" bIns="46800">
+            <a:noAutofit/>
+          </a:bodyPr>
+          <a:lstStyle/>
+          <a:p>
+            <a:pPr marL="0" marR="0" lvl="0" indent="0" algn="l" defTabSz="914400" rtl="0" eaLnBrk="1" fontAlgn="auto" latinLnBrk="0" hangingPunct="1">
+              <a:spcBef>
+                <a:spcPts val="0"/>
+              </a:spcBef>
+              <a:spcAft>
+                <a:spcPts val="0"/>
+              </a:spcAft>
+              <a:buClrTx/>
+              <a:buSzTx/>
+              <a:buFontTx/>
+              <a:buNone/>
+              <a:tabLst/>
+              <a:defRPr/>
+            </a:pPr>
+            <a:r>
+              <a:rPr kumimoji="0" lang="en-US" altLang="zh-CN" sz="1400" b="1" i="0" u="none" strike="noStrike" kern="1200" cap="none" spc="0" normalizeH="0" baseline="0" noProof="0">
+                <a:ln>
+                  <a:noFill/>
+                </a:ln>
+                <a:solidFill>
+                  <a:schemeClr val="accent3"/>
+                </a:solidFill>
+                <a:effectLst/>
+                <a:uLnTx/>
+                <a:uFillTx/>
+                <a:latin typeface="Arial" panose="020B0604020202020204" pitchFamily="34" charset="0"/>
+                <a:cs typeface="Arial" panose="020B0604020202020204" pitchFamily="34" charset="0"/>
+              </a:rPr>
+              <a:t>Alert pin3 trigger</a:t>
+            </a:r>
+            <a:endParaRPr kumimoji="0" lang="en-US" altLang="zh-CN" sz="1400" b="1" i="0" u="none" strike="noStrike" kern="1200" cap="none" spc="0" normalizeH="0" baseline="0" noProof="0" dirty="0">
+              <a:ln>
+                <a:noFill/>
+              </a:ln>
+              <a:solidFill>
+                <a:schemeClr val="accent3"/>
+              </a:solidFill>
+              <a:effectLst/>
+              <a:uLnTx/>
+              <a:uFillTx/>
+              <a:latin typeface="Arial" panose="020B0604020202020204" pitchFamily="34" charset="0"/>
+              <a:cs typeface="Arial" panose="020B0604020202020204" pitchFamily="34" charset="0"/>
+            </a:endParaRPr>
+          </a:p>
+        </p:txBody>
+      </p:sp>
+      <p:sp>
+        <p:nvSpPr>
+          <p:cNvPr id="48" name="RelativeShape1">
+            <a:extLst>
+              <a:ext uri="{FF2B5EF4-FFF2-40B4-BE49-F238E27FC236}">
+                <a16:creationId xmlns:a16="http://schemas.microsoft.com/office/drawing/2014/main" id="{CC5FA7F7-AA7C-4C23-88A1-D890C9495026}"/>
+              </a:ext>
+            </a:extLst>
+          </p:cNvPr>
+          <p:cNvSpPr/>
+          <p:nvPr/>
+        </p:nvSpPr>
+        <p:spPr>
+          <a:xfrm>
+            <a:off x="2830987" y="4072609"/>
+            <a:ext cx="192781" cy="1521641"/>
+          </a:xfrm>
+          <a:prstGeom prst="roundRect">
+            <a:avLst>
+              <a:gd name="adj" fmla="val 22289"/>
+            </a:avLst>
+          </a:prstGeom>
+          <a:solidFill>
+            <a:schemeClr val="bg1">
+              <a:lumMod val="85000"/>
+            </a:schemeClr>
+          </a:solidFill>
+          <a:ln>
+            <a:noFill/>
+          </a:ln>
+        </p:spPr>
+        <p:style>
+          <a:lnRef idx="2">
+            <a:schemeClr val="accent1">
+              <a:shade val="50000"/>
+            </a:schemeClr>
+          </a:lnRef>
+          <a:fillRef idx="1">
+            <a:schemeClr val="accent1"/>
+          </a:fillRef>
+          <a:effectRef idx="0">
+            <a:schemeClr val="accent1"/>
+          </a:effectRef>
+          <a:fontRef idx="minor">
+            <a:schemeClr val="lt1"/>
+          </a:fontRef>
+        </p:style>
+        <p:txBody>
+          <a:bodyPr anchor="ctr"/>
+          <a:lstStyle/>
+          <a:p>
+            <a:pPr algn="ctr"/>
+            <a:endParaRPr/>
+          </a:p>
+        </p:txBody>
+      </p:sp>
+      <p:sp>
+        <p:nvSpPr>
+          <p:cNvPr id="49" name="ValueShape1">
+            <a:extLst>
+              <a:ext uri="{FF2B5EF4-FFF2-40B4-BE49-F238E27FC236}">
+                <a16:creationId xmlns:a16="http://schemas.microsoft.com/office/drawing/2014/main" id="{D0936C59-93F7-4CAD-A998-09398D7D57D2}"/>
+              </a:ext>
+            </a:extLst>
+          </p:cNvPr>
+          <p:cNvSpPr/>
+          <p:nvPr/>
+        </p:nvSpPr>
+        <p:spPr>
+          <a:xfrm>
+            <a:off x="2830987" y="5086771"/>
+            <a:ext cx="192781" cy="745604"/>
+          </a:xfrm>
+          <a:prstGeom prst="roundRect">
+            <a:avLst>
+              <a:gd name="adj" fmla="val 22289"/>
+            </a:avLst>
+          </a:prstGeom>
+          <a:solidFill>
+            <a:srgbClr val="9FB057"/>
+          </a:solidFill>
+          <a:ln>
+            <a:noFill/>
+          </a:ln>
+        </p:spPr>
+        <p:style>
+          <a:lnRef idx="2">
+            <a:schemeClr val="accent1">
+              <a:shade val="50000"/>
+            </a:schemeClr>
+          </a:lnRef>
+          <a:fillRef idx="1">
+            <a:schemeClr val="accent1"/>
+          </a:fillRef>
+          <a:effectRef idx="0">
+            <a:schemeClr val="accent1"/>
+          </a:effectRef>
+          <a:fontRef idx="minor">
+            <a:schemeClr val="lt1"/>
+          </a:fontRef>
+        </p:style>
+        <p:txBody>
+          <a:bodyPr anchor="ctr"/>
+          <a:lstStyle/>
+          <a:p>
+            <a:pPr algn="ctr"/>
+            <a:endParaRPr/>
+          </a:p>
+        </p:txBody>
+      </p:sp>
+      <p:sp>
+        <p:nvSpPr>
+          <p:cNvPr id="50" name="ValueBack1">
+            <a:extLst>
+              <a:ext uri="{FF2B5EF4-FFF2-40B4-BE49-F238E27FC236}">
+                <a16:creationId xmlns:a16="http://schemas.microsoft.com/office/drawing/2014/main" id="{1B63A2CE-BB24-48C6-88F9-A750379B8650}"/>
+              </a:ext>
+            </a:extLst>
+          </p:cNvPr>
+          <p:cNvSpPr/>
+          <p:nvPr/>
+        </p:nvSpPr>
+        <p:spPr>
+          <a:xfrm>
+            <a:off x="2392694" y="5289175"/>
+            <a:ext cx="1069366" cy="1069366"/>
+          </a:xfrm>
+          <a:prstGeom prst="ellipse">
+            <a:avLst/>
+          </a:prstGeom>
+          <a:solidFill>
+            <a:schemeClr val="bg1"/>
+          </a:solidFill>
+          <a:ln w="3175">
+            <a:solidFill>
+              <a:srgbClr val="9FB057"/>
+            </a:solidFill>
+          </a:ln>
+        </p:spPr>
+        <p:style>
+          <a:lnRef idx="2">
+            <a:schemeClr val="accent1">
+              <a:shade val="50000"/>
+            </a:schemeClr>
+          </a:lnRef>
+          <a:fillRef idx="1">
+            <a:schemeClr val="accent1"/>
+          </a:fillRef>
+          <a:effectRef idx="0">
+            <a:schemeClr val="accent1"/>
+          </a:effectRef>
+          <a:fontRef idx="minor">
+            <a:schemeClr val="lt1"/>
+          </a:fontRef>
+        </p:style>
+        <p:txBody>
+          <a:bodyPr anchor="ctr"/>
+          <a:lstStyle/>
+          <a:p>
+            <a:pPr algn="ctr"/>
+            <a:endParaRPr/>
+          </a:p>
+        </p:txBody>
+      </p:sp>
+      <p:sp>
+        <p:nvSpPr>
+          <p:cNvPr id="51" name="ValueShape11">
+            <a:extLst>
+              <a:ext uri="{FF2B5EF4-FFF2-40B4-BE49-F238E27FC236}">
+                <a16:creationId xmlns:a16="http://schemas.microsoft.com/office/drawing/2014/main" id="{2A7B6334-B90B-41DB-8DC6-D2C322B759B4}"/>
+              </a:ext>
+            </a:extLst>
+          </p:cNvPr>
+          <p:cNvSpPr/>
+          <p:nvPr/>
+        </p:nvSpPr>
+        <p:spPr>
+          <a:xfrm>
+            <a:off x="2510822" y="5407302"/>
+            <a:ext cx="833111" cy="833111"/>
+          </a:xfrm>
+          <a:prstGeom prst="arc">
+            <a:avLst>
+              <a:gd name="adj1" fmla="val 16200000"/>
+              <a:gd name="adj2" fmla="val 21018272"/>
+            </a:avLst>
+          </a:prstGeom>
+          <a:noFill/>
+          <a:ln w="76200" cap="rnd">
+            <a:solidFill>
+              <a:srgbClr val="9FB057"/>
+            </a:solidFill>
+          </a:ln>
+        </p:spPr>
+        <p:style>
+          <a:lnRef idx="2">
+            <a:schemeClr val="accent1">
+              <a:shade val="50000"/>
+            </a:schemeClr>
+          </a:lnRef>
+          <a:fillRef idx="1">
+            <a:schemeClr val="accent1"/>
+          </a:fillRef>
+          <a:effectRef idx="0">
+            <a:schemeClr val="accent1"/>
+          </a:effectRef>
+          <a:fontRef idx="minor">
+            <a:schemeClr val="lt1"/>
+          </a:fontRef>
+        </p:style>
+        <p:txBody>
+          <a:bodyPr anchor="ctr"/>
+          <a:lstStyle/>
+          <a:p>
+            <a:pPr algn="ctr"/>
+            <a:endParaRPr/>
+          </a:p>
+        </p:txBody>
+      </p:sp>
+      <p:cxnSp>
+        <p:nvCxnSpPr>
+          <p:cNvPr id="52" name="ExtraShape">
+            <a:extLst>
+              <a:ext uri="{FF2B5EF4-FFF2-40B4-BE49-F238E27FC236}">
+                <a16:creationId xmlns:a16="http://schemas.microsoft.com/office/drawing/2014/main" id="{4E970BB7-115C-474F-B428-018C489CE4DF}"/>
+              </a:ext>
+            </a:extLst>
+          </p:cNvPr>
+          <p:cNvCxnSpPr>
+            <a:cxnSpLocks/>
+          </p:cNvCxnSpPr>
+          <p:nvPr/>
+        </p:nvCxnSpPr>
+        <p:spPr>
+          <a:xfrm rot="10800000">
+            <a:off x="1364878" y="5108745"/>
+            <a:ext cx="1433445" cy="0"/>
+          </a:xfrm>
+          <a:prstGeom prst="line">
+            <a:avLst/>
+          </a:prstGeom>
+          <a:ln>
+            <a:solidFill>
+              <a:srgbClr val="95A5A6"/>
+            </a:solidFill>
+            <a:prstDash val="dash"/>
+            <a:tailEnd type="oval"/>
+          </a:ln>
+        </p:spPr>
+        <p:style>
+          <a:lnRef idx="1">
+            <a:schemeClr val="accent1"/>
+          </a:lnRef>
+          <a:fillRef idx="0">
+            <a:schemeClr val="accent1"/>
+          </a:fillRef>
+          <a:effectRef idx="0">
+            <a:schemeClr val="accent1"/>
+          </a:effectRef>
+          <a:fontRef idx="minor">
+            <a:schemeClr val="tx1"/>
+          </a:fontRef>
+        </p:style>
+      </p:cxnSp>
+      <p:sp>
+        <p:nvSpPr>
+          <p:cNvPr id="53" name="ValueText1">
+            <a:extLst>
+              <a:ext uri="{FF2B5EF4-FFF2-40B4-BE49-F238E27FC236}">
+                <a16:creationId xmlns:a16="http://schemas.microsoft.com/office/drawing/2014/main" id="{E53C232B-973A-4533-B472-228759736F6A}"/>
+              </a:ext>
+            </a:extLst>
+          </p:cNvPr>
+          <p:cNvSpPr txBox="1"/>
+          <p:nvPr/>
+        </p:nvSpPr>
+        <p:spPr>
+          <a:xfrm>
+            <a:off x="9089323" y="4983062"/>
+            <a:ext cx="582125" cy="330109"/>
+          </a:xfrm>
+          <a:prstGeom prst="rect">
+            <a:avLst/>
+          </a:prstGeom>
+          <a:noFill/>
+        </p:spPr>
+        <p:txBody>
+          <a:bodyPr wrap="none" anchor="ctr" anchorCtr="0">
+            <a:prstTxWarp prst="textPlain">
+              <a:avLst/>
+            </a:prstTxWarp>
+            <a:noAutofit/>
+          </a:bodyPr>
+          <a:lstStyle/>
+          <a:p>
+            <a:pPr marL="0" marR="0" lvl="0" indent="0" algn="ctr" defTabSz="914400" rtl="0" eaLnBrk="1" fontAlgn="base" latinLnBrk="0" hangingPunct="1">
+              <a:spcBef>
+                <a:spcPct val="0"/>
+              </a:spcBef>
+              <a:spcAft>
+                <a:spcPct val="0"/>
+              </a:spcAft>
+              <a:buClrTx/>
+              <a:buSzTx/>
+              <a:buFontTx/>
+              <a:buNone/>
+              <a:tabLst/>
+              <a:defRPr/>
+            </a:pPr>
+            <a:r>
+              <a:rPr lang="en-US" altLang="zh-CN" sz="2000" b="1">
+                <a:solidFill>
+                  <a:srgbClr val="768395"/>
+                </a:solidFill>
+                <a:latin typeface="Impact" panose="020B0806030902050204" pitchFamily="34" charset="0"/>
+                <a:cs typeface="Aharoni" panose="02010803020104030203" pitchFamily="2" charset="-79"/>
+              </a:rPr>
+              <a:t>29</a:t>
+            </a:r>
+            <a:r>
+              <a:rPr kumimoji="0" lang="zh-CN" altLang="en-US" sz="2000" b="1" i="0" u="none" strike="noStrike" kern="1200" cap="none" spc="0" normalizeH="0" baseline="0" noProof="0">
+                <a:ln>
+                  <a:noFill/>
+                </a:ln>
+                <a:solidFill>
+                  <a:srgbClr val="768395"/>
+                </a:solidFill>
+                <a:effectLst/>
+                <a:uLnTx/>
+                <a:uFillTx/>
+                <a:latin typeface="Stencil" panose="040409050D0802020404" pitchFamily="82" charset="0"/>
+              </a:rPr>
+              <a:t>℃</a:t>
+            </a:r>
+            <a:endParaRPr kumimoji="0" lang="en-US" altLang="zh-CN" sz="2000" b="1" i="0" u="none" strike="noStrike" kern="1200" cap="none" spc="0" normalizeH="0" baseline="0" noProof="0">
+              <a:ln>
+                <a:noFill/>
+              </a:ln>
+              <a:solidFill>
+                <a:srgbClr val="768395"/>
+              </a:solidFill>
+              <a:effectLst/>
+              <a:uLnTx/>
+              <a:uFillTx/>
+              <a:latin typeface="Stencil" panose="040409050D0802020404" pitchFamily="82" charset="0"/>
+            </a:endParaRPr>
+          </a:p>
+        </p:txBody>
+      </p:sp>
+      <p:sp>
+        <p:nvSpPr>
+          <p:cNvPr id="54" name="CustomText1">
+            <a:extLst>
+              <a:ext uri="{FF2B5EF4-FFF2-40B4-BE49-F238E27FC236}">
+                <a16:creationId xmlns:a16="http://schemas.microsoft.com/office/drawing/2014/main" id="{8BBE66C2-1C06-4799-912D-331F857B7398}"/>
+              </a:ext>
+            </a:extLst>
+          </p:cNvPr>
+          <p:cNvSpPr/>
+          <p:nvPr/>
+        </p:nvSpPr>
+        <p:spPr>
+          <a:xfrm>
+            <a:off x="1232275" y="4786873"/>
+            <a:ext cx="1573986" cy="241346"/>
+          </a:xfrm>
+          <a:prstGeom prst="rect">
+            <a:avLst/>
+          </a:prstGeom>
+          <a:noFill/>
+        </p:spPr>
+        <p:txBody>
+          <a:bodyPr wrap="none" lIns="90000" tIns="46800" rIns="90000" bIns="46800">
+            <a:noAutofit/>
+          </a:bodyPr>
+          <a:lstStyle/>
+          <a:p>
+            <a:pPr marL="0" marR="0" lvl="0" indent="0" algn="l" defTabSz="914400" rtl="0" eaLnBrk="1" fontAlgn="auto" latinLnBrk="0" hangingPunct="1">
+              <a:spcBef>
+                <a:spcPts val="0"/>
+              </a:spcBef>
+              <a:spcAft>
+                <a:spcPts val="0"/>
+              </a:spcAft>
+              <a:buClrTx/>
+              <a:buSzTx/>
+              <a:buFontTx/>
+              <a:buNone/>
+              <a:tabLst/>
+              <a:defRPr/>
+            </a:pPr>
+            <a:r>
+              <a:rPr kumimoji="0" lang="en-US" altLang="zh-CN" sz="1400" b="1" i="0" u="none" strike="noStrike" kern="1200" cap="none" spc="0" normalizeH="0" baseline="0" noProof="0">
+                <a:ln>
+                  <a:noFill/>
+                </a:ln>
+                <a:solidFill>
+                  <a:schemeClr val="accent3"/>
+                </a:solidFill>
+                <a:effectLst/>
+                <a:uLnTx/>
+                <a:uFillTx/>
+                <a:latin typeface="Arial" panose="020B0604020202020204" pitchFamily="34" charset="0"/>
+                <a:cs typeface="Arial" panose="020B0604020202020204" pitchFamily="34" charset="0"/>
+              </a:rPr>
+              <a:t>Alert pin0 release</a:t>
+            </a:r>
+            <a:endParaRPr kumimoji="0" lang="en-US" altLang="zh-CN" sz="1400" b="1" i="0" u="none" strike="noStrike" kern="1200" cap="none" spc="0" normalizeH="0" baseline="0" noProof="0" dirty="0">
+              <a:ln>
+                <a:noFill/>
+              </a:ln>
+              <a:solidFill>
+                <a:schemeClr val="accent3"/>
+              </a:solidFill>
+              <a:effectLst/>
+              <a:uLnTx/>
+              <a:uFillTx/>
+              <a:latin typeface="Arial" panose="020B0604020202020204" pitchFamily="34" charset="0"/>
+              <a:cs typeface="Arial" panose="020B0604020202020204" pitchFamily="34" charset="0"/>
+            </a:endParaRPr>
+          </a:p>
+        </p:txBody>
+      </p:sp>
+      <p:sp>
+        <p:nvSpPr>
+          <p:cNvPr id="55" name="RelativeShape2">
+            <a:extLst>
+              <a:ext uri="{FF2B5EF4-FFF2-40B4-BE49-F238E27FC236}">
+                <a16:creationId xmlns:a16="http://schemas.microsoft.com/office/drawing/2014/main" id="{500B1E7E-6351-47B6-B9F1-521AA807608B}"/>
+              </a:ext>
+            </a:extLst>
+          </p:cNvPr>
+          <p:cNvSpPr/>
+          <p:nvPr/>
+        </p:nvSpPr>
+        <p:spPr>
+          <a:xfrm>
+            <a:off x="4810655" y="4072609"/>
+            <a:ext cx="192781" cy="1521641"/>
+          </a:xfrm>
+          <a:prstGeom prst="roundRect">
+            <a:avLst>
+              <a:gd name="adj" fmla="val 22289"/>
+            </a:avLst>
+          </a:prstGeom>
+          <a:solidFill>
+            <a:schemeClr val="bg1">
+              <a:lumMod val="85000"/>
+            </a:schemeClr>
+          </a:solidFill>
+          <a:ln>
+            <a:noFill/>
+          </a:ln>
+        </p:spPr>
+        <p:style>
+          <a:lnRef idx="2">
+            <a:schemeClr val="accent1">
+              <a:shade val="50000"/>
+            </a:schemeClr>
+          </a:lnRef>
+          <a:fillRef idx="1">
+            <a:schemeClr val="accent1"/>
+          </a:fillRef>
+          <a:effectRef idx="0">
+            <a:schemeClr val="accent1"/>
+          </a:effectRef>
+          <a:fontRef idx="minor">
+            <a:schemeClr val="lt1"/>
+          </a:fontRef>
+        </p:style>
+        <p:txBody>
+          <a:bodyPr anchor="ctr"/>
+          <a:lstStyle/>
+          <a:p>
+            <a:pPr algn="ctr"/>
+            <a:endParaRPr/>
+          </a:p>
+        </p:txBody>
+      </p:sp>
+      <p:sp>
+        <p:nvSpPr>
+          <p:cNvPr id="56" name="ValueShape2">
+            <a:extLst>
+              <a:ext uri="{FF2B5EF4-FFF2-40B4-BE49-F238E27FC236}">
+                <a16:creationId xmlns:a16="http://schemas.microsoft.com/office/drawing/2014/main" id="{0C6F4DF5-4E7D-4F81-8875-514D3CC636D5}"/>
+              </a:ext>
+            </a:extLst>
+          </p:cNvPr>
+          <p:cNvSpPr/>
+          <p:nvPr/>
+        </p:nvSpPr>
+        <p:spPr>
+          <a:xfrm>
+            <a:off x="4810655" y="4938441"/>
+            <a:ext cx="192781" cy="912985"/>
+          </a:xfrm>
+          <a:prstGeom prst="roundRect">
+            <a:avLst>
+              <a:gd name="adj" fmla="val 22289"/>
+            </a:avLst>
+          </a:prstGeom>
+          <a:solidFill>
+            <a:srgbClr val="6D9B6A"/>
+          </a:solidFill>
+          <a:ln>
+            <a:noFill/>
+          </a:ln>
+        </p:spPr>
+        <p:style>
+          <a:lnRef idx="2">
+            <a:schemeClr val="accent1">
+              <a:shade val="50000"/>
+            </a:schemeClr>
+          </a:lnRef>
+          <a:fillRef idx="1">
+            <a:schemeClr val="accent1"/>
+          </a:fillRef>
+          <a:effectRef idx="0">
+            <a:schemeClr val="accent1"/>
+          </a:effectRef>
+          <a:fontRef idx="minor">
+            <a:schemeClr val="lt1"/>
+          </a:fontRef>
+        </p:style>
+        <p:txBody>
+          <a:bodyPr anchor="ctr"/>
+          <a:lstStyle/>
+          <a:p>
+            <a:pPr algn="ctr"/>
+            <a:endParaRPr/>
+          </a:p>
+        </p:txBody>
+      </p:sp>
+      <p:sp>
+        <p:nvSpPr>
+          <p:cNvPr id="57" name="ValueBack2">
+            <a:extLst>
+              <a:ext uri="{FF2B5EF4-FFF2-40B4-BE49-F238E27FC236}">
+                <a16:creationId xmlns:a16="http://schemas.microsoft.com/office/drawing/2014/main" id="{53970BD2-73B7-4F52-BC89-9B246ADAEAD0}"/>
+              </a:ext>
+            </a:extLst>
+          </p:cNvPr>
+          <p:cNvSpPr/>
+          <p:nvPr/>
+        </p:nvSpPr>
+        <p:spPr>
+          <a:xfrm>
+            <a:off x="4372363" y="5289175"/>
+            <a:ext cx="1069366" cy="1069366"/>
+          </a:xfrm>
+          <a:prstGeom prst="ellipse">
+            <a:avLst/>
+          </a:prstGeom>
+          <a:solidFill>
+            <a:schemeClr val="bg1"/>
+          </a:solidFill>
+          <a:ln w="3175">
+            <a:solidFill>
+              <a:srgbClr val="6D9B6A"/>
+            </a:solidFill>
+          </a:ln>
+        </p:spPr>
+        <p:style>
+          <a:lnRef idx="2">
+            <a:schemeClr val="accent1">
+              <a:shade val="50000"/>
+            </a:schemeClr>
+          </a:lnRef>
+          <a:fillRef idx="1">
+            <a:schemeClr val="accent1"/>
+          </a:fillRef>
+          <a:effectRef idx="0">
+            <a:schemeClr val="accent1"/>
+          </a:effectRef>
+          <a:fontRef idx="minor">
+            <a:schemeClr val="lt1"/>
+          </a:fontRef>
+        </p:style>
+        <p:txBody>
+          <a:bodyPr anchor="ctr"/>
+          <a:lstStyle/>
+          <a:p>
+            <a:pPr algn="ctr"/>
+            <a:endParaRPr/>
+          </a:p>
+        </p:txBody>
+      </p:sp>
+      <p:sp>
+        <p:nvSpPr>
+          <p:cNvPr id="58" name="ValueShape22">
+            <a:extLst>
+              <a:ext uri="{FF2B5EF4-FFF2-40B4-BE49-F238E27FC236}">
+                <a16:creationId xmlns:a16="http://schemas.microsoft.com/office/drawing/2014/main" id="{E5DDD424-E678-476C-85D4-2B87E3624674}"/>
+              </a:ext>
+            </a:extLst>
+          </p:cNvPr>
+          <p:cNvSpPr/>
+          <p:nvPr/>
+        </p:nvSpPr>
+        <p:spPr>
+          <a:xfrm>
+            <a:off x="4490491" y="5407302"/>
+            <a:ext cx="833111" cy="833111"/>
+          </a:xfrm>
+          <a:prstGeom prst="arc">
+            <a:avLst>
+              <a:gd name="adj1" fmla="val 16200000"/>
+              <a:gd name="adj2" fmla="val 2047880"/>
+            </a:avLst>
+          </a:prstGeom>
+          <a:noFill/>
+          <a:ln w="76200" cap="rnd">
+            <a:solidFill>
+              <a:srgbClr val="6D9B6A"/>
+            </a:solidFill>
+          </a:ln>
+        </p:spPr>
+        <p:style>
+          <a:lnRef idx="2">
+            <a:schemeClr val="accent1">
+              <a:shade val="50000"/>
+            </a:schemeClr>
+          </a:lnRef>
+          <a:fillRef idx="1">
+            <a:schemeClr val="accent1"/>
+          </a:fillRef>
+          <a:effectRef idx="0">
+            <a:schemeClr val="accent1"/>
+          </a:effectRef>
+          <a:fontRef idx="minor">
+            <a:schemeClr val="lt1"/>
+          </a:fontRef>
+        </p:style>
+        <p:txBody>
+          <a:bodyPr anchor="ctr"/>
+          <a:lstStyle/>
+          <a:p>
+            <a:pPr algn="ctr"/>
+            <a:endParaRPr/>
+          </a:p>
+        </p:txBody>
+      </p:sp>
+      <p:cxnSp>
+        <p:nvCxnSpPr>
+          <p:cNvPr id="59" name="ExtraShape">
+            <a:extLst>
+              <a:ext uri="{FF2B5EF4-FFF2-40B4-BE49-F238E27FC236}">
+                <a16:creationId xmlns:a16="http://schemas.microsoft.com/office/drawing/2014/main" id="{9E8DC24F-D5DF-449B-B734-2D3EA1659259}"/>
+              </a:ext>
+            </a:extLst>
+          </p:cNvPr>
+          <p:cNvCxnSpPr>
+            <a:cxnSpLocks/>
+          </p:cNvCxnSpPr>
+          <p:nvPr/>
+        </p:nvCxnSpPr>
+        <p:spPr>
+          <a:xfrm rot="10800000">
+            <a:off x="3346086" y="4938441"/>
+            <a:ext cx="1433445" cy="0"/>
+          </a:xfrm>
+          <a:prstGeom prst="line">
+            <a:avLst/>
+          </a:prstGeom>
+          <a:ln>
+            <a:solidFill>
+              <a:srgbClr val="95A5A6"/>
+            </a:solidFill>
+            <a:prstDash val="dash"/>
+            <a:tailEnd type="oval"/>
+          </a:ln>
+        </p:spPr>
+        <p:style>
+          <a:lnRef idx="1">
+            <a:schemeClr val="accent1"/>
+          </a:lnRef>
+          <a:fillRef idx="0">
+            <a:schemeClr val="accent1"/>
+          </a:fillRef>
+          <a:effectRef idx="0">
+            <a:schemeClr val="accent1"/>
+          </a:effectRef>
+          <a:fontRef idx="minor">
+            <a:schemeClr val="tx1"/>
+          </a:fontRef>
+        </p:style>
+      </p:cxnSp>
+      <p:sp>
+        <p:nvSpPr>
+          <p:cNvPr id="60" name="RelativeShape3">
+            <a:extLst>
+              <a:ext uri="{FF2B5EF4-FFF2-40B4-BE49-F238E27FC236}">
+                <a16:creationId xmlns:a16="http://schemas.microsoft.com/office/drawing/2014/main" id="{5D158DBB-20AC-4F21-8D52-09F5BB7BFCA4}"/>
+              </a:ext>
+            </a:extLst>
+          </p:cNvPr>
+          <p:cNvSpPr/>
+          <p:nvPr/>
+        </p:nvSpPr>
+        <p:spPr>
+          <a:xfrm>
+            <a:off x="6789343" y="4072609"/>
+            <a:ext cx="192781" cy="1521641"/>
+          </a:xfrm>
+          <a:prstGeom prst="roundRect">
+            <a:avLst>
+              <a:gd name="adj" fmla="val 22289"/>
+            </a:avLst>
+          </a:prstGeom>
+          <a:solidFill>
+            <a:schemeClr val="bg1">
+              <a:lumMod val="85000"/>
+            </a:schemeClr>
+          </a:solidFill>
+          <a:ln>
+            <a:noFill/>
+          </a:ln>
+        </p:spPr>
+        <p:style>
+          <a:lnRef idx="2">
+            <a:schemeClr val="accent1">
+              <a:shade val="50000"/>
+            </a:schemeClr>
+          </a:lnRef>
+          <a:fillRef idx="1">
+            <a:schemeClr val="accent1"/>
+          </a:fillRef>
+          <a:effectRef idx="0">
+            <a:schemeClr val="accent1"/>
+          </a:effectRef>
+          <a:fontRef idx="minor">
+            <a:schemeClr val="lt1"/>
+          </a:fontRef>
+        </p:style>
+        <p:txBody>
+          <a:bodyPr anchor="ctr"/>
+          <a:lstStyle/>
+          <a:p>
+            <a:pPr algn="ctr"/>
+            <a:endParaRPr/>
+          </a:p>
+        </p:txBody>
+      </p:sp>
+      <p:sp>
+        <p:nvSpPr>
+          <p:cNvPr id="61" name="ValueShape3">
+            <a:extLst>
+              <a:ext uri="{FF2B5EF4-FFF2-40B4-BE49-F238E27FC236}">
+                <a16:creationId xmlns:a16="http://schemas.microsoft.com/office/drawing/2014/main" id="{39BE80D7-0136-4E1F-9E62-4F711E1767AA}"/>
+              </a:ext>
+            </a:extLst>
+          </p:cNvPr>
+          <p:cNvSpPr/>
+          <p:nvPr/>
+        </p:nvSpPr>
+        <p:spPr>
+          <a:xfrm>
+            <a:off x="6790627" y="4777999"/>
+            <a:ext cx="192781" cy="530961"/>
+          </a:xfrm>
+          <a:prstGeom prst="roundRect">
+            <a:avLst>
+              <a:gd name="adj" fmla="val 22289"/>
+            </a:avLst>
+          </a:prstGeom>
+          <a:solidFill>
+            <a:srgbClr val="866B46"/>
+          </a:solidFill>
+          <a:ln>
+            <a:noFill/>
+          </a:ln>
+        </p:spPr>
+        <p:style>
+          <a:lnRef idx="2">
+            <a:schemeClr val="accent1">
+              <a:shade val="50000"/>
+            </a:schemeClr>
+          </a:lnRef>
+          <a:fillRef idx="1">
+            <a:schemeClr val="accent1"/>
+          </a:fillRef>
+          <a:effectRef idx="0">
+            <a:schemeClr val="accent1"/>
+          </a:effectRef>
+          <a:fontRef idx="minor">
+            <a:schemeClr val="lt1"/>
+          </a:fontRef>
+        </p:style>
+        <p:txBody>
+          <a:bodyPr anchor="ctr"/>
+          <a:lstStyle/>
+          <a:p>
+            <a:pPr algn="ctr"/>
+            <a:endParaRPr/>
+          </a:p>
+        </p:txBody>
+      </p:sp>
+      <p:sp>
+        <p:nvSpPr>
+          <p:cNvPr id="62" name="ValueBack3">
+            <a:extLst>
+              <a:ext uri="{FF2B5EF4-FFF2-40B4-BE49-F238E27FC236}">
+                <a16:creationId xmlns:a16="http://schemas.microsoft.com/office/drawing/2014/main" id="{1DAE10E4-0A94-4055-8AB9-55D404DFDD76}"/>
+              </a:ext>
+            </a:extLst>
+          </p:cNvPr>
+          <p:cNvSpPr/>
+          <p:nvPr/>
+        </p:nvSpPr>
+        <p:spPr>
+          <a:xfrm>
+            <a:off x="6351051" y="5289175"/>
+            <a:ext cx="1069366" cy="1069366"/>
+          </a:xfrm>
+          <a:prstGeom prst="ellipse">
+            <a:avLst/>
+          </a:prstGeom>
+          <a:solidFill>
+            <a:schemeClr val="bg1"/>
+          </a:solidFill>
+          <a:ln w="3175">
+            <a:solidFill>
+              <a:srgbClr val="866B46"/>
+            </a:solidFill>
+          </a:ln>
+        </p:spPr>
+        <p:style>
+          <a:lnRef idx="2">
+            <a:schemeClr val="accent1">
+              <a:shade val="50000"/>
+            </a:schemeClr>
+          </a:lnRef>
+          <a:fillRef idx="1">
+            <a:schemeClr val="accent1"/>
+          </a:fillRef>
+          <a:effectRef idx="0">
+            <a:schemeClr val="accent1"/>
+          </a:effectRef>
+          <a:fontRef idx="minor">
+            <a:schemeClr val="lt1"/>
+          </a:fontRef>
+        </p:style>
+        <p:txBody>
+          <a:bodyPr anchor="ctr"/>
+          <a:lstStyle/>
+          <a:p>
+            <a:pPr algn="ctr"/>
+            <a:endParaRPr/>
+          </a:p>
+        </p:txBody>
+      </p:sp>
+      <p:sp>
+        <p:nvSpPr>
+          <p:cNvPr id="63" name="ValueShape33">
+            <a:extLst>
+              <a:ext uri="{FF2B5EF4-FFF2-40B4-BE49-F238E27FC236}">
+                <a16:creationId xmlns:a16="http://schemas.microsoft.com/office/drawing/2014/main" id="{4D9D79D1-65D4-4812-9D49-CAFF1CFF197C}"/>
+              </a:ext>
+            </a:extLst>
+          </p:cNvPr>
+          <p:cNvSpPr/>
+          <p:nvPr/>
+        </p:nvSpPr>
+        <p:spPr>
+          <a:xfrm>
+            <a:off x="6469178" y="5407302"/>
+            <a:ext cx="833111" cy="833111"/>
+          </a:xfrm>
+          <a:prstGeom prst="arc">
+            <a:avLst>
+              <a:gd name="adj1" fmla="val 16200000"/>
+              <a:gd name="adj2" fmla="val 5143098"/>
+            </a:avLst>
+          </a:prstGeom>
+          <a:noFill/>
+          <a:ln w="76200" cap="rnd">
+            <a:solidFill>
+              <a:srgbClr val="866B46"/>
+            </a:solidFill>
+          </a:ln>
+        </p:spPr>
+        <p:style>
+          <a:lnRef idx="2">
+            <a:schemeClr val="accent1">
+              <a:shade val="50000"/>
+            </a:schemeClr>
+          </a:lnRef>
+          <a:fillRef idx="1">
+            <a:schemeClr val="accent1"/>
+          </a:fillRef>
+          <a:effectRef idx="0">
+            <a:schemeClr val="accent1"/>
+          </a:effectRef>
+          <a:fontRef idx="minor">
+            <a:schemeClr val="lt1"/>
+          </a:fontRef>
+        </p:style>
+        <p:txBody>
+          <a:bodyPr anchor="ctr"/>
+          <a:lstStyle/>
+          <a:p>
+            <a:pPr algn="ctr"/>
+            <a:endParaRPr/>
+          </a:p>
+        </p:txBody>
+      </p:sp>
+      <p:cxnSp>
+        <p:nvCxnSpPr>
+          <p:cNvPr id="64" name="ExtraShape">
+            <a:extLst>
+              <a:ext uri="{FF2B5EF4-FFF2-40B4-BE49-F238E27FC236}">
+                <a16:creationId xmlns:a16="http://schemas.microsoft.com/office/drawing/2014/main" id="{AF76B798-AA97-4147-874D-87033AC58014}"/>
+              </a:ext>
+            </a:extLst>
+          </p:cNvPr>
+          <p:cNvCxnSpPr>
+            <a:cxnSpLocks/>
+          </p:cNvCxnSpPr>
+          <p:nvPr/>
+        </p:nvCxnSpPr>
+        <p:spPr>
+          <a:xfrm rot="10800000">
+            <a:off x="5324774" y="4786276"/>
+            <a:ext cx="1433445" cy="0"/>
+          </a:xfrm>
+          <a:prstGeom prst="line">
+            <a:avLst/>
+          </a:prstGeom>
+          <a:ln>
+            <a:solidFill>
+              <a:srgbClr val="95A5A6"/>
+            </a:solidFill>
+            <a:prstDash val="dash"/>
+            <a:tailEnd type="oval"/>
+          </a:ln>
+        </p:spPr>
+        <p:style>
+          <a:lnRef idx="1">
+            <a:schemeClr val="accent1"/>
+          </a:lnRef>
+          <a:fillRef idx="0">
+            <a:schemeClr val="accent1"/>
+          </a:fillRef>
+          <a:effectRef idx="0">
+            <a:schemeClr val="accent1"/>
+          </a:effectRef>
+          <a:fontRef idx="minor">
+            <a:schemeClr val="tx1"/>
+          </a:fontRef>
+        </p:style>
+      </p:cxnSp>
+      <p:sp>
+        <p:nvSpPr>
+          <p:cNvPr id="66" name="RelativeShape3">
+            <a:extLst>
+              <a:ext uri="{FF2B5EF4-FFF2-40B4-BE49-F238E27FC236}">
+                <a16:creationId xmlns:a16="http://schemas.microsoft.com/office/drawing/2014/main" id="{8D5B6146-5F45-4975-A3BA-044BD0DAAC20}"/>
+              </a:ext>
+            </a:extLst>
+          </p:cNvPr>
+          <p:cNvSpPr/>
+          <p:nvPr/>
+        </p:nvSpPr>
+        <p:spPr>
+          <a:xfrm>
+            <a:off x="8768031" y="4072609"/>
+            <a:ext cx="192781" cy="1521641"/>
+          </a:xfrm>
+          <a:prstGeom prst="roundRect">
+            <a:avLst>
+              <a:gd name="adj" fmla="val 22289"/>
+            </a:avLst>
+          </a:prstGeom>
+          <a:solidFill>
+            <a:schemeClr val="bg1">
+              <a:lumMod val="85000"/>
+            </a:schemeClr>
+          </a:solidFill>
+          <a:ln>
+            <a:noFill/>
+          </a:ln>
+        </p:spPr>
+        <p:style>
+          <a:lnRef idx="2">
+            <a:schemeClr val="accent1">
+              <a:shade val="50000"/>
+            </a:schemeClr>
+          </a:lnRef>
+          <a:fillRef idx="1">
+            <a:schemeClr val="accent1"/>
+          </a:fillRef>
+          <a:effectRef idx="0">
+            <a:schemeClr val="accent1"/>
+          </a:effectRef>
+          <a:fontRef idx="minor">
+            <a:schemeClr val="lt1"/>
+          </a:fontRef>
+        </p:style>
+        <p:txBody>
+          <a:bodyPr anchor="ctr"/>
+          <a:lstStyle/>
+          <a:p>
+            <a:pPr algn="ctr"/>
+            <a:endParaRPr/>
+          </a:p>
+        </p:txBody>
+      </p:sp>
+      <p:sp>
+        <p:nvSpPr>
+          <p:cNvPr id="67" name="ValueShape3">
+            <a:extLst>
+              <a:ext uri="{FF2B5EF4-FFF2-40B4-BE49-F238E27FC236}">
+                <a16:creationId xmlns:a16="http://schemas.microsoft.com/office/drawing/2014/main" id="{25DFE882-260C-4C6E-86D9-534522C91291}"/>
+              </a:ext>
+            </a:extLst>
+          </p:cNvPr>
+          <p:cNvSpPr/>
+          <p:nvPr/>
+        </p:nvSpPr>
+        <p:spPr>
+          <a:xfrm>
+            <a:off x="8763304" y="4666770"/>
+            <a:ext cx="192781" cy="651634"/>
+          </a:xfrm>
+          <a:prstGeom prst="roundRect">
+            <a:avLst>
+              <a:gd name="adj" fmla="val 22289"/>
+            </a:avLst>
+          </a:prstGeom>
+          <a:solidFill>
+            <a:srgbClr val="C00000"/>
+          </a:solidFill>
+          <a:ln>
+            <a:noFill/>
+          </a:ln>
+        </p:spPr>
+        <p:style>
+          <a:lnRef idx="2">
+            <a:schemeClr val="accent1">
+              <a:shade val="50000"/>
+            </a:schemeClr>
+          </a:lnRef>
+          <a:fillRef idx="1">
+            <a:schemeClr val="accent1"/>
+          </a:fillRef>
+          <a:effectRef idx="0">
+            <a:schemeClr val="accent1"/>
+          </a:effectRef>
+          <a:fontRef idx="minor">
+            <a:schemeClr val="lt1"/>
+          </a:fontRef>
+        </p:style>
+        <p:txBody>
+          <a:bodyPr anchor="ctr"/>
+          <a:lstStyle/>
+          <a:p>
+            <a:pPr algn="ctr"/>
+            <a:endParaRPr/>
+          </a:p>
+        </p:txBody>
+      </p:sp>
+      <p:sp>
+        <p:nvSpPr>
+          <p:cNvPr id="68" name="ValueBack3">
+            <a:extLst>
+              <a:ext uri="{FF2B5EF4-FFF2-40B4-BE49-F238E27FC236}">
+                <a16:creationId xmlns:a16="http://schemas.microsoft.com/office/drawing/2014/main" id="{17B1B124-FC1E-4B83-AA8A-F681C3D1D23F}"/>
+              </a:ext>
+            </a:extLst>
+          </p:cNvPr>
+          <p:cNvSpPr/>
+          <p:nvPr/>
+        </p:nvSpPr>
+        <p:spPr>
+          <a:xfrm>
+            <a:off x="8329739" y="5289175"/>
+            <a:ext cx="1069366" cy="1069366"/>
+          </a:xfrm>
+          <a:prstGeom prst="ellipse">
+            <a:avLst/>
+          </a:prstGeom>
+          <a:solidFill>
+            <a:schemeClr val="bg1"/>
+          </a:solidFill>
+          <a:ln w="3175">
+            <a:solidFill>
+              <a:srgbClr val="866B46"/>
+            </a:solidFill>
+          </a:ln>
+        </p:spPr>
+        <p:style>
+          <a:lnRef idx="2">
+            <a:schemeClr val="accent1">
+              <a:shade val="50000"/>
+            </a:schemeClr>
+          </a:lnRef>
+          <a:fillRef idx="1">
+            <a:schemeClr val="accent1"/>
+          </a:fillRef>
+          <a:effectRef idx="0">
+            <a:schemeClr val="accent1"/>
+          </a:effectRef>
+          <a:fontRef idx="minor">
+            <a:schemeClr val="lt1"/>
+          </a:fontRef>
+        </p:style>
+        <p:txBody>
+          <a:bodyPr anchor="ctr"/>
+          <a:lstStyle/>
+          <a:p>
+            <a:pPr algn="ctr"/>
+            <a:endParaRPr/>
+          </a:p>
+        </p:txBody>
+      </p:sp>
+      <p:sp>
+        <p:nvSpPr>
+          <p:cNvPr id="69" name="ValueShape33">
+            <a:extLst>
+              <a:ext uri="{FF2B5EF4-FFF2-40B4-BE49-F238E27FC236}">
+                <a16:creationId xmlns:a16="http://schemas.microsoft.com/office/drawing/2014/main" id="{2D4555B9-CA75-4A4B-B7B3-926CE7B67959}"/>
+              </a:ext>
+            </a:extLst>
+          </p:cNvPr>
+          <p:cNvSpPr/>
+          <p:nvPr/>
+        </p:nvSpPr>
+        <p:spPr>
+          <a:xfrm>
+            <a:off x="8447866" y="5407302"/>
+            <a:ext cx="833111" cy="833111"/>
+          </a:xfrm>
+          <a:prstGeom prst="arc">
+            <a:avLst>
+              <a:gd name="adj1" fmla="val 16200000"/>
+              <a:gd name="adj2" fmla="val 7873982"/>
+            </a:avLst>
+          </a:prstGeom>
+          <a:noFill/>
+          <a:ln w="76200" cap="rnd">
+            <a:solidFill>
+              <a:srgbClr val="C00000"/>
+            </a:solidFill>
+          </a:ln>
+        </p:spPr>
+        <p:style>
+          <a:lnRef idx="2">
+            <a:schemeClr val="accent1">
+              <a:shade val="50000"/>
+            </a:schemeClr>
+          </a:lnRef>
+          <a:fillRef idx="1">
+            <a:schemeClr val="accent1"/>
+          </a:fillRef>
+          <a:effectRef idx="0">
+            <a:schemeClr val="accent1"/>
+          </a:effectRef>
+          <a:fontRef idx="minor">
+            <a:schemeClr val="lt1"/>
+          </a:fontRef>
+        </p:style>
+        <p:txBody>
+          <a:bodyPr anchor="ctr"/>
+          <a:lstStyle/>
+          <a:p>
+            <a:pPr algn="ctr"/>
+            <a:endParaRPr/>
+          </a:p>
+        </p:txBody>
+      </p:sp>
+      <p:cxnSp>
+        <p:nvCxnSpPr>
+          <p:cNvPr id="70" name="ExtraShape">
+            <a:extLst>
+              <a:ext uri="{FF2B5EF4-FFF2-40B4-BE49-F238E27FC236}">
+                <a16:creationId xmlns:a16="http://schemas.microsoft.com/office/drawing/2014/main" id="{C55486F0-1C13-4FE9-B7CA-C3C306A8B64F}"/>
+              </a:ext>
+            </a:extLst>
+          </p:cNvPr>
+          <p:cNvCxnSpPr>
+            <a:cxnSpLocks/>
+          </p:cNvCxnSpPr>
+          <p:nvPr/>
+        </p:nvCxnSpPr>
+        <p:spPr>
+          <a:xfrm rot="10800000">
+            <a:off x="7305051" y="4662764"/>
+            <a:ext cx="1433445" cy="0"/>
+          </a:xfrm>
+          <a:prstGeom prst="line">
+            <a:avLst/>
+          </a:prstGeom>
+          <a:ln>
+            <a:solidFill>
+              <a:srgbClr val="95A5A6"/>
+            </a:solidFill>
+            <a:prstDash val="dash"/>
+            <a:tailEnd type="oval"/>
+          </a:ln>
+        </p:spPr>
+        <p:style>
+          <a:lnRef idx="1">
+            <a:schemeClr val="accent1"/>
+          </a:lnRef>
+          <a:fillRef idx="0">
+            <a:schemeClr val="accent1"/>
+          </a:fillRef>
+          <a:effectRef idx="0">
+            <a:schemeClr val="accent1"/>
+          </a:effectRef>
+          <a:fontRef idx="minor">
+            <a:schemeClr val="tx1"/>
+          </a:fontRef>
+        </p:style>
+      </p:cxnSp>
+      <p:sp>
+        <p:nvSpPr>
+          <p:cNvPr id="74" name="ValueText1">
+            <a:extLst>
+              <a:ext uri="{FF2B5EF4-FFF2-40B4-BE49-F238E27FC236}">
+                <a16:creationId xmlns:a16="http://schemas.microsoft.com/office/drawing/2014/main" id="{3D999831-AACB-4C25-8957-E97D8856098C}"/>
+              </a:ext>
+            </a:extLst>
+          </p:cNvPr>
+          <p:cNvSpPr txBox="1"/>
+          <p:nvPr/>
+        </p:nvSpPr>
+        <p:spPr>
+          <a:xfrm>
+            <a:off x="7134575" y="4992587"/>
+            <a:ext cx="582125" cy="330109"/>
+          </a:xfrm>
+          <a:prstGeom prst="rect">
+            <a:avLst/>
+          </a:prstGeom>
+          <a:noFill/>
+        </p:spPr>
+        <p:txBody>
+          <a:bodyPr wrap="none" anchor="ctr" anchorCtr="0">
+            <a:prstTxWarp prst="textPlain">
+              <a:avLst/>
+            </a:prstTxWarp>
+            <a:noAutofit/>
+          </a:bodyPr>
+          <a:lstStyle/>
+          <a:p>
+            <a:pPr marL="0" marR="0" lvl="0" indent="0" algn="ctr" defTabSz="914400" rtl="0" eaLnBrk="1" fontAlgn="base" latinLnBrk="0" hangingPunct="1">
+              <a:spcBef>
+                <a:spcPct val="0"/>
+              </a:spcBef>
+              <a:spcAft>
+                <a:spcPct val="0"/>
+              </a:spcAft>
+              <a:buClrTx/>
+              <a:buSzTx/>
+              <a:buFontTx/>
+              <a:buNone/>
+              <a:tabLst/>
+              <a:defRPr/>
+            </a:pPr>
+            <a:r>
+              <a:rPr lang="en-US" altLang="zh-CN" sz="2000" b="1">
+                <a:solidFill>
+                  <a:srgbClr val="768395"/>
+                </a:solidFill>
+                <a:latin typeface="Impact" panose="020B0806030902050204" pitchFamily="34" charset="0"/>
+                <a:cs typeface="Aharoni" panose="02010803020104030203" pitchFamily="2" charset="-79"/>
+              </a:rPr>
+              <a:t>2</a:t>
+            </a:r>
+            <a:r>
+              <a:rPr kumimoji="0" lang="en-US" altLang="zh-CN" sz="2000" b="1" i="0" u="none" strike="noStrike" kern="1200" cap="none" spc="0" normalizeH="0" baseline="0" noProof="0">
+                <a:ln>
+                  <a:noFill/>
+                </a:ln>
+                <a:solidFill>
+                  <a:srgbClr val="768395"/>
+                </a:solidFill>
+                <a:effectLst/>
+                <a:uLnTx/>
+                <a:uFillTx/>
+                <a:latin typeface="Impact" panose="020B0806030902050204" pitchFamily="34" charset="0"/>
+                <a:cs typeface="Aharoni" panose="02010803020104030203" pitchFamily="2" charset="-79"/>
+              </a:rPr>
+              <a:t>8</a:t>
+            </a:r>
+            <a:r>
+              <a:rPr kumimoji="0" lang="zh-CN" altLang="en-US" sz="2000" b="1" i="0" u="none" strike="noStrike" kern="1200" cap="none" spc="0" normalizeH="0" baseline="0" noProof="0">
+                <a:ln>
+                  <a:noFill/>
+                </a:ln>
+                <a:solidFill>
+                  <a:srgbClr val="768395"/>
+                </a:solidFill>
+                <a:effectLst/>
+                <a:uLnTx/>
+                <a:uFillTx/>
+                <a:latin typeface="Stencil" panose="040409050D0802020404" pitchFamily="82" charset="0"/>
+              </a:rPr>
+              <a:t>℃</a:t>
+            </a:r>
+            <a:endParaRPr kumimoji="0" lang="en-US" altLang="zh-CN" sz="2000" b="1" i="0" u="none" strike="noStrike" kern="1200" cap="none" spc="0" normalizeH="0" baseline="0" noProof="0">
+              <a:ln>
+                <a:noFill/>
+              </a:ln>
+              <a:solidFill>
+                <a:srgbClr val="768395"/>
+              </a:solidFill>
+              <a:effectLst/>
+              <a:uLnTx/>
+              <a:uFillTx/>
+              <a:latin typeface="Stencil" panose="040409050D0802020404" pitchFamily="82" charset="0"/>
+            </a:endParaRPr>
+          </a:p>
+        </p:txBody>
+      </p:sp>
+      <p:sp>
+        <p:nvSpPr>
+          <p:cNvPr id="75" name="ValueText1">
+            <a:extLst>
+              <a:ext uri="{FF2B5EF4-FFF2-40B4-BE49-F238E27FC236}">
+                <a16:creationId xmlns:a16="http://schemas.microsoft.com/office/drawing/2014/main" id="{0F068CBD-C2AB-4A3F-8FF6-98C60CEC0C60}"/>
+              </a:ext>
+            </a:extLst>
+          </p:cNvPr>
+          <p:cNvSpPr txBox="1"/>
+          <p:nvPr/>
+        </p:nvSpPr>
+        <p:spPr>
+          <a:xfrm>
+            <a:off x="5143460" y="4992587"/>
+            <a:ext cx="582125" cy="330109"/>
+          </a:xfrm>
+          <a:prstGeom prst="rect">
+            <a:avLst/>
+          </a:prstGeom>
+          <a:noFill/>
+        </p:spPr>
+        <p:txBody>
+          <a:bodyPr wrap="none" anchor="ctr" anchorCtr="0">
+            <a:prstTxWarp prst="textPlain">
+              <a:avLst/>
+            </a:prstTxWarp>
+            <a:noAutofit/>
+          </a:bodyPr>
+          <a:lstStyle/>
+          <a:p>
+            <a:pPr marL="0" marR="0" lvl="0" indent="0" algn="ctr" defTabSz="914400" rtl="0" eaLnBrk="1" fontAlgn="base" latinLnBrk="0" hangingPunct="1">
+              <a:spcBef>
+                <a:spcPct val="0"/>
+              </a:spcBef>
+              <a:spcAft>
+                <a:spcPct val="0"/>
+              </a:spcAft>
+              <a:buClrTx/>
+              <a:buSzTx/>
+              <a:buFontTx/>
+              <a:buNone/>
+              <a:tabLst/>
+              <a:defRPr/>
+            </a:pPr>
+            <a:r>
+              <a:rPr kumimoji="0" lang="en-US" altLang="zh-CN" sz="2000" b="1" i="0" u="none" strike="noStrike" kern="1200" cap="none" spc="0" normalizeH="0" baseline="0" noProof="0">
+                <a:ln>
+                  <a:noFill/>
+                </a:ln>
+                <a:solidFill>
+                  <a:srgbClr val="768395"/>
+                </a:solidFill>
+                <a:effectLst/>
+                <a:uLnTx/>
+                <a:uFillTx/>
+                <a:latin typeface="Impact" panose="020B0806030902050204" pitchFamily="34" charset="0"/>
+                <a:cs typeface="Aharoni" panose="02010803020104030203" pitchFamily="2" charset="-79"/>
+              </a:rPr>
+              <a:t>27</a:t>
+            </a:r>
+            <a:r>
+              <a:rPr kumimoji="0" lang="zh-CN" altLang="en-US" sz="2000" b="1" i="0" u="none" strike="noStrike" kern="1200" cap="none" spc="0" normalizeH="0" baseline="0" noProof="0">
+                <a:ln>
+                  <a:noFill/>
+                </a:ln>
+                <a:solidFill>
+                  <a:srgbClr val="768395"/>
+                </a:solidFill>
+                <a:effectLst/>
+                <a:uLnTx/>
+                <a:uFillTx/>
+                <a:latin typeface="Stencil" panose="040409050D0802020404" pitchFamily="82" charset="0"/>
+              </a:rPr>
+              <a:t>℃</a:t>
+            </a:r>
+            <a:endParaRPr kumimoji="0" lang="en-US" altLang="zh-CN" sz="2000" b="1" i="0" u="none" strike="noStrike" kern="1200" cap="none" spc="0" normalizeH="0" baseline="0" noProof="0">
+              <a:ln>
+                <a:noFill/>
+              </a:ln>
+              <a:solidFill>
+                <a:srgbClr val="768395"/>
+              </a:solidFill>
+              <a:effectLst/>
+              <a:uLnTx/>
+              <a:uFillTx/>
+              <a:latin typeface="Stencil" panose="040409050D0802020404" pitchFamily="82" charset="0"/>
+            </a:endParaRPr>
+          </a:p>
+        </p:txBody>
+      </p:sp>
+      <p:sp>
+        <p:nvSpPr>
+          <p:cNvPr id="76" name="ValueText1">
+            <a:extLst>
+              <a:ext uri="{FF2B5EF4-FFF2-40B4-BE49-F238E27FC236}">
+                <a16:creationId xmlns:a16="http://schemas.microsoft.com/office/drawing/2014/main" id="{1DDF2971-208F-4896-AFFA-3C3E8CF196BA}"/>
+              </a:ext>
+            </a:extLst>
+          </p:cNvPr>
+          <p:cNvSpPr txBox="1"/>
+          <p:nvPr/>
+        </p:nvSpPr>
+        <p:spPr>
+          <a:xfrm>
+            <a:off x="3123770" y="4992587"/>
+            <a:ext cx="582125" cy="330109"/>
+          </a:xfrm>
+          <a:prstGeom prst="rect">
+            <a:avLst/>
+          </a:prstGeom>
+          <a:noFill/>
+        </p:spPr>
+        <p:txBody>
+          <a:bodyPr wrap="none" anchor="ctr" anchorCtr="0">
+            <a:prstTxWarp prst="textPlain">
+              <a:avLst/>
+            </a:prstTxWarp>
+            <a:noAutofit/>
+          </a:bodyPr>
+          <a:lstStyle/>
+          <a:p>
+            <a:pPr marL="0" marR="0" lvl="0" indent="0" algn="ctr" defTabSz="914400" rtl="0" eaLnBrk="1" fontAlgn="base" latinLnBrk="0" hangingPunct="1">
+              <a:spcBef>
+                <a:spcPct val="0"/>
+              </a:spcBef>
+              <a:spcAft>
+                <a:spcPct val="0"/>
+              </a:spcAft>
+              <a:buClrTx/>
+              <a:buSzTx/>
+              <a:buFontTx/>
+              <a:buNone/>
+              <a:tabLst/>
+              <a:defRPr/>
+            </a:pPr>
+            <a:r>
+              <a:rPr kumimoji="0" lang="en-US" altLang="zh-CN" sz="2000" b="1" i="0" u="none" strike="noStrike" kern="1200" cap="none" spc="0" normalizeH="0" baseline="0" noProof="0">
+                <a:ln>
+                  <a:noFill/>
+                </a:ln>
+                <a:solidFill>
+                  <a:srgbClr val="768395"/>
+                </a:solidFill>
+                <a:effectLst/>
+                <a:uLnTx/>
+                <a:uFillTx/>
+                <a:latin typeface="Impact" panose="020B0806030902050204" pitchFamily="34" charset="0"/>
+                <a:cs typeface="Aharoni" panose="02010803020104030203" pitchFamily="2" charset="-79"/>
+              </a:rPr>
+              <a:t>26</a:t>
+            </a:r>
+            <a:r>
+              <a:rPr kumimoji="0" lang="zh-CN" altLang="en-US" sz="2000" b="1" i="0" u="none" strike="noStrike" kern="1200" cap="none" spc="0" normalizeH="0" baseline="0" noProof="0">
+                <a:ln>
+                  <a:noFill/>
+                </a:ln>
+                <a:solidFill>
+                  <a:srgbClr val="768395"/>
+                </a:solidFill>
+                <a:effectLst/>
+                <a:uLnTx/>
+                <a:uFillTx/>
+                <a:latin typeface="Stencil" panose="040409050D0802020404" pitchFamily="82" charset="0"/>
+              </a:rPr>
+              <a:t>℃</a:t>
+            </a:r>
+            <a:endParaRPr kumimoji="0" lang="en-US" altLang="zh-CN" sz="2000" b="1" i="0" u="none" strike="noStrike" kern="1200" cap="none" spc="0" normalizeH="0" baseline="0" noProof="0">
+              <a:ln>
+                <a:noFill/>
+              </a:ln>
+              <a:solidFill>
+                <a:srgbClr val="768395"/>
+              </a:solidFill>
+              <a:effectLst/>
+              <a:uLnTx/>
+              <a:uFillTx/>
+              <a:latin typeface="Stencil" panose="040409050D0802020404" pitchFamily="82" charset="0"/>
+            </a:endParaRPr>
+          </a:p>
+        </p:txBody>
+      </p:sp>
+      <p:sp>
+        <p:nvSpPr>
+          <p:cNvPr id="77" name="CustomText1">
+            <a:extLst>
+              <a:ext uri="{FF2B5EF4-FFF2-40B4-BE49-F238E27FC236}">
+                <a16:creationId xmlns:a16="http://schemas.microsoft.com/office/drawing/2014/main" id="{BD357F66-B105-4D4B-96D9-D2AEE1544585}"/>
+              </a:ext>
+            </a:extLst>
+          </p:cNvPr>
+          <p:cNvSpPr/>
+          <p:nvPr/>
+        </p:nvSpPr>
+        <p:spPr>
+          <a:xfrm>
+            <a:off x="3210963" y="4599991"/>
+            <a:ext cx="1573986" cy="241346"/>
+          </a:xfrm>
+          <a:prstGeom prst="rect">
+            <a:avLst/>
+          </a:prstGeom>
+          <a:noFill/>
+        </p:spPr>
+        <p:txBody>
+          <a:bodyPr wrap="none" lIns="90000" tIns="46800" rIns="90000" bIns="46800">
+            <a:noAutofit/>
+          </a:bodyPr>
+          <a:lstStyle/>
+          <a:p>
+            <a:pPr lvl="0">
+              <a:defRPr/>
+            </a:pPr>
+            <a:r>
+              <a:rPr lang="en-US" altLang="zh-CN" sz="1400" b="1">
+                <a:solidFill>
+                  <a:schemeClr val="accent3"/>
+                </a:solidFill>
+                <a:latin typeface="Arial" panose="020B0604020202020204" pitchFamily="34" charset="0"/>
+                <a:cs typeface="Arial" panose="020B0604020202020204" pitchFamily="34" charset="0"/>
+              </a:rPr>
+              <a:t>Alert pin1 release</a:t>
+            </a:r>
+            <a:endParaRPr kumimoji="0" lang="en-US" altLang="zh-CN" sz="1400" b="1" i="0" u="none" strike="noStrike" kern="1200" cap="none" spc="0" normalizeH="0" baseline="0" noProof="0" dirty="0">
+              <a:ln>
+                <a:noFill/>
+              </a:ln>
+              <a:solidFill>
+                <a:schemeClr val="accent3"/>
+              </a:solidFill>
+              <a:effectLst/>
+              <a:uLnTx/>
+              <a:uFillTx/>
+              <a:latin typeface="Arial" panose="020B0604020202020204" pitchFamily="34" charset="0"/>
+              <a:cs typeface="Arial" panose="020B0604020202020204" pitchFamily="34" charset="0"/>
+            </a:endParaRPr>
+          </a:p>
+        </p:txBody>
+      </p:sp>
+      <p:sp>
+        <p:nvSpPr>
+          <p:cNvPr id="78" name="CustomText1">
+            <a:extLst>
+              <a:ext uri="{FF2B5EF4-FFF2-40B4-BE49-F238E27FC236}">
+                <a16:creationId xmlns:a16="http://schemas.microsoft.com/office/drawing/2014/main" id="{976BE219-D937-4FA3-8DE3-B2F21AD85E3B}"/>
+              </a:ext>
+            </a:extLst>
+          </p:cNvPr>
+          <p:cNvSpPr/>
+          <p:nvPr/>
+        </p:nvSpPr>
+        <p:spPr>
+          <a:xfrm>
+            <a:off x="5177625" y="4465238"/>
+            <a:ext cx="1573986" cy="241346"/>
+          </a:xfrm>
+          <a:prstGeom prst="rect">
+            <a:avLst/>
+          </a:prstGeom>
+          <a:noFill/>
+        </p:spPr>
+        <p:txBody>
+          <a:bodyPr wrap="none" lIns="90000" tIns="46800" rIns="90000" bIns="46800">
+            <a:noAutofit/>
+          </a:bodyPr>
+          <a:lstStyle/>
+          <a:p>
+            <a:pPr lvl="0">
+              <a:defRPr/>
+            </a:pPr>
+            <a:r>
+              <a:rPr lang="en-US" altLang="zh-CN" sz="1400" b="1">
+                <a:solidFill>
+                  <a:schemeClr val="accent3"/>
+                </a:solidFill>
+                <a:latin typeface="Arial" panose="020B0604020202020204" pitchFamily="34" charset="0"/>
+                <a:cs typeface="Arial" panose="020B0604020202020204" pitchFamily="34" charset="0"/>
+              </a:rPr>
+              <a:t>Alert pin2 release</a:t>
+            </a:r>
+            <a:endParaRPr kumimoji="0" lang="en-US" altLang="zh-CN" sz="1400" b="1" i="0" u="none" strike="noStrike" kern="1200" cap="none" spc="0" normalizeH="0" baseline="0" noProof="0" dirty="0">
+              <a:ln>
+                <a:noFill/>
+              </a:ln>
+              <a:solidFill>
+                <a:schemeClr val="accent3"/>
+              </a:solidFill>
+              <a:effectLst/>
+              <a:uLnTx/>
+              <a:uFillTx/>
+              <a:latin typeface="Arial" panose="020B0604020202020204" pitchFamily="34" charset="0"/>
+              <a:cs typeface="Arial" panose="020B0604020202020204" pitchFamily="34" charset="0"/>
+            </a:endParaRPr>
+          </a:p>
+        </p:txBody>
+      </p:sp>
+      <p:sp>
+        <p:nvSpPr>
+          <p:cNvPr id="79" name="CustomText1">
+            <a:extLst>
+              <a:ext uri="{FF2B5EF4-FFF2-40B4-BE49-F238E27FC236}">
+                <a16:creationId xmlns:a16="http://schemas.microsoft.com/office/drawing/2014/main" id="{9155CA4B-605D-4038-8DD6-8B4958FE31B2}"/>
+              </a:ext>
+            </a:extLst>
+          </p:cNvPr>
+          <p:cNvSpPr/>
+          <p:nvPr/>
+        </p:nvSpPr>
+        <p:spPr>
+          <a:xfrm>
+            <a:off x="7161328" y="4339660"/>
+            <a:ext cx="1573986" cy="241346"/>
+          </a:xfrm>
+          <a:prstGeom prst="rect">
+            <a:avLst/>
+          </a:prstGeom>
+          <a:noFill/>
+        </p:spPr>
+        <p:txBody>
+          <a:bodyPr wrap="none" lIns="90000" tIns="46800" rIns="90000" bIns="46800">
+            <a:noAutofit/>
+          </a:bodyPr>
+          <a:lstStyle/>
+          <a:p>
+            <a:pPr lvl="0">
+              <a:defRPr/>
+            </a:pPr>
+            <a:r>
+              <a:rPr lang="en-US" altLang="zh-CN" sz="1400" b="1">
+                <a:solidFill>
+                  <a:schemeClr val="accent3"/>
+                </a:solidFill>
+                <a:latin typeface="Arial" panose="020B0604020202020204" pitchFamily="34" charset="0"/>
+                <a:cs typeface="Arial" panose="020B0604020202020204" pitchFamily="34" charset="0"/>
+              </a:rPr>
+              <a:t>Alert pin3 release</a:t>
+            </a:r>
+            <a:endParaRPr kumimoji="0" lang="en-US" altLang="zh-CN" sz="1400" b="1" i="0" u="none" strike="noStrike" kern="1200" cap="none" spc="0" normalizeH="0" baseline="0" noProof="0" dirty="0">
+              <a:ln>
+                <a:noFill/>
+              </a:ln>
+              <a:solidFill>
+                <a:schemeClr val="accent3"/>
+              </a:solidFill>
+              <a:effectLst/>
+              <a:uLnTx/>
+              <a:uFillTx/>
+              <a:latin typeface="Arial" panose="020B0604020202020204" pitchFamily="34" charset="0"/>
+              <a:cs typeface="Arial" panose="020B0604020202020204" pitchFamily="34" charset="0"/>
+            </a:endParaRPr>
+          </a:p>
+        </p:txBody>
+      </p:sp>
+      <p:cxnSp>
+        <p:nvCxnSpPr>
+          <p:cNvPr id="80" name="ExtraShape31">
+            <a:extLst>
+              <a:ext uri="{FF2B5EF4-FFF2-40B4-BE49-F238E27FC236}">
+                <a16:creationId xmlns:a16="http://schemas.microsoft.com/office/drawing/2014/main" id="{42C2C6C3-8B90-436B-8DD5-DF145B0697B7}"/>
+              </a:ext>
+            </a:extLst>
+          </p:cNvPr>
+          <p:cNvCxnSpPr>
+            <a:cxnSpLocks/>
+          </p:cNvCxnSpPr>
+          <p:nvPr/>
+        </p:nvCxnSpPr>
+        <p:spPr>
+          <a:xfrm>
+            <a:off x="1022748" y="3656541"/>
+            <a:ext cx="1573982" cy="0"/>
+          </a:xfrm>
+          <a:prstGeom prst="line">
+            <a:avLst/>
+          </a:prstGeom>
+          <a:ln>
+            <a:solidFill>
+              <a:srgbClr val="3A4554"/>
+            </a:solidFill>
+            <a:prstDash val="dash"/>
+          </a:ln>
+        </p:spPr>
+        <p:style>
+          <a:lnRef idx="1">
+            <a:schemeClr val="accent1"/>
+          </a:lnRef>
+          <a:fillRef idx="0">
+            <a:schemeClr val="accent1"/>
+          </a:fillRef>
+          <a:effectRef idx="0">
+            <a:schemeClr val="accent1"/>
+          </a:effectRef>
+          <a:fontRef idx="minor">
+            <a:schemeClr val="tx1"/>
+          </a:fontRef>
+        </p:style>
+      </p:cxnSp>
+      <p:sp>
+        <p:nvSpPr>
+          <p:cNvPr id="81" name="CustomText1">
+            <a:extLst>
+              <a:ext uri="{FF2B5EF4-FFF2-40B4-BE49-F238E27FC236}">
+                <a16:creationId xmlns:a16="http://schemas.microsoft.com/office/drawing/2014/main" id="{FCA71638-46CC-418F-AF56-A21B1BCB935A}"/>
+              </a:ext>
+            </a:extLst>
+          </p:cNvPr>
+          <p:cNvSpPr/>
+          <p:nvPr/>
+        </p:nvSpPr>
+        <p:spPr>
+          <a:xfrm>
+            <a:off x="1022749" y="3699522"/>
+            <a:ext cx="1573986" cy="241346"/>
+          </a:xfrm>
+          <a:prstGeom prst="rect">
+            <a:avLst/>
+          </a:prstGeom>
+          <a:noFill/>
+        </p:spPr>
+        <p:txBody>
+          <a:bodyPr wrap="none" lIns="90000" tIns="46800" rIns="90000" bIns="46800">
+            <a:noAutofit/>
+          </a:bodyPr>
+          <a:lstStyle/>
+          <a:p>
+            <a:pPr marL="0" marR="0" lvl="0" indent="0" algn="ctr" defTabSz="914400" rtl="0" eaLnBrk="1" fontAlgn="auto" latinLnBrk="0" hangingPunct="1">
+              <a:spcBef>
+                <a:spcPts val="0"/>
+              </a:spcBef>
+              <a:spcAft>
+                <a:spcPts val="0"/>
+              </a:spcAft>
+              <a:buClrTx/>
+              <a:buSzTx/>
+              <a:buFontTx/>
+              <a:buNone/>
+              <a:tabLst/>
+              <a:defRPr/>
+            </a:pPr>
+            <a:r>
+              <a:rPr kumimoji="0" lang="en-US" altLang="zh-CN" sz="1200" b="0" i="0" u="none" strike="noStrike" kern="1200" cap="none" spc="0" normalizeH="0" baseline="0" noProof="0">
+                <a:ln>
+                  <a:noFill/>
+                </a:ln>
+                <a:solidFill>
+                  <a:srgbClr val="3A4554"/>
+                </a:solidFill>
+                <a:effectLst/>
+                <a:uLnTx/>
+                <a:uFillTx/>
+              </a:rPr>
+              <a:t>Alert pin release</a:t>
+            </a:r>
+            <a:endParaRPr kumimoji="0" lang="en-US" altLang="zh-CN" sz="1200" b="0" i="0" u="none" strike="noStrike" kern="1200" cap="none" spc="0" normalizeH="0" baseline="0" noProof="0" dirty="0">
+              <a:ln>
+                <a:noFill/>
+              </a:ln>
+              <a:solidFill>
+                <a:srgbClr val="3A4554"/>
+              </a:solidFill>
+              <a:effectLst/>
+              <a:uLnTx/>
+              <a:uFillTx/>
+            </a:endParaRPr>
+          </a:p>
+        </p:txBody>
+      </p:sp>
+      <p:sp>
+        <p:nvSpPr>
+          <p:cNvPr id="82" name="CustomText2">
+            <a:extLst>
+              <a:ext uri="{FF2B5EF4-FFF2-40B4-BE49-F238E27FC236}">
+                <a16:creationId xmlns:a16="http://schemas.microsoft.com/office/drawing/2014/main" id="{751EADF6-BA5F-444A-BE52-89885BB9170C}"/>
+              </a:ext>
+            </a:extLst>
+          </p:cNvPr>
+          <p:cNvSpPr/>
+          <p:nvPr/>
+        </p:nvSpPr>
+        <p:spPr>
+          <a:xfrm>
+            <a:off x="1162448" y="3365039"/>
+            <a:ext cx="1573988" cy="334483"/>
+          </a:xfrm>
+          <a:prstGeom prst="rect">
+            <a:avLst/>
+          </a:prstGeom>
+          <a:noFill/>
+        </p:spPr>
+        <p:txBody>
+          <a:bodyPr wrap="none" lIns="90000" tIns="46800" rIns="90000" bIns="46800" anchor="ctr">
+            <a:normAutofit fontScale="92500" lnSpcReduction="20000"/>
+          </a:bodyPr>
+          <a:lstStyle/>
+          <a:p>
+            <a:pPr lvl="0" algn="ctr">
+              <a:defRPr/>
+            </a:pPr>
+            <a:r>
+              <a:rPr lang="en-US" altLang="zh-CN" sz="2000" b="1">
+                <a:solidFill>
+                  <a:srgbClr val="3A4554"/>
+                </a:solidFill>
+              </a:rPr>
+              <a:t>Temperature Down </a:t>
+            </a:r>
+            <a:endParaRPr kumimoji="0" lang="en-US" altLang="zh-CN" sz="2000" b="1" i="0" u="none" strike="noStrike" kern="1200" cap="none" spc="0" normalizeH="0" baseline="0" noProof="0" dirty="0">
+              <a:ln>
+                <a:noFill/>
+              </a:ln>
+              <a:solidFill>
+                <a:srgbClr val="3A4554"/>
+              </a:solidFill>
+              <a:effectLst/>
+              <a:uLnTx/>
+              <a:uFillTx/>
+            </a:endParaRPr>
+          </a:p>
+        </p:txBody>
+      </p:sp>
+      <p:pic>
+        <p:nvPicPr>
+          <p:cNvPr id="17" name="图片 16">
+            <a:extLst>
+              <a:ext uri="{FF2B5EF4-FFF2-40B4-BE49-F238E27FC236}">
+                <a16:creationId xmlns:a16="http://schemas.microsoft.com/office/drawing/2014/main" id="{00B7A90B-B1F5-46A7-8418-18105605001E}"/>
+              </a:ext>
+            </a:extLst>
+          </p:cNvPr>
+          <p:cNvPicPr>
+            <a:picLocks noChangeAspect="1"/>
+          </p:cNvPicPr>
+          <p:nvPr/>
+        </p:nvPicPr>
+        <p:blipFill>
+          <a:blip r:embed="rId3">
+            <a:extLst>
+              <a:ext uri="{28A0092B-C50C-407E-A947-70E740481C1C}">
+                <a14:useLocalDpi xmlns:a14="http://schemas.microsoft.com/office/drawing/2010/main" val="0"/>
+              </a:ext>
+            </a:extLst>
+          </a:blip>
+          <a:stretch>
+            <a:fillRect/>
+          </a:stretch>
+        </p:blipFill>
+        <p:spPr>
+          <a:xfrm>
+            <a:off x="8594728" y="5562682"/>
+            <a:ext cx="539386" cy="539386"/>
+          </a:xfrm>
+          <a:prstGeom prst="rect">
+            <a:avLst/>
+          </a:prstGeom>
+        </p:spPr>
+      </p:pic>
+      <p:pic>
+        <p:nvPicPr>
+          <p:cNvPr id="83" name="图片 82">
+            <a:extLst>
+              <a:ext uri="{FF2B5EF4-FFF2-40B4-BE49-F238E27FC236}">
+                <a16:creationId xmlns:a16="http://schemas.microsoft.com/office/drawing/2014/main" id="{7F06F284-0871-42C7-928A-1F55D0236ED7}"/>
+              </a:ext>
+            </a:extLst>
+          </p:cNvPr>
+          <p:cNvPicPr>
+            <a:picLocks noChangeAspect="1"/>
+          </p:cNvPicPr>
+          <p:nvPr/>
+        </p:nvPicPr>
+        <p:blipFill>
+          <a:blip r:embed="rId3">
+            <a:extLst>
+              <a:ext uri="{28A0092B-C50C-407E-A947-70E740481C1C}">
+                <a14:useLocalDpi xmlns:a14="http://schemas.microsoft.com/office/drawing/2010/main" val="0"/>
+              </a:ext>
+            </a:extLst>
+          </a:blip>
+          <a:stretch>
+            <a:fillRect/>
+          </a:stretch>
+        </p:blipFill>
+        <p:spPr>
+          <a:xfrm>
+            <a:off x="6601251" y="5565628"/>
+            <a:ext cx="539386" cy="539386"/>
+          </a:xfrm>
+          <a:prstGeom prst="rect">
+            <a:avLst/>
+          </a:prstGeom>
+        </p:spPr>
+      </p:pic>
+      <p:pic>
+        <p:nvPicPr>
+          <p:cNvPr id="84" name="图片 83">
+            <a:extLst>
+              <a:ext uri="{FF2B5EF4-FFF2-40B4-BE49-F238E27FC236}">
+                <a16:creationId xmlns:a16="http://schemas.microsoft.com/office/drawing/2014/main" id="{CBB74D6C-D3E1-4639-B8EF-65215F8715B7}"/>
+              </a:ext>
+            </a:extLst>
+          </p:cNvPr>
+          <p:cNvPicPr>
+            <a:picLocks noChangeAspect="1"/>
+          </p:cNvPicPr>
+          <p:nvPr/>
+        </p:nvPicPr>
+        <p:blipFill>
+          <a:blip r:embed="rId3">
+            <a:extLst>
+              <a:ext uri="{28A0092B-C50C-407E-A947-70E740481C1C}">
+                <a14:useLocalDpi xmlns:a14="http://schemas.microsoft.com/office/drawing/2010/main" val="0"/>
+              </a:ext>
+            </a:extLst>
+          </a:blip>
+          <a:stretch>
+            <a:fillRect/>
+          </a:stretch>
+        </p:blipFill>
+        <p:spPr>
+          <a:xfrm>
+            <a:off x="4617356" y="5556432"/>
+            <a:ext cx="539386" cy="539386"/>
+          </a:xfrm>
+          <a:prstGeom prst="rect">
+            <a:avLst/>
+          </a:prstGeom>
+        </p:spPr>
+      </p:pic>
+      <p:pic>
+        <p:nvPicPr>
+          <p:cNvPr id="85" name="图片 84">
+            <a:extLst>
+              <a:ext uri="{FF2B5EF4-FFF2-40B4-BE49-F238E27FC236}">
+                <a16:creationId xmlns:a16="http://schemas.microsoft.com/office/drawing/2014/main" id="{A88D5084-A255-422A-8AE9-D8377B52B940}"/>
+              </a:ext>
+            </a:extLst>
+          </p:cNvPr>
+          <p:cNvPicPr>
+            <a:picLocks noChangeAspect="1"/>
+          </p:cNvPicPr>
+          <p:nvPr/>
+        </p:nvPicPr>
+        <p:blipFill>
+          <a:blip r:embed="rId3">
+            <a:extLst>
+              <a:ext uri="{28A0092B-C50C-407E-A947-70E740481C1C}">
+                <a14:useLocalDpi xmlns:a14="http://schemas.microsoft.com/office/drawing/2010/main" val="0"/>
+              </a:ext>
+            </a:extLst>
+          </a:blip>
+          <a:stretch>
+            <a:fillRect/>
+          </a:stretch>
+        </p:blipFill>
+        <p:spPr>
+          <a:xfrm>
+            <a:off x="2644553" y="5547299"/>
+            <a:ext cx="539386" cy="539386"/>
+          </a:xfrm>
+          <a:prstGeom prst="rect">
+            <a:avLst/>
+          </a:prstGeom>
+        </p:spPr>
+      </p:pic>
+    </p:spTree>
+    <p:extLst>
+      <p:ext uri="{BB962C8B-B14F-4D97-AF65-F5344CB8AC3E}">
+        <p14:creationId xmlns:p14="http://schemas.microsoft.com/office/powerpoint/2010/main" val="3511557799"/>
+      </p:ext>
+    </p:extLst>
+  </p:cSld>
+  <p:clrMapOvr>
+    <a:masterClrMapping/>
+  </p:clrMapOvr>
+</p:sld>
+</file>
+
 <file path=ppt/theme/theme1.xml><?xml version="1.0" encoding="utf-8"?>
 <a:theme xmlns:a="http://schemas.openxmlformats.org/drawingml/2006/main" name="Office 主题​​">
   <a:themeElements>

--- a/img/pin_map.pptx
+++ b/img/pin_map.pptx
@@ -7,7 +7,7 @@
   <p:sldIdLst>
     <p:sldId id="256" r:id="rId2"/>
     <p:sldId id="258" r:id="rId3"/>
-    <p:sldId id="259" r:id="rId4"/>
+    <p:sldId id="264" r:id="rId4"/>
     <p:sldId id="260" r:id="rId5"/>
     <p:sldId id="261" r:id="rId6"/>
     <p:sldId id="262" r:id="rId7"/>
@@ -279,7 +279,7 @@
           <a:p>
             <a:fld id="{6BAEC7DB-416E-4648-AE31-15D6F0A9A9FB}" type="datetimeFigureOut">
               <a:rPr lang="en-US" smtClean="0"/>
-              <a:t>9/26/2018</a:t>
+              <a:t>10/31/2018</a:t>
             </a:fld>
             <a:endParaRPr lang="en-US"/>
           </a:p>
@@ -479,7 +479,7 @@
           <a:p>
             <a:fld id="{6BAEC7DB-416E-4648-AE31-15D6F0A9A9FB}" type="datetimeFigureOut">
               <a:rPr lang="en-US" smtClean="0"/>
-              <a:t>9/26/2018</a:t>
+              <a:t>10/31/2018</a:t>
             </a:fld>
             <a:endParaRPr lang="en-US"/>
           </a:p>
@@ -689,7 +689,7 @@
           <a:p>
             <a:fld id="{6BAEC7DB-416E-4648-AE31-15D6F0A9A9FB}" type="datetimeFigureOut">
               <a:rPr lang="en-US" smtClean="0"/>
-              <a:t>9/26/2018</a:t>
+              <a:t>10/31/2018</a:t>
             </a:fld>
             <a:endParaRPr lang="en-US"/>
           </a:p>
@@ -889,7 +889,7 @@
           <a:p>
             <a:fld id="{6BAEC7DB-416E-4648-AE31-15D6F0A9A9FB}" type="datetimeFigureOut">
               <a:rPr lang="en-US" smtClean="0"/>
-              <a:t>9/26/2018</a:t>
+              <a:t>10/31/2018</a:t>
             </a:fld>
             <a:endParaRPr lang="en-US"/>
           </a:p>
@@ -1165,7 +1165,7 @@
           <a:p>
             <a:fld id="{6BAEC7DB-416E-4648-AE31-15D6F0A9A9FB}" type="datetimeFigureOut">
               <a:rPr lang="en-US" smtClean="0"/>
-              <a:t>9/26/2018</a:t>
+              <a:t>10/31/2018</a:t>
             </a:fld>
             <a:endParaRPr lang="en-US"/>
           </a:p>
@@ -1433,7 +1433,7 @@
           <a:p>
             <a:fld id="{6BAEC7DB-416E-4648-AE31-15D6F0A9A9FB}" type="datetimeFigureOut">
               <a:rPr lang="en-US" smtClean="0"/>
-              <a:t>9/26/2018</a:t>
+              <a:t>10/31/2018</a:t>
             </a:fld>
             <a:endParaRPr lang="en-US"/>
           </a:p>
@@ -1848,7 +1848,7 @@
           <a:p>
             <a:fld id="{6BAEC7DB-416E-4648-AE31-15D6F0A9A9FB}" type="datetimeFigureOut">
               <a:rPr lang="en-US" smtClean="0"/>
-              <a:t>9/26/2018</a:t>
+              <a:t>10/31/2018</a:t>
             </a:fld>
             <a:endParaRPr lang="en-US"/>
           </a:p>
@@ -1990,7 +1990,7 @@
           <a:p>
             <a:fld id="{6BAEC7DB-416E-4648-AE31-15D6F0A9A9FB}" type="datetimeFigureOut">
               <a:rPr lang="en-US" smtClean="0"/>
-              <a:t>9/26/2018</a:t>
+              <a:t>10/31/2018</a:t>
             </a:fld>
             <a:endParaRPr lang="en-US"/>
           </a:p>
@@ -2103,7 +2103,7 @@
           <a:p>
             <a:fld id="{6BAEC7DB-416E-4648-AE31-15D6F0A9A9FB}" type="datetimeFigureOut">
               <a:rPr lang="en-US" smtClean="0"/>
-              <a:t>9/26/2018</a:t>
+              <a:t>10/31/2018</a:t>
             </a:fld>
             <a:endParaRPr lang="en-US"/>
           </a:p>
@@ -2416,7 +2416,7 @@
           <a:p>
             <a:fld id="{6BAEC7DB-416E-4648-AE31-15D6F0A9A9FB}" type="datetimeFigureOut">
               <a:rPr lang="en-US" smtClean="0"/>
-              <a:t>9/26/2018</a:t>
+              <a:t>10/31/2018</a:t>
             </a:fld>
             <a:endParaRPr lang="en-US"/>
           </a:p>
@@ -2705,7 +2705,7 @@
           <a:p>
             <a:fld id="{6BAEC7DB-416E-4648-AE31-15D6F0A9A9FB}" type="datetimeFigureOut">
               <a:rPr lang="en-US" smtClean="0"/>
-              <a:t>9/26/2018</a:t>
+              <a:t>10/31/2018</a:t>
             </a:fld>
             <a:endParaRPr lang="en-US"/>
           </a:p>
@@ -2948,7 +2948,7 @@
           <a:p>
             <a:fld id="{6BAEC7DB-416E-4648-AE31-15D6F0A9A9FB}" type="datetimeFigureOut">
               <a:rPr lang="en-US" smtClean="0"/>
-              <a:t>9/26/2018</a:t>
+              <a:t>10/31/2018</a:t>
             </a:fld>
             <a:endParaRPr lang="en-US"/>
           </a:p>
@@ -3367,10 +3367,10 @@
       </p:grpSpPr>
       <p:pic>
         <p:nvPicPr>
-          <p:cNvPr id="4" name="图片 3">
-            <a:extLst>
-              <a:ext uri="{FF2B5EF4-FFF2-40B4-BE49-F238E27FC236}">
-                <a16:creationId xmlns:a16="http://schemas.microsoft.com/office/drawing/2014/main" id="{452596E7-C697-4991-8B2B-AA7B3FBC7005}"/>
+          <p:cNvPr id="6" name="图片 5">
+            <a:extLst>
+              <a:ext uri="{FF2B5EF4-FFF2-40B4-BE49-F238E27FC236}">
+                <a16:creationId xmlns:a16="http://schemas.microsoft.com/office/drawing/2014/main" id="{10D1624D-613E-4693-95D1-BE8A3079966E}"/>
               </a:ext>
             </a:extLst>
           </p:cNvPr>
@@ -3393,8 +3393,8 @@
         </p:blipFill>
         <p:spPr>
           <a:xfrm>
-            <a:off x="1916477" y="-785060"/>
-            <a:ext cx="8067668" cy="6050751"/>
+            <a:off x="2368190" y="-571510"/>
+            <a:ext cx="7573672" cy="5680254"/>
           </a:xfrm>
           <a:prstGeom prst="rect">
             <a:avLst/>
@@ -4130,7 +4130,21 @@
                 <a:latin typeface="Leelawadee UI" panose="020B0502040204020203" pitchFamily="34" charset="-34"/>
                 <a:cs typeface="+mn-ea"/>
               </a:rPr>
-              <a:t>T+: Thermocouple Input, positive pole.</a:t>
+              <a:t>T </a:t>
+            </a:r>
+            <a:r>
+              <a:rPr lang="en-US" altLang="zh-CN" sz="1600">
+                <a:latin typeface="Leelawadee UI" panose="020B0502040204020203" pitchFamily="34" charset="-34"/>
+                <a:cs typeface="+mn-ea"/>
+              </a:rPr>
+              <a:t>-</a:t>
+            </a:r>
+            <a:r>
+              <a:rPr lang="en-US" sz="1600">
+                <a:latin typeface="Leelawadee UI" panose="020B0502040204020203" pitchFamily="34" charset="-34"/>
+                <a:cs typeface="+mn-ea"/>
+              </a:rPr>
+              <a:t>:  Thermocouple Input, negative pole</a:t>
             </a:r>
           </a:p>
           <a:p>
@@ -4144,7 +4158,21 @@
                 <a:latin typeface="Leelawadee UI" panose="020B0502040204020203" pitchFamily="34" charset="-34"/>
                 <a:cs typeface="+mn-ea"/>
               </a:rPr>
-              <a:t>T -: Thermocouple Input, negative pole</a:t>
+              <a:t>T </a:t>
+            </a:r>
+            <a:r>
+              <a:rPr lang="en-US" altLang="zh-CN" sz="1600">
+                <a:latin typeface="Leelawadee UI" panose="020B0502040204020203" pitchFamily="34" charset="-34"/>
+                <a:cs typeface="+mn-ea"/>
+              </a:rPr>
+              <a:t>+</a:t>
+            </a:r>
+            <a:r>
+              <a:rPr lang="en-US" sz="1600">
+                <a:latin typeface="Leelawadee UI" panose="020B0502040204020203" pitchFamily="34" charset="-34"/>
+                <a:cs typeface="+mn-ea"/>
+              </a:rPr>
+              <a:t>: Thermocouple Input, positive pole</a:t>
             </a:r>
           </a:p>
           <a:p>
@@ -6079,10 +6107,10 @@
       </p:grpSpPr>
       <p:pic>
         <p:nvPicPr>
-          <p:cNvPr id="4" name="图片 3">
-            <a:extLst>
-              <a:ext uri="{FF2B5EF4-FFF2-40B4-BE49-F238E27FC236}">
-                <a16:creationId xmlns:a16="http://schemas.microsoft.com/office/drawing/2014/main" id="{E3E8B07B-08AF-4110-9CCE-005DB7E4F8E0}"/>
+          <p:cNvPr id="16" name="图片 15">
+            <a:extLst>
+              <a:ext uri="{FF2B5EF4-FFF2-40B4-BE49-F238E27FC236}">
+                <a16:creationId xmlns:a16="http://schemas.microsoft.com/office/drawing/2014/main" id="{75D35139-6B1D-4366-9B05-3F161204A45A}"/>
               </a:ext>
             </a:extLst>
           </p:cNvPr>
@@ -6105,8 +6133,8 @@
         </p:blipFill>
         <p:spPr>
           <a:xfrm>
-            <a:off x="1054269" y="-60618"/>
-            <a:ext cx="5334000" cy="4000500"/>
+            <a:off x="1180699" y="-223888"/>
+            <a:ext cx="5385597" cy="4039198"/>
           </a:xfrm>
           <a:prstGeom prst="rect">
             <a:avLst/>
@@ -6165,7 +6193,7 @@
         </p:nvCxnSpPr>
         <p:spPr>
           <a:xfrm rot="8700000">
-            <a:off x="6677310" y="5209667"/>
+            <a:off x="6158100" y="5222367"/>
             <a:ext cx="1333500" cy="0"/>
           </a:xfrm>
           <a:prstGeom prst="line">
@@ -6173,7 +6201,7 @@
           </a:prstGeom>
           <a:ln w="38100">
             <a:solidFill>
-              <a:srgbClr val="EDEADE"/>
+              <a:srgbClr val="EA5F41"/>
             </a:solidFill>
           </a:ln>
         </p:spPr>
@@ -6208,7 +6236,7 @@
         </p:nvCxnSpPr>
         <p:spPr>
           <a:xfrm rot="-8700000">
-            <a:off x="6677311" y="4444802"/>
+            <a:off x="6158101" y="4457502"/>
             <a:ext cx="1333500" cy="0"/>
           </a:xfrm>
           <a:prstGeom prst="line">
@@ -6216,7 +6244,7 @@
           </a:prstGeom>
           <a:ln w="38100">
             <a:solidFill>
-              <a:srgbClr val="EA5F41"/>
+              <a:srgbClr val="EDEADE"/>
             </a:solidFill>
           </a:ln>
         </p:spPr>
@@ -6249,7 +6277,7 @@
         </p:nvCxnSpPr>
         <p:spPr>
           <a:xfrm flipH="1">
-            <a:off x="4629435" y="4062369"/>
+            <a:off x="4110225" y="4075069"/>
             <a:ext cx="2168455" cy="0"/>
           </a:xfrm>
           <a:prstGeom prst="line">
@@ -6257,7 +6285,7 @@
           </a:prstGeom>
           <a:ln w="38100">
             <a:solidFill>
-              <a:srgbClr val="EA5F41"/>
+              <a:srgbClr val="EDEADE"/>
             </a:solidFill>
           </a:ln>
         </p:spPr>
@@ -6290,7 +6318,7 @@
         </p:nvCxnSpPr>
         <p:spPr>
           <a:xfrm flipH="1">
-            <a:off x="4629435" y="5592100"/>
+            <a:off x="4110225" y="5604800"/>
             <a:ext cx="2168455" cy="0"/>
           </a:xfrm>
           <a:prstGeom prst="line">
@@ -6298,7 +6326,7 @@
           </a:prstGeom>
           <a:ln w="38100">
             <a:solidFill>
-              <a:srgbClr val="EDEADE"/>
+              <a:srgbClr val="EA5F41"/>
             </a:solidFill>
           </a:ln>
         </p:spPr>
@@ -6331,7 +6359,7 @@
         </p:nvSpPr>
         <p:spPr>
           <a:xfrm>
-            <a:off x="7740190" y="4642567"/>
+            <a:off x="7220980" y="4655267"/>
             <a:ext cx="256802" cy="369332"/>
           </a:xfrm>
           <a:prstGeom prst="rect">
@@ -6368,8 +6396,8 @@
         </p:nvSpPr>
         <p:spPr>
           <a:xfrm>
-            <a:off x="7890230" y="4642567"/>
-            <a:ext cx="1468992" cy="369332"/>
+            <a:off x="7371020" y="4655267"/>
+            <a:ext cx="1467068" cy="369332"/>
           </a:xfrm>
           <a:prstGeom prst="rect">
             <a:avLst/>
@@ -6414,8 +6442,8 @@
         </p:nvSpPr>
         <p:spPr>
           <a:xfrm>
-            <a:off x="5334967" y="3743054"/>
-            <a:ext cx="1053302" cy="369332"/>
+            <a:off x="4477410" y="5600008"/>
+            <a:ext cx="1056700" cy="369332"/>
           </a:xfrm>
           <a:prstGeom prst="rect">
             <a:avLst/>
@@ -6451,8 +6479,8 @@
         </p:nvSpPr>
         <p:spPr>
           <a:xfrm>
-            <a:off x="5335858" y="5592099"/>
-            <a:ext cx="910827" cy="369332"/>
+            <a:off x="4514971" y="3721864"/>
+            <a:ext cx="889987" cy="369332"/>
           </a:xfrm>
           <a:prstGeom prst="rect">
             <a:avLst/>
@@ -6488,7 +6516,7 @@
         </p:nvSpPr>
         <p:spPr>
           <a:xfrm>
-            <a:off x="4512152" y="5406422"/>
+            <a:off x="3992942" y="5419122"/>
             <a:ext cx="256802" cy="369332"/>
           </a:xfrm>
           <a:prstGeom prst="rect">
@@ -6525,7 +6553,7 @@
         </p:nvSpPr>
         <p:spPr>
           <a:xfrm>
-            <a:off x="4460922" y="3875478"/>
+            <a:off x="3941712" y="3888178"/>
             <a:ext cx="256802" cy="369332"/>
           </a:xfrm>
           <a:prstGeom prst="rect">
@@ -6562,7 +6590,7 @@
         </p:nvSpPr>
         <p:spPr>
           <a:xfrm>
-            <a:off x="4148280" y="3778398"/>
+            <a:off x="3717408" y="5345234"/>
             <a:ext cx="383438" cy="523220"/>
           </a:xfrm>
           <a:prstGeom prst="rect">
@@ -6599,7 +6627,7 @@
         </p:nvSpPr>
         <p:spPr>
           <a:xfrm>
-            <a:off x="4152139" y="5325085"/>
+            <a:off x="3711459" y="3787602"/>
             <a:ext cx="314510" cy="523220"/>
           </a:xfrm>
           <a:prstGeom prst="rect">
@@ -6625,7 +6653,7 @@
     </p:spTree>
     <p:extLst>
       <p:ext uri="{BB962C8B-B14F-4D97-AF65-F5344CB8AC3E}">
-        <p14:creationId xmlns:p14="http://schemas.microsoft.com/office/powerpoint/2010/main" val="2796527862"/>
+        <p14:creationId xmlns:p14="http://schemas.microsoft.com/office/powerpoint/2010/main" val="3902195485"/>
       </p:ext>
     </p:extLst>
   </p:cSld>
@@ -6654,10 +6682,10 @@
       </p:grpSpPr>
       <p:pic>
         <p:nvPicPr>
-          <p:cNvPr id="4" name="图片 3">
-            <a:extLst>
-              <a:ext uri="{FF2B5EF4-FFF2-40B4-BE49-F238E27FC236}">
-                <a16:creationId xmlns:a16="http://schemas.microsoft.com/office/drawing/2014/main" id="{452596E7-C697-4991-8B2B-AA7B3FBC7005}"/>
+          <p:cNvPr id="46" name="图片 45">
+            <a:extLst>
+              <a:ext uri="{FF2B5EF4-FFF2-40B4-BE49-F238E27FC236}">
+                <a16:creationId xmlns:a16="http://schemas.microsoft.com/office/drawing/2014/main" id="{6ECB2A0C-BBFA-4B23-BBE7-424FCFA3CD0E}"/>
               </a:ext>
             </a:extLst>
           </p:cNvPr>
@@ -6680,8 +6708,8 @@
         </p:blipFill>
         <p:spPr>
           <a:xfrm>
-            <a:off x="1916477" y="-785060"/>
-            <a:ext cx="8067668" cy="6050751"/>
+            <a:off x="2368190" y="-580475"/>
+            <a:ext cx="7573672" cy="5680254"/>
           </a:xfrm>
           <a:prstGeom prst="rect">
             <a:avLst/>
@@ -7485,7 +7513,21 @@
                 <a:latin typeface="Leelawadee UI" panose="020B0502040204020203" pitchFamily="34" charset="-34"/>
                 <a:cs typeface="+mn-ea"/>
               </a:rPr>
-              <a:t>T+: </a:t>
+              <a:t>T </a:t>
+            </a:r>
+            <a:r>
+              <a:rPr lang="en-US" altLang="zh-CN" sz="1600">
+                <a:latin typeface="Leelawadee UI" panose="020B0502040204020203" pitchFamily="34" charset="-34"/>
+                <a:cs typeface="+mn-ea"/>
+              </a:rPr>
+              <a:t>-</a:t>
+            </a:r>
+            <a:r>
+              <a:rPr lang="en-US" sz="1600">
+                <a:latin typeface="Leelawadee UI" panose="020B0502040204020203" pitchFamily="34" charset="-34"/>
+                <a:cs typeface="+mn-ea"/>
+              </a:rPr>
+              <a:t>:  </a:t>
             </a:r>
             <a:r>
               <a:rPr lang="zh-CN" altLang="en-US" sz="1600">
@@ -7506,7 +7548,7 @@
                 <a:latin typeface="Leelawadee UI" panose="020B0502040204020203" pitchFamily="34" charset="-34"/>
                 <a:cs typeface="+mn-ea"/>
               </a:rPr>
-              <a:t>正端</a:t>
+              <a:t>负端</a:t>
             </a:r>
             <a:endParaRPr lang="en-US" altLang="zh-CN" sz="1600">
               <a:latin typeface="Leelawadee UI" panose="020B0502040204020203" pitchFamily="34" charset="-34"/>
@@ -7524,7 +7566,21 @@
                 <a:latin typeface="Leelawadee UI" panose="020B0502040204020203" pitchFamily="34" charset="-34"/>
                 <a:cs typeface="+mn-ea"/>
               </a:rPr>
-              <a:t>T -: </a:t>
+              <a:t>T </a:t>
+            </a:r>
+            <a:r>
+              <a:rPr lang="en-US" altLang="zh-CN" sz="1600">
+                <a:latin typeface="Leelawadee UI" panose="020B0502040204020203" pitchFamily="34" charset="-34"/>
+                <a:cs typeface="+mn-ea"/>
+              </a:rPr>
+              <a:t>+</a:t>
+            </a:r>
+            <a:r>
+              <a:rPr lang="en-US" sz="1600">
+                <a:latin typeface="Leelawadee UI" panose="020B0502040204020203" pitchFamily="34" charset="-34"/>
+                <a:cs typeface="+mn-ea"/>
+              </a:rPr>
+              <a:t>: </a:t>
             </a:r>
             <a:r>
               <a:rPr lang="zh-CN" altLang="en-US" sz="1600">
@@ -7545,7 +7601,7 @@
                 <a:latin typeface="Leelawadee UI" panose="020B0502040204020203" pitchFamily="34" charset="-34"/>
                 <a:cs typeface="+mn-ea"/>
               </a:rPr>
-              <a:t>负端</a:t>
+              <a:t>正端</a:t>
             </a:r>
             <a:endParaRPr lang="en-US" sz="1600">
               <a:latin typeface="Leelawadee UI" panose="020B0502040204020203" pitchFamily="34" charset="-34"/>
@@ -9622,10 +9678,10 @@
       </p:grpSpPr>
       <p:pic>
         <p:nvPicPr>
-          <p:cNvPr id="4" name="图片 3">
-            <a:extLst>
-              <a:ext uri="{FF2B5EF4-FFF2-40B4-BE49-F238E27FC236}">
-                <a16:creationId xmlns:a16="http://schemas.microsoft.com/office/drawing/2014/main" id="{E3E8B07B-08AF-4110-9CCE-005DB7E4F8E0}"/>
+          <p:cNvPr id="16" name="图片 15">
+            <a:extLst>
+              <a:ext uri="{FF2B5EF4-FFF2-40B4-BE49-F238E27FC236}">
+                <a16:creationId xmlns:a16="http://schemas.microsoft.com/office/drawing/2014/main" id="{75D35139-6B1D-4366-9B05-3F161204A45A}"/>
               </a:ext>
             </a:extLst>
           </p:cNvPr>
@@ -9648,8 +9704,8 @@
         </p:blipFill>
         <p:spPr>
           <a:xfrm>
-            <a:off x="1054269" y="-60618"/>
-            <a:ext cx="5334000" cy="4000500"/>
+            <a:off x="1180699" y="-223888"/>
+            <a:ext cx="5385597" cy="4039198"/>
           </a:xfrm>
           <a:prstGeom prst="rect">
             <a:avLst/>
@@ -9708,7 +9764,7 @@
         </p:nvCxnSpPr>
         <p:spPr>
           <a:xfrm rot="8700000">
-            <a:off x="6283610" y="5222367"/>
+            <a:off x="6158100" y="5222367"/>
             <a:ext cx="1333500" cy="0"/>
           </a:xfrm>
           <a:prstGeom prst="line">
@@ -9716,7 +9772,7 @@
           </a:prstGeom>
           <a:ln w="38100">
             <a:solidFill>
-              <a:srgbClr val="EDEADE"/>
+              <a:srgbClr val="EA5F41"/>
             </a:solidFill>
           </a:ln>
         </p:spPr>
@@ -9751,7 +9807,7 @@
         </p:nvCxnSpPr>
         <p:spPr>
           <a:xfrm rot="-8700000">
-            <a:off x="6283611" y="4457502"/>
+            <a:off x="6158101" y="4457502"/>
             <a:ext cx="1333500" cy="0"/>
           </a:xfrm>
           <a:prstGeom prst="line">
@@ -9759,7 +9815,7 @@
           </a:prstGeom>
           <a:ln w="38100">
             <a:solidFill>
-              <a:srgbClr val="EA5F41"/>
+              <a:srgbClr val="EDEADE"/>
             </a:solidFill>
           </a:ln>
         </p:spPr>
@@ -9792,7 +9848,7 @@
         </p:nvCxnSpPr>
         <p:spPr>
           <a:xfrm flipH="1">
-            <a:off x="4235735" y="4075069"/>
+            <a:off x="4110225" y="4075069"/>
             <a:ext cx="2168455" cy="0"/>
           </a:xfrm>
           <a:prstGeom prst="line">
@@ -9800,7 +9856,7 @@
           </a:prstGeom>
           <a:ln w="38100">
             <a:solidFill>
-              <a:srgbClr val="EA5F41"/>
+              <a:srgbClr val="EDEADE"/>
             </a:solidFill>
           </a:ln>
         </p:spPr>
@@ -9833,7 +9889,7 @@
         </p:nvCxnSpPr>
         <p:spPr>
           <a:xfrm flipH="1">
-            <a:off x="4235735" y="5604800"/>
+            <a:off x="4110225" y="5604800"/>
             <a:ext cx="2168455" cy="0"/>
           </a:xfrm>
           <a:prstGeom prst="line">
@@ -9841,7 +9897,7 @@
           </a:prstGeom>
           <a:ln w="38100">
             <a:solidFill>
-              <a:srgbClr val="EDEADE"/>
+              <a:srgbClr val="EA5F41"/>
             </a:solidFill>
           </a:ln>
         </p:spPr>
@@ -9874,7 +9930,7 @@
         </p:nvSpPr>
         <p:spPr>
           <a:xfrm>
-            <a:off x="7346490" y="4655267"/>
+            <a:off x="7220980" y="4655267"/>
             <a:ext cx="256802" cy="369332"/>
           </a:xfrm>
           <a:prstGeom prst="rect">
@@ -9911,7 +9967,7 @@
         </p:nvSpPr>
         <p:spPr>
           <a:xfrm>
-            <a:off x="7496530" y="4655267"/>
+            <a:off x="7371020" y="4655267"/>
             <a:ext cx="2082621" cy="369332"/>
           </a:xfrm>
           <a:prstGeom prst="rect">
@@ -9969,7 +10025,7 @@
         </p:nvSpPr>
         <p:spPr>
           <a:xfrm>
-            <a:off x="4351693" y="3663836"/>
+            <a:off x="4154141" y="5600008"/>
             <a:ext cx="2133918" cy="369332"/>
           </a:xfrm>
           <a:prstGeom prst="rect">
@@ -10018,7 +10074,7 @@
         </p:nvSpPr>
         <p:spPr>
           <a:xfrm>
-            <a:off x="4682608" y="5611767"/>
+            <a:off x="4514971" y="3721864"/>
             <a:ext cx="1274708" cy="369332"/>
           </a:xfrm>
           <a:prstGeom prst="rect">
@@ -10067,7 +10123,7 @@
         </p:nvSpPr>
         <p:spPr>
           <a:xfrm>
-            <a:off x="4118452" y="5419122"/>
+            <a:off x="3992942" y="5419122"/>
             <a:ext cx="256802" cy="369332"/>
           </a:xfrm>
           <a:prstGeom prst="rect">
@@ -10104,7 +10160,7 @@
         </p:nvSpPr>
         <p:spPr>
           <a:xfrm>
-            <a:off x="4067222" y="3888178"/>
+            <a:off x="3941712" y="3888178"/>
             <a:ext cx="256802" cy="369332"/>
           </a:xfrm>
           <a:prstGeom prst="rect">
@@ -10141,7 +10197,7 @@
         </p:nvSpPr>
         <p:spPr>
           <a:xfrm>
-            <a:off x="3754580" y="3791098"/>
+            <a:off x="3717408" y="5345234"/>
             <a:ext cx="383438" cy="523220"/>
           </a:xfrm>
           <a:prstGeom prst="rect">
@@ -10178,7 +10234,7 @@
         </p:nvSpPr>
         <p:spPr>
           <a:xfrm>
-            <a:off x="3758439" y="5337785"/>
+            <a:off x="3711459" y="3787602"/>
             <a:ext cx="314510" cy="523220"/>
           </a:xfrm>
           <a:prstGeom prst="rect">
